--- a/Lecture1_ChromeOmnibox.pptx
+++ b/Lecture1_ChromeOmnibox.pptx
@@ -2,16 +2,17 @@
 <file path=ppt/presentation.xml><?xml version="1.0" encoding="utf-8"?>
 <p:presentation xmlns:a="http://schemas.openxmlformats.org/drawingml/2006/main" xmlns:r="http://schemas.openxmlformats.org/officeDocument/2006/relationships" xmlns:p="http://schemas.openxmlformats.org/presentationml/2006/main" saveSubsetFonts="1" autoCompressPictures="0">
   <p:sldMasterIdLst>
-    <p:sldMasterId id="2147483648" r:id="rId1"/>
+    <p:sldMasterId id="2147483690" r:id="rId1"/>
   </p:sldMasterIdLst>
   <p:sldIdLst>
     <p:sldId id="256" r:id="rId2"/>
-    <p:sldId id="259" r:id="rId3"/>
+    <p:sldId id="263" r:id="rId3"/>
     <p:sldId id="258" r:id="rId4"/>
     <p:sldId id="257" r:id="rId5"/>
     <p:sldId id="260" r:id="rId6"/>
-    <p:sldId id="261" r:id="rId7"/>
-    <p:sldId id="262" r:id="rId8"/>
+    <p:sldId id="266" r:id="rId7"/>
+    <p:sldId id="264" r:id="rId8"/>
+    <p:sldId id="262" r:id="rId9"/>
   </p:sldIdLst>
   <p:sldSz cx="12192000" cy="6858000"/>
   <p:notesSz cx="6858000" cy="9144000"/>
@@ -110,6 +111,11 @@
       </a:defRPr>
     </a:lvl9pPr>
   </p:defaultTextStyle>
+  <p:extLst>
+    <p:ext uri="{EFAFB233-063F-42B5-8137-9DF3F51BA10A}">
+      <p15:sldGuideLst xmlns:p15="http://schemas.microsoft.com/office/powerpoint/2012/main"/>
+    </p:ext>
+  </p:extLst>
 </p:presentation>
 </file>
 
@@ -132,13 +138,111 @@
       </p:grpSpPr>
       <p:sp>
         <p:nvSpPr>
-          <p:cNvPr id="2" name="Title 1">
-            <a:extLst>
-              <a:ext uri="{FF2B5EF4-FFF2-40B4-BE49-F238E27FC236}">
-                <a16:creationId xmlns:a16="http://schemas.microsoft.com/office/drawing/2014/main" id="{930EAE3D-64B3-8E40-9D5E-F1F735199936}"/>
-              </a:ext>
-            </a:extLst>
-          </p:cNvPr>
+          <p:cNvPr id="11" name="Freeform 6"/>
+          <p:cNvSpPr/>
+          <p:nvPr/>
+        </p:nvSpPr>
+        <p:spPr bwMode="auto">
+          <a:xfrm>
+            <a:off x="0" y="-3175"/>
+            <a:ext cx="12192000" cy="5203825"/>
+          </a:xfrm>
+          <a:custGeom>
+            <a:avLst/>
+            <a:gdLst/>
+            <a:ahLst/>
+            <a:cxnLst/>
+            <a:rect l="0" t="0" r="r" b="b"/>
+            <a:pathLst>
+              <a:path w="5760" h="3278">
+                <a:moveTo>
+                  <a:pt x="5760" y="0"/>
+                </a:moveTo>
+                <a:lnTo>
+                  <a:pt x="0" y="0"/>
+                </a:lnTo>
+                <a:lnTo>
+                  <a:pt x="0" y="3090"/>
+                </a:lnTo>
+                <a:lnTo>
+                  <a:pt x="943" y="3090"/>
+                </a:lnTo>
+                <a:lnTo>
+                  <a:pt x="1123" y="3270"/>
+                </a:lnTo>
+                <a:lnTo>
+                  <a:pt x="1123" y="3270"/>
+                </a:lnTo>
+                <a:lnTo>
+                  <a:pt x="1127" y="3272"/>
+                </a:lnTo>
+                <a:lnTo>
+                  <a:pt x="1133" y="3275"/>
+                </a:lnTo>
+                <a:lnTo>
+                  <a:pt x="1139" y="3278"/>
+                </a:lnTo>
+                <a:lnTo>
+                  <a:pt x="1144" y="3278"/>
+                </a:lnTo>
+                <a:lnTo>
+                  <a:pt x="1150" y="3278"/>
+                </a:lnTo>
+                <a:lnTo>
+                  <a:pt x="1155" y="3275"/>
+                </a:lnTo>
+                <a:lnTo>
+                  <a:pt x="1161" y="3272"/>
+                </a:lnTo>
+                <a:lnTo>
+                  <a:pt x="1165" y="3270"/>
+                </a:lnTo>
+                <a:lnTo>
+                  <a:pt x="1345" y="3090"/>
+                </a:lnTo>
+                <a:lnTo>
+                  <a:pt x="5760" y="3090"/>
+                </a:lnTo>
+                <a:lnTo>
+                  <a:pt x="5760" y="0"/>
+                </a:lnTo>
+                <a:close/>
+              </a:path>
+            </a:pathLst>
+          </a:custGeom>
+          <a:ln/>
+          <a:effectLst/>
+          <a:extLst>
+            <a:ext uri="{91240B29-F687-4f45-9708-019B960494DF}">
+              <a14:hiddenLine xmlns:a14="http://schemas.microsoft.com/office/drawing/2010/main" xmlns="" w="9525">
+                <a:solidFill>
+                  <a:srgbClr val="000000"/>
+                </a:solidFill>
+                <a:round/>
+                <a:headEnd/>
+                <a:tailEnd/>
+              </a14:hiddenLine>
+            </a:ext>
+          </a:extLst>
+        </p:spPr>
+        <p:style>
+          <a:lnRef idx="1">
+            <a:schemeClr val="accent1"/>
+          </a:lnRef>
+          <a:fillRef idx="3">
+            <a:schemeClr val="accent1"/>
+          </a:fillRef>
+          <a:effectRef idx="2">
+            <a:schemeClr val="accent1"/>
+          </a:effectRef>
+          <a:fontRef idx="minor">
+            <a:schemeClr val="lt1"/>
+          </a:fontRef>
+        </p:style>
+      </p:sp>
+      <p:sp>
+        <p:nvSpPr>
+          <p:cNvPr id="2" name="Title 1"/>
           <p:cNvSpPr>
             <a:spLocks noGrp="1"/>
           </p:cNvSpPr>
@@ -148,15 +252,15 @@
         </p:nvSpPr>
         <p:spPr>
           <a:xfrm>
-            <a:off x="1524000" y="1122363"/>
-            <a:ext cx="9144000" cy="2387600"/>
+            <a:off x="810001" y="1449147"/>
+            <a:ext cx="10572000" cy="2971051"/>
           </a:xfrm>
         </p:spPr>
         <p:txBody>
-          <a:bodyPr anchor="b"/>
+          <a:bodyPr/>
           <a:lstStyle>
-            <a:lvl1pPr algn="ctr">
-              <a:defRPr sz="6000"/>
+            <a:lvl1pPr>
+              <a:defRPr sz="5400"/>
             </a:lvl1pPr>
           </a:lstStyle>
           <a:p>
@@ -164,18 +268,13 @@
               <a:rPr lang="en-US"/>
               <a:t>Click to edit Master title style</a:t>
             </a:r>
-          </a:p>
-        </p:txBody>
-      </p:sp>
-      <p:sp>
-        <p:nvSpPr>
-          <p:cNvPr id="3" name="Subtitle 2">
-            <a:extLst>
-              <a:ext uri="{FF2B5EF4-FFF2-40B4-BE49-F238E27FC236}">
-                <a16:creationId xmlns:a16="http://schemas.microsoft.com/office/drawing/2014/main" id="{4BE47450-90EC-0845-A677-35921694A484}"/>
-              </a:ext>
-            </a:extLst>
-          </p:cNvPr>
+            <a:endParaRPr lang="en-US" dirty="0"/>
+          </a:p>
+        </p:txBody>
+      </p:sp>
+      <p:sp>
+        <p:nvSpPr>
+          <p:cNvPr id="3" name="Subtitle 2"/>
           <p:cNvSpPr>
             <a:spLocks noGrp="1"/>
           </p:cNvSpPr>
@@ -185,48 +284,100 @@
         </p:nvSpPr>
         <p:spPr>
           <a:xfrm>
-            <a:off x="1524000" y="3602038"/>
-            <a:ext cx="9144000" cy="1655762"/>
+            <a:off x="810001" y="5280847"/>
+            <a:ext cx="10572000" cy="434974"/>
           </a:xfrm>
         </p:spPr>
         <p:txBody>
-          <a:bodyPr/>
+          <a:bodyPr anchor="t"/>
           <a:lstStyle>
-            <a:lvl1pPr marL="0" indent="0" algn="ctr">
-              <a:buNone/>
-              <a:defRPr sz="2400"/>
+            <a:lvl1pPr marL="0" indent="0" algn="l">
+              <a:buNone/>
+              <a:defRPr>
+                <a:solidFill>
+                  <a:schemeClr val="tx1"/>
+                </a:solidFill>
+              </a:defRPr>
             </a:lvl1pPr>
             <a:lvl2pPr marL="457200" indent="0" algn="ctr">
               <a:buNone/>
-              <a:defRPr sz="2000"/>
+              <a:defRPr>
+                <a:solidFill>
+                  <a:schemeClr val="tx1">
+                    <a:tint val="75000"/>
+                  </a:schemeClr>
+                </a:solidFill>
+              </a:defRPr>
             </a:lvl2pPr>
             <a:lvl3pPr marL="914400" indent="0" algn="ctr">
               <a:buNone/>
-              <a:defRPr sz="1800"/>
+              <a:defRPr>
+                <a:solidFill>
+                  <a:schemeClr val="tx1">
+                    <a:tint val="75000"/>
+                  </a:schemeClr>
+                </a:solidFill>
+              </a:defRPr>
             </a:lvl3pPr>
             <a:lvl4pPr marL="1371600" indent="0" algn="ctr">
               <a:buNone/>
-              <a:defRPr sz="1600"/>
+              <a:defRPr>
+                <a:solidFill>
+                  <a:schemeClr val="tx1">
+                    <a:tint val="75000"/>
+                  </a:schemeClr>
+                </a:solidFill>
+              </a:defRPr>
             </a:lvl4pPr>
             <a:lvl5pPr marL="1828800" indent="0" algn="ctr">
               <a:buNone/>
-              <a:defRPr sz="1600"/>
+              <a:defRPr>
+                <a:solidFill>
+                  <a:schemeClr val="tx1">
+                    <a:tint val="75000"/>
+                  </a:schemeClr>
+                </a:solidFill>
+              </a:defRPr>
             </a:lvl5pPr>
             <a:lvl6pPr marL="2286000" indent="0" algn="ctr">
               <a:buNone/>
-              <a:defRPr sz="1600"/>
+              <a:defRPr>
+                <a:solidFill>
+                  <a:schemeClr val="tx1">
+                    <a:tint val="75000"/>
+                  </a:schemeClr>
+                </a:solidFill>
+              </a:defRPr>
             </a:lvl6pPr>
             <a:lvl7pPr marL="2743200" indent="0" algn="ctr">
               <a:buNone/>
-              <a:defRPr sz="1600"/>
+              <a:defRPr>
+                <a:solidFill>
+                  <a:schemeClr val="tx1">
+                    <a:tint val="75000"/>
+                  </a:schemeClr>
+                </a:solidFill>
+              </a:defRPr>
             </a:lvl7pPr>
             <a:lvl8pPr marL="3200400" indent="0" algn="ctr">
               <a:buNone/>
-              <a:defRPr sz="1600"/>
+              <a:defRPr>
+                <a:solidFill>
+                  <a:schemeClr val="tx1">
+                    <a:tint val="75000"/>
+                  </a:schemeClr>
+                </a:solidFill>
+              </a:defRPr>
             </a:lvl8pPr>
             <a:lvl9pPr marL="3657600" indent="0" algn="ctr">
               <a:buNone/>
-              <a:defRPr sz="1600"/>
+              <a:defRPr>
+                <a:solidFill>
+                  <a:schemeClr val="tx1">
+                    <a:tint val="75000"/>
+                  </a:schemeClr>
+                </a:solidFill>
+              </a:defRPr>
             </a:lvl9pPr>
           </a:lstStyle>
           <a:p>
@@ -234,18 +385,13 @@
               <a:rPr lang="en-US"/>
               <a:t>Click to edit Master subtitle style</a:t>
             </a:r>
-          </a:p>
-        </p:txBody>
-      </p:sp>
-      <p:sp>
-        <p:nvSpPr>
-          <p:cNvPr id="4" name="Date Placeholder 3">
-            <a:extLst>
-              <a:ext uri="{FF2B5EF4-FFF2-40B4-BE49-F238E27FC236}">
-                <a16:creationId xmlns:a16="http://schemas.microsoft.com/office/drawing/2014/main" id="{3BB7E46F-70CF-8D4D-832C-77701C449EA5}"/>
-              </a:ext>
-            </a:extLst>
-          </p:cNvPr>
+            <a:endParaRPr lang="en-US" dirty="0"/>
+          </a:p>
+        </p:txBody>
+      </p:sp>
+      <p:sp>
+        <p:nvSpPr>
+          <p:cNvPr id="4" name="Date Placeholder 3"/>
           <p:cNvSpPr>
             <a:spLocks noGrp="1"/>
           </p:cNvSpPr>
@@ -268,13 +414,7 @@
       </p:sp>
       <p:sp>
         <p:nvSpPr>
-          <p:cNvPr id="5" name="Footer Placeholder 4">
-            <a:extLst>
-              <a:ext uri="{FF2B5EF4-FFF2-40B4-BE49-F238E27FC236}">
-                <a16:creationId xmlns:a16="http://schemas.microsoft.com/office/drawing/2014/main" id="{E56B1311-2FAC-424A-B188-9820592C3E8A}"/>
-              </a:ext>
-            </a:extLst>
-          </p:cNvPr>
+          <p:cNvPr id="5" name="Footer Placeholder 4"/>
           <p:cNvSpPr>
             <a:spLocks noGrp="1"/>
           </p:cNvSpPr>
@@ -293,13 +433,7 @@
       </p:sp>
       <p:sp>
         <p:nvSpPr>
-          <p:cNvPr id="6" name="Slide Number Placeholder 5">
-            <a:extLst>
-              <a:ext uri="{FF2B5EF4-FFF2-40B4-BE49-F238E27FC236}">
-                <a16:creationId xmlns:a16="http://schemas.microsoft.com/office/drawing/2014/main" id="{6E4DEFAB-0229-9C4A-A1AE-CC2C208BB7AF}"/>
-              </a:ext>
-            </a:extLst>
-          </p:cNvPr>
+          <p:cNvPr id="6" name="Slide Number Placeholder 5"/>
           <p:cNvSpPr>
             <a:spLocks noGrp="1"/>
           </p:cNvSpPr>
@@ -323,7 +457,7 @@
     </p:spTree>
     <p:extLst>
       <p:ext uri="{BB962C8B-B14F-4D97-AF65-F5344CB8AC3E}">
-        <p14:creationId xmlns:p14="http://schemas.microsoft.com/office/powerpoint/2010/main" val="3155250890"/>
+        <p14:creationId xmlns:p14="http://schemas.microsoft.com/office/powerpoint/2010/main" val="1467362497"/>
       </p:ext>
     </p:extLst>
   </p:cSld>
@@ -334,6 +468,1181 @@
 </file>
 
 <file path=ppt/slideLayouts/slideLayout10.xml><?xml version="1.0" encoding="utf-8"?>
+<p:sldLayout xmlns:a="http://schemas.openxmlformats.org/drawingml/2006/main" xmlns:r="http://schemas.openxmlformats.org/officeDocument/2006/relationships" xmlns:p="http://schemas.openxmlformats.org/presentationml/2006/main" preserve="1">
+  <p:cSld name="Panoramic Picture with Caption">
+    <p:spTree>
+      <p:nvGrpSpPr>
+        <p:cNvPr id="1" name=""/>
+        <p:cNvGrpSpPr/>
+        <p:nvPr/>
+      </p:nvGrpSpPr>
+      <p:grpSpPr>
+        <a:xfrm>
+          <a:off x="0" y="0"/>
+          <a:ext cx="0" cy="0"/>
+          <a:chOff x="0" y="0"/>
+          <a:chExt cx="0" cy="0"/>
+        </a:xfrm>
+      </p:grpSpPr>
+      <p:sp>
+        <p:nvSpPr>
+          <p:cNvPr id="2" name="Title 1"/>
+          <p:cNvSpPr>
+            <a:spLocks noGrp="1"/>
+          </p:cNvSpPr>
+          <p:nvPr>
+            <p:ph type="title"/>
+          </p:nvPr>
+        </p:nvSpPr>
+        <p:spPr>
+          <a:xfrm>
+            <a:off x="810000" y="4800600"/>
+            <a:ext cx="10561418" cy="566738"/>
+          </a:xfrm>
+        </p:spPr>
+        <p:txBody>
+          <a:bodyPr anchor="b">
+            <a:normAutofit/>
+          </a:bodyPr>
+          <a:lstStyle>
+            <a:lvl1pPr algn="l">
+              <a:defRPr sz="2400" b="0"/>
+            </a:lvl1pPr>
+          </a:lstStyle>
+          <a:p>
+            <a:r>
+              <a:rPr lang="en-US"/>
+              <a:t>Click to edit Master title style</a:t>
+            </a:r>
+            <a:endParaRPr lang="en-US" dirty="0"/>
+          </a:p>
+        </p:txBody>
+      </p:sp>
+      <p:sp>
+        <p:nvSpPr>
+          <p:cNvPr id="15" name="Picture Placeholder 14"/>
+          <p:cNvSpPr>
+            <a:spLocks noGrp="1" noChangeAspect="1"/>
+          </p:cNvSpPr>
+          <p:nvPr>
+            <p:ph type="pic" sz="quarter" idx="13"/>
+          </p:nvPr>
+        </p:nvSpPr>
+        <p:spPr bwMode="auto">
+          <a:xfrm>
+            <a:off x="0" y="0"/>
+            <a:ext cx="12192000" cy="4800600"/>
+          </a:xfrm>
+          <a:custGeom>
+            <a:avLst/>
+            <a:gdLst/>
+            <a:ahLst/>
+            <a:cxnLst/>
+            <a:rect l="0" t="0" r="r" b="b"/>
+            <a:pathLst>
+              <a:path w="5760" h="3289">
+                <a:moveTo>
+                  <a:pt x="5760" y="0"/>
+                </a:moveTo>
+                <a:lnTo>
+                  <a:pt x="0" y="0"/>
+                </a:lnTo>
+                <a:lnTo>
+                  <a:pt x="0" y="3100"/>
+                </a:lnTo>
+                <a:lnTo>
+                  <a:pt x="943" y="3100"/>
+                </a:lnTo>
+                <a:lnTo>
+                  <a:pt x="1123" y="3281"/>
+                </a:lnTo>
+                <a:lnTo>
+                  <a:pt x="1123" y="3281"/>
+                </a:lnTo>
+                <a:lnTo>
+                  <a:pt x="1127" y="3283"/>
+                </a:lnTo>
+                <a:lnTo>
+                  <a:pt x="1133" y="3286"/>
+                </a:lnTo>
+                <a:lnTo>
+                  <a:pt x="1139" y="3289"/>
+                </a:lnTo>
+                <a:lnTo>
+                  <a:pt x="1144" y="3289"/>
+                </a:lnTo>
+                <a:lnTo>
+                  <a:pt x="1150" y="3289"/>
+                </a:lnTo>
+                <a:lnTo>
+                  <a:pt x="1155" y="3286"/>
+                </a:lnTo>
+                <a:lnTo>
+                  <a:pt x="1161" y="3283"/>
+                </a:lnTo>
+                <a:lnTo>
+                  <a:pt x="1165" y="3281"/>
+                </a:lnTo>
+                <a:lnTo>
+                  <a:pt x="1345" y="3100"/>
+                </a:lnTo>
+                <a:lnTo>
+                  <a:pt x="5760" y="3100"/>
+                </a:lnTo>
+                <a:lnTo>
+                  <a:pt x="5760" y="0"/>
+                </a:lnTo>
+                <a:close/>
+              </a:path>
+            </a:pathLst>
+          </a:custGeom>
+          <a:noFill/>
+          <a:ln>
+            <a:solidFill>
+              <a:schemeClr val="tx2"/>
+            </a:solidFill>
+          </a:ln>
+        </p:spPr>
+        <p:style>
+          <a:lnRef idx="1">
+            <a:schemeClr val="accent1"/>
+          </a:lnRef>
+          <a:fillRef idx="3">
+            <a:schemeClr val="accent1"/>
+          </a:fillRef>
+          <a:effectRef idx="2">
+            <a:schemeClr val="accent1"/>
+          </a:effectRef>
+          <a:fontRef idx="minor">
+            <a:schemeClr val="lt1"/>
+          </a:fontRef>
+        </p:style>
+        <p:txBody>
+          <a:bodyPr wrap="square" numCol="1" anchor="t" anchorCtr="0" compatLnSpc="1">
+            <a:prstTxWarp prst="textNoShape">
+              <a:avLst/>
+            </a:prstTxWarp>
+            <a:normAutofit/>
+          </a:bodyPr>
+          <a:lstStyle>
+            <a:lvl1pPr marL="0" indent="0" algn="ctr">
+              <a:buFontTx/>
+              <a:buNone/>
+              <a:defRPr sz="1600"/>
+            </a:lvl1pPr>
+          </a:lstStyle>
+          <a:p>
+            <a:r>
+              <a:rPr lang="en-US"/>
+              <a:t>Click icon to add picture</a:t>
+            </a:r>
+            <a:endParaRPr lang="en-US" dirty="0"/>
+          </a:p>
+        </p:txBody>
+      </p:sp>
+      <p:sp>
+        <p:nvSpPr>
+          <p:cNvPr id="4" name="Text Placeholder 3"/>
+          <p:cNvSpPr>
+            <a:spLocks noGrp="1"/>
+          </p:cNvSpPr>
+          <p:nvPr>
+            <p:ph type="body" sz="half" idx="2"/>
+          </p:nvPr>
+        </p:nvSpPr>
+        <p:spPr>
+          <a:xfrm>
+            <a:off x="810000" y="5367338"/>
+            <a:ext cx="10561418" cy="493712"/>
+          </a:xfrm>
+        </p:spPr>
+        <p:txBody>
+          <a:bodyPr>
+            <a:normAutofit/>
+          </a:bodyPr>
+          <a:lstStyle>
+            <a:lvl1pPr marL="0" indent="0">
+              <a:buNone/>
+              <a:defRPr sz="1200"/>
+            </a:lvl1pPr>
+            <a:lvl2pPr marL="457200" indent="0">
+              <a:buNone/>
+              <a:defRPr sz="1200"/>
+            </a:lvl2pPr>
+            <a:lvl3pPr marL="914400" indent="0">
+              <a:buNone/>
+              <a:defRPr sz="1000"/>
+            </a:lvl3pPr>
+            <a:lvl4pPr marL="1371600" indent="0">
+              <a:buNone/>
+              <a:defRPr sz="900"/>
+            </a:lvl4pPr>
+            <a:lvl5pPr marL="1828800" indent="0">
+              <a:buNone/>
+              <a:defRPr sz="900"/>
+            </a:lvl5pPr>
+            <a:lvl6pPr marL="2286000" indent="0">
+              <a:buNone/>
+              <a:defRPr sz="900"/>
+            </a:lvl6pPr>
+            <a:lvl7pPr marL="2743200" indent="0">
+              <a:buNone/>
+              <a:defRPr sz="900"/>
+            </a:lvl7pPr>
+            <a:lvl8pPr marL="3200400" indent="0">
+              <a:buNone/>
+              <a:defRPr sz="900"/>
+            </a:lvl8pPr>
+            <a:lvl9pPr marL="3657600" indent="0">
+              <a:buNone/>
+              <a:defRPr sz="900"/>
+            </a:lvl9pPr>
+          </a:lstStyle>
+          <a:p>
+            <a:pPr lvl="0"/>
+            <a:r>
+              <a:rPr lang="en-US"/>
+              <a:t>Edit Master text styles</a:t>
+            </a:r>
+          </a:p>
+        </p:txBody>
+      </p:sp>
+      <p:sp>
+        <p:nvSpPr>
+          <p:cNvPr id="5" name="Date Placeholder 4"/>
+          <p:cNvSpPr>
+            <a:spLocks noGrp="1"/>
+          </p:cNvSpPr>
+          <p:nvPr>
+            <p:ph type="dt" sz="half" idx="10"/>
+          </p:nvPr>
+        </p:nvSpPr>
+        <p:spPr/>
+        <p:txBody>
+          <a:bodyPr/>
+          <a:lstStyle/>
+          <a:p>
+            <a:fld id="{D884EC6D-DBF8-AA49-A523-C4FC194340D1}" type="datetimeFigureOut">
+              <a:rPr lang="en-US" smtClean="0"/>
+              <a:t>9/17/18</a:t>
+            </a:fld>
+            <a:endParaRPr lang="en-US"/>
+          </a:p>
+        </p:txBody>
+      </p:sp>
+      <p:sp>
+        <p:nvSpPr>
+          <p:cNvPr id="6" name="Footer Placeholder 5"/>
+          <p:cNvSpPr>
+            <a:spLocks noGrp="1"/>
+          </p:cNvSpPr>
+          <p:nvPr>
+            <p:ph type="ftr" sz="quarter" idx="11"/>
+          </p:nvPr>
+        </p:nvSpPr>
+        <p:spPr/>
+        <p:txBody>
+          <a:bodyPr/>
+          <a:lstStyle/>
+          <a:p>
+            <a:endParaRPr lang="en-US"/>
+          </a:p>
+        </p:txBody>
+      </p:sp>
+      <p:sp>
+        <p:nvSpPr>
+          <p:cNvPr id="7" name="Slide Number Placeholder 6"/>
+          <p:cNvSpPr>
+            <a:spLocks noGrp="1"/>
+          </p:cNvSpPr>
+          <p:nvPr>
+            <p:ph type="sldNum" sz="quarter" idx="12"/>
+          </p:nvPr>
+        </p:nvSpPr>
+        <p:spPr/>
+        <p:txBody>
+          <a:bodyPr/>
+          <a:lstStyle/>
+          <a:p>
+            <a:fld id="{96994482-8B31-D544-9EE3-5F7C73C54DCF}" type="slidenum">
+              <a:rPr lang="en-US" smtClean="0"/>
+              <a:t>‹#›</a:t>
+            </a:fld>
+            <a:endParaRPr lang="en-US"/>
+          </a:p>
+        </p:txBody>
+      </p:sp>
+    </p:spTree>
+    <p:extLst>
+      <p:ext uri="{BB962C8B-B14F-4D97-AF65-F5344CB8AC3E}">
+        <p14:creationId xmlns:p14="http://schemas.microsoft.com/office/powerpoint/2010/main" val="3805824881"/>
+      </p:ext>
+    </p:extLst>
+  </p:cSld>
+  <p:clrMapOvr>
+    <a:masterClrMapping/>
+  </p:clrMapOvr>
+</p:sldLayout>
+</file>
+
+<file path=ppt/slideLayouts/slideLayout11.xml><?xml version="1.0" encoding="utf-8"?>
+<p:sldLayout xmlns:a="http://schemas.openxmlformats.org/drawingml/2006/main" xmlns:r="http://schemas.openxmlformats.org/officeDocument/2006/relationships" xmlns:p="http://schemas.openxmlformats.org/presentationml/2006/main" preserve="1">
+  <p:cSld name="Quote with Caption">
+    <p:spTree>
+      <p:nvGrpSpPr>
+        <p:cNvPr id="1" name=""/>
+        <p:cNvGrpSpPr/>
+        <p:nvPr/>
+      </p:nvGrpSpPr>
+      <p:grpSpPr>
+        <a:xfrm>
+          <a:off x="0" y="0"/>
+          <a:ext cx="0" cy="0"/>
+          <a:chOff x="0" y="0"/>
+          <a:chExt cx="0" cy="0"/>
+        </a:xfrm>
+      </p:grpSpPr>
+      <p:sp>
+        <p:nvSpPr>
+          <p:cNvPr id="8" name="Freeform 6"/>
+          <p:cNvSpPr>
+            <a:spLocks noChangeAspect="1"/>
+          </p:cNvSpPr>
+          <p:nvPr/>
+        </p:nvSpPr>
+        <p:spPr bwMode="auto">
+          <a:xfrm>
+            <a:off x="631697" y="1081456"/>
+            <a:ext cx="6332416" cy="3239188"/>
+          </a:xfrm>
+          <a:custGeom>
+            <a:avLst/>
+            <a:gdLst/>
+            <a:ahLst/>
+            <a:cxnLst/>
+            <a:rect l="0" t="0" r="r" b="b"/>
+            <a:pathLst>
+              <a:path w="3384" h="2308">
+                <a:moveTo>
+                  <a:pt x="3340" y="0"/>
+                </a:moveTo>
+                <a:lnTo>
+                  <a:pt x="44" y="0"/>
+                </a:lnTo>
+                <a:lnTo>
+                  <a:pt x="44" y="0"/>
+                </a:lnTo>
+                <a:lnTo>
+                  <a:pt x="34" y="0"/>
+                </a:lnTo>
+                <a:lnTo>
+                  <a:pt x="26" y="4"/>
+                </a:lnTo>
+                <a:lnTo>
+                  <a:pt x="20" y="8"/>
+                </a:lnTo>
+                <a:lnTo>
+                  <a:pt x="12" y="12"/>
+                </a:lnTo>
+                <a:lnTo>
+                  <a:pt x="8" y="20"/>
+                </a:lnTo>
+                <a:lnTo>
+                  <a:pt x="4" y="26"/>
+                </a:lnTo>
+                <a:lnTo>
+                  <a:pt x="0" y="34"/>
+                </a:lnTo>
+                <a:lnTo>
+                  <a:pt x="0" y="44"/>
+                </a:lnTo>
+                <a:lnTo>
+                  <a:pt x="0" y="2076"/>
+                </a:lnTo>
+                <a:lnTo>
+                  <a:pt x="0" y="2076"/>
+                </a:lnTo>
+                <a:lnTo>
+                  <a:pt x="0" y="2086"/>
+                </a:lnTo>
+                <a:lnTo>
+                  <a:pt x="4" y="2094"/>
+                </a:lnTo>
+                <a:lnTo>
+                  <a:pt x="8" y="2100"/>
+                </a:lnTo>
+                <a:lnTo>
+                  <a:pt x="12" y="2108"/>
+                </a:lnTo>
+                <a:lnTo>
+                  <a:pt x="20" y="2112"/>
+                </a:lnTo>
+                <a:lnTo>
+                  <a:pt x="26" y="2116"/>
+                </a:lnTo>
+                <a:lnTo>
+                  <a:pt x="34" y="2120"/>
+                </a:lnTo>
+                <a:lnTo>
+                  <a:pt x="44" y="2120"/>
+                </a:lnTo>
+                <a:lnTo>
+                  <a:pt x="474" y="2120"/>
+                </a:lnTo>
+                <a:lnTo>
+                  <a:pt x="650" y="2296"/>
+                </a:lnTo>
+                <a:lnTo>
+                  <a:pt x="650" y="2296"/>
+                </a:lnTo>
+                <a:lnTo>
+                  <a:pt x="656" y="2300"/>
+                </a:lnTo>
+                <a:lnTo>
+                  <a:pt x="664" y="2304"/>
+                </a:lnTo>
+                <a:lnTo>
+                  <a:pt x="672" y="2308"/>
+                </a:lnTo>
+                <a:lnTo>
+                  <a:pt x="680" y="2308"/>
+                </a:lnTo>
+                <a:lnTo>
+                  <a:pt x="688" y="2308"/>
+                </a:lnTo>
+                <a:lnTo>
+                  <a:pt x="696" y="2304"/>
+                </a:lnTo>
+                <a:lnTo>
+                  <a:pt x="704" y="2300"/>
+                </a:lnTo>
+                <a:lnTo>
+                  <a:pt x="710" y="2296"/>
+                </a:lnTo>
+                <a:lnTo>
+                  <a:pt x="886" y="2120"/>
+                </a:lnTo>
+                <a:lnTo>
+                  <a:pt x="3340" y="2120"/>
+                </a:lnTo>
+                <a:lnTo>
+                  <a:pt x="3340" y="2120"/>
+                </a:lnTo>
+                <a:lnTo>
+                  <a:pt x="3350" y="2120"/>
+                </a:lnTo>
+                <a:lnTo>
+                  <a:pt x="3358" y="2116"/>
+                </a:lnTo>
+                <a:lnTo>
+                  <a:pt x="3364" y="2112"/>
+                </a:lnTo>
+                <a:lnTo>
+                  <a:pt x="3372" y="2108"/>
+                </a:lnTo>
+                <a:lnTo>
+                  <a:pt x="3376" y="2100"/>
+                </a:lnTo>
+                <a:lnTo>
+                  <a:pt x="3380" y="2094"/>
+                </a:lnTo>
+                <a:lnTo>
+                  <a:pt x="3384" y="2086"/>
+                </a:lnTo>
+                <a:lnTo>
+                  <a:pt x="3384" y="2076"/>
+                </a:lnTo>
+                <a:lnTo>
+                  <a:pt x="3384" y="44"/>
+                </a:lnTo>
+                <a:lnTo>
+                  <a:pt x="3384" y="44"/>
+                </a:lnTo>
+                <a:lnTo>
+                  <a:pt x="3384" y="34"/>
+                </a:lnTo>
+                <a:lnTo>
+                  <a:pt x="3380" y="26"/>
+                </a:lnTo>
+                <a:lnTo>
+                  <a:pt x="3376" y="20"/>
+                </a:lnTo>
+                <a:lnTo>
+                  <a:pt x="3372" y="12"/>
+                </a:lnTo>
+                <a:lnTo>
+                  <a:pt x="3364" y="8"/>
+                </a:lnTo>
+                <a:lnTo>
+                  <a:pt x="3358" y="4"/>
+                </a:lnTo>
+                <a:lnTo>
+                  <a:pt x="3350" y="0"/>
+                </a:lnTo>
+                <a:lnTo>
+                  <a:pt x="3340" y="0"/>
+                </a:lnTo>
+                <a:lnTo>
+                  <a:pt x="3340" y="0"/>
+                </a:lnTo>
+                <a:close/>
+              </a:path>
+            </a:pathLst>
+          </a:custGeom>
+          <a:ln>
+            <a:solidFill>
+              <a:schemeClr val="accent1"/>
+            </a:solidFill>
+          </a:ln>
+        </p:spPr>
+        <p:style>
+          <a:lnRef idx="1">
+            <a:schemeClr val="accent1"/>
+          </a:lnRef>
+          <a:fillRef idx="3">
+            <a:schemeClr val="accent1"/>
+          </a:fillRef>
+          <a:effectRef idx="2">
+            <a:schemeClr val="accent1"/>
+          </a:effectRef>
+          <a:fontRef idx="minor">
+            <a:schemeClr val="lt1"/>
+          </a:fontRef>
+        </p:style>
+      </p:sp>
+      <p:sp>
+        <p:nvSpPr>
+          <p:cNvPr id="2" name="Title 1"/>
+          <p:cNvSpPr>
+            <a:spLocks noGrp="1"/>
+          </p:cNvSpPr>
+          <p:nvPr>
+            <p:ph type="title"/>
+          </p:nvPr>
+        </p:nvSpPr>
+        <p:spPr>
+          <a:xfrm>
+            <a:off x="850985" y="1238502"/>
+            <a:ext cx="5893840" cy="2645912"/>
+          </a:xfrm>
+        </p:spPr>
+        <p:txBody>
+          <a:bodyPr anchor="b"/>
+          <a:lstStyle>
+            <a:lvl1pPr algn="l">
+              <a:defRPr sz="4200" b="1" cap="none"/>
+            </a:lvl1pPr>
+          </a:lstStyle>
+          <a:p>
+            <a:r>
+              <a:rPr lang="en-US"/>
+              <a:t>Click to edit Master title style</a:t>
+            </a:r>
+            <a:endParaRPr lang="en-US" dirty="0"/>
+          </a:p>
+        </p:txBody>
+      </p:sp>
+      <p:sp>
+        <p:nvSpPr>
+          <p:cNvPr id="3" name="Text Placeholder 2"/>
+          <p:cNvSpPr>
+            <a:spLocks noGrp="1"/>
+          </p:cNvSpPr>
+          <p:nvPr>
+            <p:ph type="body" idx="1"/>
+          </p:nvPr>
+        </p:nvSpPr>
+        <p:spPr>
+          <a:xfrm>
+            <a:off x="853190" y="4443680"/>
+            <a:ext cx="5891636" cy="713241"/>
+          </a:xfrm>
+        </p:spPr>
+        <p:txBody>
+          <a:bodyPr anchor="t">
+            <a:noAutofit/>
+          </a:bodyPr>
+          <a:lstStyle>
+            <a:lvl1pPr marL="0" indent="0" algn="l">
+              <a:buNone/>
+              <a:defRPr sz="1800">
+                <a:solidFill>
+                  <a:schemeClr val="tx1"/>
+                </a:solidFill>
+              </a:defRPr>
+            </a:lvl1pPr>
+            <a:lvl2pPr marL="457200" indent="0">
+              <a:buNone/>
+              <a:defRPr sz="1800">
+                <a:solidFill>
+                  <a:schemeClr val="tx1">
+                    <a:tint val="75000"/>
+                  </a:schemeClr>
+                </a:solidFill>
+              </a:defRPr>
+            </a:lvl2pPr>
+            <a:lvl3pPr marL="914400" indent="0">
+              <a:buNone/>
+              <a:defRPr sz="1600">
+                <a:solidFill>
+                  <a:schemeClr val="tx1">
+                    <a:tint val="75000"/>
+                  </a:schemeClr>
+                </a:solidFill>
+              </a:defRPr>
+            </a:lvl3pPr>
+            <a:lvl4pPr marL="1371600" indent="0">
+              <a:buNone/>
+              <a:defRPr sz="1400">
+                <a:solidFill>
+                  <a:schemeClr val="tx1">
+                    <a:tint val="75000"/>
+                  </a:schemeClr>
+                </a:solidFill>
+              </a:defRPr>
+            </a:lvl4pPr>
+            <a:lvl5pPr marL="1828800" indent="0">
+              <a:buNone/>
+              <a:defRPr sz="1400">
+                <a:solidFill>
+                  <a:schemeClr val="tx1">
+                    <a:tint val="75000"/>
+                  </a:schemeClr>
+                </a:solidFill>
+              </a:defRPr>
+            </a:lvl5pPr>
+            <a:lvl6pPr marL="2286000" indent="0">
+              <a:buNone/>
+              <a:defRPr sz="1400">
+                <a:solidFill>
+                  <a:schemeClr val="tx1">
+                    <a:tint val="75000"/>
+                  </a:schemeClr>
+                </a:solidFill>
+              </a:defRPr>
+            </a:lvl6pPr>
+            <a:lvl7pPr marL="2743200" indent="0">
+              <a:buNone/>
+              <a:defRPr sz="1400">
+                <a:solidFill>
+                  <a:schemeClr val="tx1">
+                    <a:tint val="75000"/>
+                  </a:schemeClr>
+                </a:solidFill>
+              </a:defRPr>
+            </a:lvl7pPr>
+            <a:lvl8pPr marL="3200400" indent="0">
+              <a:buNone/>
+              <a:defRPr sz="1400">
+                <a:solidFill>
+                  <a:schemeClr val="tx1">
+                    <a:tint val="75000"/>
+                  </a:schemeClr>
+                </a:solidFill>
+              </a:defRPr>
+            </a:lvl8pPr>
+            <a:lvl9pPr marL="3657600" indent="0">
+              <a:buNone/>
+              <a:defRPr sz="1400">
+                <a:solidFill>
+                  <a:schemeClr val="tx1">
+                    <a:tint val="75000"/>
+                  </a:schemeClr>
+                </a:solidFill>
+              </a:defRPr>
+            </a:lvl9pPr>
+          </a:lstStyle>
+          <a:p>
+            <a:pPr lvl="0"/>
+            <a:r>
+              <a:rPr lang="en-US"/>
+              <a:t>Edit Master text styles</a:t>
+            </a:r>
+          </a:p>
+        </p:txBody>
+      </p:sp>
+      <p:sp>
+        <p:nvSpPr>
+          <p:cNvPr id="9" name="Text Placeholder 5"/>
+          <p:cNvSpPr>
+            <a:spLocks noGrp="1"/>
+          </p:cNvSpPr>
+          <p:nvPr>
+            <p:ph type="body" sz="quarter" idx="16"/>
+          </p:nvPr>
+        </p:nvSpPr>
+        <p:spPr>
+          <a:xfrm>
+            <a:off x="7574642" y="1081456"/>
+            <a:ext cx="3810001" cy="4075465"/>
+          </a:xfrm>
+        </p:spPr>
+        <p:txBody>
+          <a:bodyPr anchor="t"/>
+          <a:lstStyle>
+            <a:lvl1pPr marL="0" indent="0">
+              <a:buFontTx/>
+              <a:buNone/>
+              <a:defRPr/>
+            </a:lvl1pPr>
+          </a:lstStyle>
+          <a:p>
+            <a:pPr lvl="0"/>
+            <a:r>
+              <a:rPr lang="en-US"/>
+              <a:t>Edit Master text styles</a:t>
+            </a:r>
+          </a:p>
+        </p:txBody>
+      </p:sp>
+      <p:sp>
+        <p:nvSpPr>
+          <p:cNvPr id="4" name="Date Placeholder 3"/>
+          <p:cNvSpPr>
+            <a:spLocks noGrp="1"/>
+          </p:cNvSpPr>
+          <p:nvPr>
+            <p:ph type="dt" sz="half" idx="10"/>
+          </p:nvPr>
+        </p:nvSpPr>
+        <p:spPr/>
+        <p:txBody>
+          <a:bodyPr/>
+          <a:lstStyle/>
+          <a:p>
+            <a:fld id="{D884EC6D-DBF8-AA49-A523-C4FC194340D1}" type="datetimeFigureOut">
+              <a:rPr lang="en-US" smtClean="0"/>
+              <a:t>9/17/18</a:t>
+            </a:fld>
+            <a:endParaRPr lang="en-US"/>
+          </a:p>
+        </p:txBody>
+      </p:sp>
+      <p:sp>
+        <p:nvSpPr>
+          <p:cNvPr id="5" name="Footer Placeholder 4"/>
+          <p:cNvSpPr>
+            <a:spLocks noGrp="1"/>
+          </p:cNvSpPr>
+          <p:nvPr>
+            <p:ph type="ftr" sz="quarter" idx="11"/>
+          </p:nvPr>
+        </p:nvSpPr>
+        <p:spPr/>
+        <p:txBody>
+          <a:bodyPr/>
+          <a:lstStyle/>
+          <a:p>
+            <a:endParaRPr lang="en-US"/>
+          </a:p>
+        </p:txBody>
+      </p:sp>
+      <p:sp>
+        <p:nvSpPr>
+          <p:cNvPr id="6" name="Slide Number Placeholder 5"/>
+          <p:cNvSpPr>
+            <a:spLocks noGrp="1"/>
+          </p:cNvSpPr>
+          <p:nvPr>
+            <p:ph type="sldNum" sz="quarter" idx="12"/>
+          </p:nvPr>
+        </p:nvSpPr>
+        <p:spPr/>
+        <p:txBody>
+          <a:bodyPr/>
+          <a:lstStyle/>
+          <a:p>
+            <a:fld id="{96994482-8B31-D544-9EE3-5F7C73C54DCF}" type="slidenum">
+              <a:rPr lang="en-US" smtClean="0"/>
+              <a:t>‹#›</a:t>
+            </a:fld>
+            <a:endParaRPr lang="en-US"/>
+          </a:p>
+        </p:txBody>
+      </p:sp>
+    </p:spTree>
+    <p:extLst>
+      <p:ext uri="{BB962C8B-B14F-4D97-AF65-F5344CB8AC3E}">
+        <p14:creationId xmlns:p14="http://schemas.microsoft.com/office/powerpoint/2010/main" val="1264368491"/>
+      </p:ext>
+    </p:extLst>
+  </p:cSld>
+  <p:clrMapOvr>
+    <a:masterClrMapping/>
+  </p:clrMapOvr>
+</p:sldLayout>
+</file>
+
+<file path=ppt/slideLayouts/slideLayout12.xml><?xml version="1.0" encoding="utf-8"?>
+<p:sldLayout xmlns:a="http://schemas.openxmlformats.org/drawingml/2006/main" xmlns:r="http://schemas.openxmlformats.org/officeDocument/2006/relationships" xmlns:p="http://schemas.openxmlformats.org/presentationml/2006/main" preserve="1">
+  <p:cSld name="Name Card">
+    <p:spTree>
+      <p:nvGrpSpPr>
+        <p:cNvPr id="1" name=""/>
+        <p:cNvGrpSpPr/>
+        <p:nvPr/>
+      </p:nvGrpSpPr>
+      <p:grpSpPr>
+        <a:xfrm>
+          <a:off x="0" y="0"/>
+          <a:ext cx="0" cy="0"/>
+          <a:chOff x="0" y="0"/>
+          <a:chExt cx="0" cy="0"/>
+        </a:xfrm>
+      </p:grpSpPr>
+      <p:sp>
+        <p:nvSpPr>
+          <p:cNvPr id="9" name="Freeform 6"/>
+          <p:cNvSpPr>
+            <a:spLocks noChangeAspect="1"/>
+          </p:cNvSpPr>
+          <p:nvPr/>
+        </p:nvSpPr>
+        <p:spPr bwMode="auto">
+          <a:xfrm>
+            <a:off x="1140884" y="2286585"/>
+            <a:ext cx="4895115" cy="2503972"/>
+          </a:xfrm>
+          <a:custGeom>
+            <a:avLst/>
+            <a:gdLst/>
+            <a:ahLst/>
+            <a:cxnLst/>
+            <a:rect l="0" t="0" r="r" b="b"/>
+            <a:pathLst>
+              <a:path w="3384" h="2308">
+                <a:moveTo>
+                  <a:pt x="3340" y="0"/>
+                </a:moveTo>
+                <a:lnTo>
+                  <a:pt x="44" y="0"/>
+                </a:lnTo>
+                <a:lnTo>
+                  <a:pt x="44" y="0"/>
+                </a:lnTo>
+                <a:lnTo>
+                  <a:pt x="34" y="0"/>
+                </a:lnTo>
+                <a:lnTo>
+                  <a:pt x="26" y="4"/>
+                </a:lnTo>
+                <a:lnTo>
+                  <a:pt x="20" y="8"/>
+                </a:lnTo>
+                <a:lnTo>
+                  <a:pt x="12" y="12"/>
+                </a:lnTo>
+                <a:lnTo>
+                  <a:pt x="8" y="20"/>
+                </a:lnTo>
+                <a:lnTo>
+                  <a:pt x="4" y="26"/>
+                </a:lnTo>
+                <a:lnTo>
+                  <a:pt x="0" y="34"/>
+                </a:lnTo>
+                <a:lnTo>
+                  <a:pt x="0" y="44"/>
+                </a:lnTo>
+                <a:lnTo>
+                  <a:pt x="0" y="2076"/>
+                </a:lnTo>
+                <a:lnTo>
+                  <a:pt x="0" y="2076"/>
+                </a:lnTo>
+                <a:lnTo>
+                  <a:pt x="0" y="2086"/>
+                </a:lnTo>
+                <a:lnTo>
+                  <a:pt x="4" y="2094"/>
+                </a:lnTo>
+                <a:lnTo>
+                  <a:pt x="8" y="2100"/>
+                </a:lnTo>
+                <a:lnTo>
+                  <a:pt x="12" y="2108"/>
+                </a:lnTo>
+                <a:lnTo>
+                  <a:pt x="20" y="2112"/>
+                </a:lnTo>
+                <a:lnTo>
+                  <a:pt x="26" y="2116"/>
+                </a:lnTo>
+                <a:lnTo>
+                  <a:pt x="34" y="2120"/>
+                </a:lnTo>
+                <a:lnTo>
+                  <a:pt x="44" y="2120"/>
+                </a:lnTo>
+                <a:lnTo>
+                  <a:pt x="474" y="2120"/>
+                </a:lnTo>
+                <a:lnTo>
+                  <a:pt x="650" y="2296"/>
+                </a:lnTo>
+                <a:lnTo>
+                  <a:pt x="650" y="2296"/>
+                </a:lnTo>
+                <a:lnTo>
+                  <a:pt x="656" y="2300"/>
+                </a:lnTo>
+                <a:lnTo>
+                  <a:pt x="664" y="2304"/>
+                </a:lnTo>
+                <a:lnTo>
+                  <a:pt x="672" y="2308"/>
+                </a:lnTo>
+                <a:lnTo>
+                  <a:pt x="680" y="2308"/>
+                </a:lnTo>
+                <a:lnTo>
+                  <a:pt x="688" y="2308"/>
+                </a:lnTo>
+                <a:lnTo>
+                  <a:pt x="696" y="2304"/>
+                </a:lnTo>
+                <a:lnTo>
+                  <a:pt x="704" y="2300"/>
+                </a:lnTo>
+                <a:lnTo>
+                  <a:pt x="710" y="2296"/>
+                </a:lnTo>
+                <a:lnTo>
+                  <a:pt x="886" y="2120"/>
+                </a:lnTo>
+                <a:lnTo>
+                  <a:pt x="3340" y="2120"/>
+                </a:lnTo>
+                <a:lnTo>
+                  <a:pt x="3340" y="2120"/>
+                </a:lnTo>
+                <a:lnTo>
+                  <a:pt x="3350" y="2120"/>
+                </a:lnTo>
+                <a:lnTo>
+                  <a:pt x="3358" y="2116"/>
+                </a:lnTo>
+                <a:lnTo>
+                  <a:pt x="3364" y="2112"/>
+                </a:lnTo>
+                <a:lnTo>
+                  <a:pt x="3372" y="2108"/>
+                </a:lnTo>
+                <a:lnTo>
+                  <a:pt x="3376" y="2100"/>
+                </a:lnTo>
+                <a:lnTo>
+                  <a:pt x="3380" y="2094"/>
+                </a:lnTo>
+                <a:lnTo>
+                  <a:pt x="3384" y="2086"/>
+                </a:lnTo>
+                <a:lnTo>
+                  <a:pt x="3384" y="2076"/>
+                </a:lnTo>
+                <a:lnTo>
+                  <a:pt x="3384" y="44"/>
+                </a:lnTo>
+                <a:lnTo>
+                  <a:pt x="3384" y="44"/>
+                </a:lnTo>
+                <a:lnTo>
+                  <a:pt x="3384" y="34"/>
+                </a:lnTo>
+                <a:lnTo>
+                  <a:pt x="3380" y="26"/>
+                </a:lnTo>
+                <a:lnTo>
+                  <a:pt x="3376" y="20"/>
+                </a:lnTo>
+                <a:lnTo>
+                  <a:pt x="3372" y="12"/>
+                </a:lnTo>
+                <a:lnTo>
+                  <a:pt x="3364" y="8"/>
+                </a:lnTo>
+                <a:lnTo>
+                  <a:pt x="3358" y="4"/>
+                </a:lnTo>
+                <a:lnTo>
+                  <a:pt x="3350" y="0"/>
+                </a:lnTo>
+                <a:lnTo>
+                  <a:pt x="3340" y="0"/>
+                </a:lnTo>
+                <a:lnTo>
+                  <a:pt x="3340" y="0"/>
+                </a:lnTo>
+                <a:close/>
+              </a:path>
+            </a:pathLst>
+          </a:custGeom>
+          <a:ln>
+            <a:solidFill>
+              <a:schemeClr val="accent1"/>
+            </a:solidFill>
+          </a:ln>
+        </p:spPr>
+        <p:style>
+          <a:lnRef idx="1">
+            <a:schemeClr val="accent1"/>
+          </a:lnRef>
+          <a:fillRef idx="3">
+            <a:schemeClr val="accent1"/>
+          </a:fillRef>
+          <a:effectRef idx="2">
+            <a:schemeClr val="accent1"/>
+          </a:effectRef>
+          <a:fontRef idx="minor">
+            <a:schemeClr val="lt1"/>
+          </a:fontRef>
+        </p:style>
+      </p:sp>
+      <p:sp>
+        <p:nvSpPr>
+          <p:cNvPr id="38" name="Title 1"/>
+          <p:cNvSpPr>
+            <a:spLocks noGrp="1"/>
+          </p:cNvSpPr>
+          <p:nvPr>
+            <p:ph type="title"/>
+          </p:nvPr>
+        </p:nvSpPr>
+        <p:spPr>
+          <a:xfrm>
+            <a:off x="1357089" y="2435957"/>
+            <a:ext cx="4382521" cy="2007789"/>
+          </a:xfrm>
+        </p:spPr>
+        <p:txBody>
+          <a:bodyPr/>
+          <a:lstStyle>
+            <a:lvl1pPr>
+              <a:defRPr sz="3200"/>
+            </a:lvl1pPr>
+          </a:lstStyle>
+          <a:p>
+            <a:r>
+              <a:rPr lang="en-US"/>
+              <a:t>Click to edit Master title style</a:t>
+            </a:r>
+            <a:endParaRPr lang="en-US" dirty="0"/>
+          </a:p>
+        </p:txBody>
+      </p:sp>
+      <p:sp>
+        <p:nvSpPr>
+          <p:cNvPr id="6" name="Text Placeholder 5"/>
+          <p:cNvSpPr>
+            <a:spLocks noGrp="1"/>
+          </p:cNvSpPr>
+          <p:nvPr>
+            <p:ph type="body" sz="quarter" idx="16"/>
+          </p:nvPr>
+        </p:nvSpPr>
+        <p:spPr>
+          <a:xfrm>
+            <a:off x="6156000" y="2286000"/>
+            <a:ext cx="4880300" cy="2295525"/>
+          </a:xfrm>
+        </p:spPr>
+        <p:txBody>
+          <a:bodyPr anchor="t"/>
+          <a:lstStyle>
+            <a:lvl1pPr marL="0" indent="0">
+              <a:buFontTx/>
+              <a:buNone/>
+              <a:defRPr/>
+            </a:lvl1pPr>
+          </a:lstStyle>
+          <a:p>
+            <a:pPr lvl="0"/>
+            <a:r>
+              <a:rPr lang="en-US"/>
+              <a:t>Edit Master text styles</a:t>
+            </a:r>
+          </a:p>
+        </p:txBody>
+      </p:sp>
+      <p:sp>
+        <p:nvSpPr>
+          <p:cNvPr id="2" name="Date Placeholder 1"/>
+          <p:cNvSpPr>
+            <a:spLocks noGrp="1"/>
+          </p:cNvSpPr>
+          <p:nvPr>
+            <p:ph type="dt" sz="half" idx="10"/>
+          </p:nvPr>
+        </p:nvSpPr>
+        <p:spPr/>
+        <p:txBody>
+          <a:bodyPr/>
+          <a:lstStyle/>
+          <a:p>
+            <a:fld id="{D884EC6D-DBF8-AA49-A523-C4FC194340D1}" type="datetimeFigureOut">
+              <a:rPr lang="en-US" smtClean="0"/>
+              <a:t>9/17/18</a:t>
+            </a:fld>
+            <a:endParaRPr lang="en-US"/>
+          </a:p>
+        </p:txBody>
+      </p:sp>
+      <p:sp>
+        <p:nvSpPr>
+          <p:cNvPr id="3" name="Footer Placeholder 2"/>
+          <p:cNvSpPr>
+            <a:spLocks noGrp="1"/>
+          </p:cNvSpPr>
+          <p:nvPr>
+            <p:ph type="ftr" sz="quarter" idx="11"/>
+          </p:nvPr>
+        </p:nvSpPr>
+        <p:spPr/>
+        <p:txBody>
+          <a:bodyPr/>
+          <a:lstStyle/>
+          <a:p>
+            <a:endParaRPr lang="en-US"/>
+          </a:p>
+        </p:txBody>
+      </p:sp>
+      <p:sp>
+        <p:nvSpPr>
+          <p:cNvPr id="4" name="Slide Number Placeholder 3"/>
+          <p:cNvSpPr>
+            <a:spLocks noGrp="1"/>
+          </p:cNvSpPr>
+          <p:nvPr>
+            <p:ph type="sldNum" sz="quarter" idx="12"/>
+          </p:nvPr>
+        </p:nvSpPr>
+        <p:spPr/>
+        <p:txBody>
+          <a:bodyPr/>
+          <a:lstStyle/>
+          <a:p>
+            <a:fld id="{96994482-8B31-D544-9EE3-5F7C73C54DCF}" type="slidenum">
+              <a:rPr lang="en-US" smtClean="0"/>
+              <a:t>‹#›</a:t>
+            </a:fld>
+            <a:endParaRPr lang="en-US"/>
+          </a:p>
+        </p:txBody>
+      </p:sp>
+    </p:spTree>
+    <p:extLst>
+      <p:ext uri="{BB962C8B-B14F-4D97-AF65-F5344CB8AC3E}">
+        <p14:creationId xmlns:p14="http://schemas.microsoft.com/office/powerpoint/2010/main" val="2455270141"/>
+      </p:ext>
+    </p:extLst>
+  </p:cSld>
+  <p:clrMapOvr>
+    <a:masterClrMapping/>
+  </p:clrMapOvr>
+</p:sldLayout>
+</file>
+
+<file path=ppt/slideLayouts/slideLayout13.xml><?xml version="1.0" encoding="utf-8"?>
 <p:sldLayout xmlns:a="http://schemas.openxmlformats.org/drawingml/2006/main" xmlns:r="http://schemas.openxmlformats.org/officeDocument/2006/relationships" xmlns:p="http://schemas.openxmlformats.org/presentationml/2006/main" type="vertTx" preserve="1">
   <p:cSld name="Title and Vertical Text">
     <p:spTree>
@@ -352,13 +1661,110 @@
       </p:grpSpPr>
       <p:sp>
         <p:nvSpPr>
-          <p:cNvPr id="2" name="Title 1">
-            <a:extLst>
-              <a:ext uri="{FF2B5EF4-FFF2-40B4-BE49-F238E27FC236}">
-                <a16:creationId xmlns:a16="http://schemas.microsoft.com/office/drawing/2014/main" id="{303BA7D6-7A7E-8246-A697-90A698F84B13}"/>
-              </a:ext>
-            </a:extLst>
-          </p:cNvPr>
+          <p:cNvPr id="7" name="Freeform 6"/>
+          <p:cNvSpPr/>
+          <p:nvPr/>
+        </p:nvSpPr>
+        <p:spPr bwMode="auto">
+          <a:xfrm>
+            <a:off x="0" y="0"/>
+            <a:ext cx="12192000" cy="2185988"/>
+          </a:xfrm>
+          <a:custGeom>
+            <a:avLst/>
+            <a:gdLst/>
+            <a:ahLst/>
+            <a:cxnLst/>
+            <a:rect l="0" t="0" r="r" b="b"/>
+            <a:pathLst>
+              <a:path w="5760" h="1377">
+                <a:moveTo>
+                  <a:pt x="5760" y="0"/>
+                </a:moveTo>
+                <a:lnTo>
+                  <a:pt x="0" y="0"/>
+                </a:lnTo>
+                <a:lnTo>
+                  <a:pt x="0" y="1189"/>
+                </a:lnTo>
+                <a:lnTo>
+                  <a:pt x="943" y="1189"/>
+                </a:lnTo>
+                <a:lnTo>
+                  <a:pt x="1123" y="1369"/>
+                </a:lnTo>
+                <a:lnTo>
+                  <a:pt x="1123" y="1369"/>
+                </a:lnTo>
+                <a:lnTo>
+                  <a:pt x="1127" y="1371"/>
+                </a:lnTo>
+                <a:lnTo>
+                  <a:pt x="1133" y="1374"/>
+                </a:lnTo>
+                <a:lnTo>
+                  <a:pt x="1139" y="1377"/>
+                </a:lnTo>
+                <a:lnTo>
+                  <a:pt x="1144" y="1377"/>
+                </a:lnTo>
+                <a:lnTo>
+                  <a:pt x="1150" y="1377"/>
+                </a:lnTo>
+                <a:lnTo>
+                  <a:pt x="1155" y="1374"/>
+                </a:lnTo>
+                <a:lnTo>
+                  <a:pt x="1161" y="1371"/>
+                </a:lnTo>
+                <a:lnTo>
+                  <a:pt x="1165" y="1369"/>
+                </a:lnTo>
+                <a:lnTo>
+                  <a:pt x="1345" y="1189"/>
+                </a:lnTo>
+                <a:lnTo>
+                  <a:pt x="5760" y="1189"/>
+                </a:lnTo>
+                <a:lnTo>
+                  <a:pt x="5760" y="0"/>
+                </a:lnTo>
+                <a:close/>
+              </a:path>
+            </a:pathLst>
+          </a:custGeom>
+          <a:ln/>
+          <a:extLst>
+            <a:ext uri="{91240B29-F687-4f45-9708-019B960494DF}">
+              <a14:hiddenLine xmlns:a14="http://schemas.microsoft.com/office/drawing/2010/main" xmlns="" w="9525">
+                <a:solidFill>
+                  <a:srgbClr val="000000"/>
+                </a:solidFill>
+                <a:round/>
+                <a:headEnd/>
+                <a:tailEnd/>
+              </a14:hiddenLine>
+            </a:ext>
+          </a:extLst>
+        </p:spPr>
+        <p:style>
+          <a:lnRef idx="1">
+            <a:schemeClr val="accent1"/>
+          </a:lnRef>
+          <a:fillRef idx="3">
+            <a:schemeClr val="accent1"/>
+          </a:fillRef>
+          <a:effectRef idx="2">
+            <a:schemeClr val="accent1"/>
+          </a:effectRef>
+          <a:fontRef idx="minor">
+            <a:schemeClr val="lt1"/>
+          </a:fontRef>
+        </p:style>
+      </p:sp>
+      <p:sp>
+        <p:nvSpPr>
+          <p:cNvPr id="2" name="Title 1"/>
           <p:cNvSpPr>
             <a:spLocks noGrp="1"/>
           </p:cNvSpPr>
@@ -375,18 +1781,13 @@
               <a:rPr lang="en-US"/>
               <a:t>Click to edit Master title style</a:t>
             </a:r>
-          </a:p>
-        </p:txBody>
-      </p:sp>
-      <p:sp>
-        <p:nvSpPr>
-          <p:cNvPr id="3" name="Vertical Text Placeholder 2">
-            <a:extLst>
-              <a:ext uri="{FF2B5EF4-FFF2-40B4-BE49-F238E27FC236}">
-                <a16:creationId xmlns:a16="http://schemas.microsoft.com/office/drawing/2014/main" id="{CE3D4FB6-796E-0346-8917-682F7EE28C28}"/>
-              </a:ext>
-            </a:extLst>
-          </p:cNvPr>
+            <a:endParaRPr lang="en-US" dirty="0"/>
+          </a:p>
+        </p:txBody>
+      </p:sp>
+      <p:sp>
+        <p:nvSpPr>
+          <p:cNvPr id="3" name="Vertical Text Placeholder 2"/>
           <p:cNvSpPr>
             <a:spLocks noGrp="1"/>
           </p:cNvSpPr>
@@ -396,7 +1797,7 @@
         </p:nvSpPr>
         <p:spPr/>
         <p:txBody>
-          <a:bodyPr vert="eaVert"/>
+          <a:bodyPr vert="eaVert" anchor="t"/>
           <a:lstStyle/>
           <a:p>
             <a:pPr lvl="0"/>
@@ -432,18 +1833,13 @@
               <a:rPr lang="en-US"/>
               <a:t>Fifth level</a:t>
             </a:r>
-          </a:p>
-        </p:txBody>
-      </p:sp>
-      <p:sp>
-        <p:nvSpPr>
-          <p:cNvPr id="4" name="Date Placeholder 3">
-            <a:extLst>
-              <a:ext uri="{FF2B5EF4-FFF2-40B4-BE49-F238E27FC236}">
-                <a16:creationId xmlns:a16="http://schemas.microsoft.com/office/drawing/2014/main" id="{2C922D5A-CA1F-5C4B-98B6-ED9F7298AD2C}"/>
-              </a:ext>
-            </a:extLst>
-          </p:cNvPr>
+            <a:endParaRPr lang="en-US" dirty="0"/>
+          </a:p>
+        </p:txBody>
+      </p:sp>
+      <p:sp>
+        <p:nvSpPr>
+          <p:cNvPr id="4" name="Date Placeholder 3"/>
           <p:cNvSpPr>
             <a:spLocks noGrp="1"/>
           </p:cNvSpPr>
@@ -466,13 +1862,7 @@
       </p:sp>
       <p:sp>
         <p:nvSpPr>
-          <p:cNvPr id="5" name="Footer Placeholder 4">
-            <a:extLst>
-              <a:ext uri="{FF2B5EF4-FFF2-40B4-BE49-F238E27FC236}">
-                <a16:creationId xmlns:a16="http://schemas.microsoft.com/office/drawing/2014/main" id="{9FD6BC93-489F-CA48-9BBD-76B54508A6F5}"/>
-              </a:ext>
-            </a:extLst>
-          </p:cNvPr>
+          <p:cNvPr id="5" name="Footer Placeholder 4"/>
           <p:cNvSpPr>
             <a:spLocks noGrp="1"/>
           </p:cNvSpPr>
@@ -491,13 +1881,7 @@
       </p:sp>
       <p:sp>
         <p:nvSpPr>
-          <p:cNvPr id="6" name="Slide Number Placeholder 5">
-            <a:extLst>
-              <a:ext uri="{FF2B5EF4-FFF2-40B4-BE49-F238E27FC236}">
-                <a16:creationId xmlns:a16="http://schemas.microsoft.com/office/drawing/2014/main" id="{5F0B659C-4CB4-3241-8218-79F4DE21E8F4}"/>
-              </a:ext>
-            </a:extLst>
-          </p:cNvPr>
+          <p:cNvPr id="6" name="Slide Number Placeholder 5"/>
           <p:cNvSpPr>
             <a:spLocks noGrp="1"/>
           </p:cNvSpPr>
@@ -521,7 +1905,7 @@
     </p:spTree>
     <p:extLst>
       <p:ext uri="{BB962C8B-B14F-4D97-AF65-F5344CB8AC3E}">
-        <p14:creationId xmlns:p14="http://schemas.microsoft.com/office/powerpoint/2010/main" val="574220480"/>
+        <p14:creationId xmlns:p14="http://schemas.microsoft.com/office/powerpoint/2010/main" val="1157171771"/>
       </p:ext>
     </p:extLst>
   </p:cSld>
@@ -531,7 +1915,7 @@
 </p:sldLayout>
 </file>
 
-<file path=ppt/slideLayouts/slideLayout11.xml><?xml version="1.0" encoding="utf-8"?>
+<file path=ppt/slideLayouts/slideLayout14.xml><?xml version="1.0" encoding="utf-8"?>
 <p:sldLayout xmlns:a="http://schemas.openxmlformats.org/drawingml/2006/main" xmlns:r="http://schemas.openxmlformats.org/officeDocument/2006/relationships" xmlns:p="http://schemas.openxmlformats.org/presentationml/2006/main" type="vertTitleAndTx" preserve="1">
   <p:cSld name="Vertical Title and Text">
     <p:spTree>
@@ -550,13 +1934,112 @@
       </p:grpSpPr>
       <p:sp>
         <p:nvSpPr>
-          <p:cNvPr id="2" name="Vertical Title 1">
-            <a:extLst>
-              <a:ext uri="{FF2B5EF4-FFF2-40B4-BE49-F238E27FC236}">
-                <a16:creationId xmlns:a16="http://schemas.microsoft.com/office/drawing/2014/main" id="{F4105F26-0A5C-AC45-A960-84488E7318BD}"/>
-              </a:ext>
-            </a:extLst>
-          </p:cNvPr>
+          <p:cNvPr id="12" name="Freeform 6"/>
+          <p:cNvSpPr>
+            <a:spLocks noChangeAspect="1"/>
+          </p:cNvSpPr>
+          <p:nvPr/>
+        </p:nvSpPr>
+        <p:spPr bwMode="auto">
+          <a:xfrm>
+            <a:off x="7669651" y="446089"/>
+            <a:ext cx="4522349" cy="5414962"/>
+          </a:xfrm>
+          <a:custGeom>
+            <a:avLst/>
+            <a:gdLst/>
+            <a:ahLst/>
+            <a:cxnLst/>
+            <a:rect l="0" t="0" r="r" b="b"/>
+            <a:pathLst>
+              <a:path w="2879" h="4320">
+                <a:moveTo>
+                  <a:pt x="183" y="0"/>
+                </a:moveTo>
+                <a:lnTo>
+                  <a:pt x="183" y="1197"/>
+                </a:lnTo>
+                <a:lnTo>
+                  <a:pt x="8" y="1372"/>
+                </a:lnTo>
+                <a:lnTo>
+                  <a:pt x="8" y="1372"/>
+                </a:lnTo>
+                <a:lnTo>
+                  <a:pt x="6" y="1376"/>
+                </a:lnTo>
+                <a:lnTo>
+                  <a:pt x="3" y="1382"/>
+                </a:lnTo>
+                <a:lnTo>
+                  <a:pt x="0" y="1387"/>
+                </a:lnTo>
+                <a:lnTo>
+                  <a:pt x="0" y="1393"/>
+                </a:lnTo>
+                <a:lnTo>
+                  <a:pt x="0" y="1399"/>
+                </a:lnTo>
+                <a:lnTo>
+                  <a:pt x="3" y="1404"/>
+                </a:lnTo>
+                <a:lnTo>
+                  <a:pt x="6" y="1410"/>
+                </a:lnTo>
+                <a:lnTo>
+                  <a:pt x="8" y="1414"/>
+                </a:lnTo>
+                <a:lnTo>
+                  <a:pt x="183" y="1589"/>
+                </a:lnTo>
+                <a:lnTo>
+                  <a:pt x="183" y="4320"/>
+                </a:lnTo>
+                <a:lnTo>
+                  <a:pt x="2879" y="4320"/>
+                </a:lnTo>
+                <a:lnTo>
+                  <a:pt x="2879" y="0"/>
+                </a:lnTo>
+                <a:lnTo>
+                  <a:pt x="183" y="0"/>
+                </a:lnTo>
+                <a:close/>
+              </a:path>
+            </a:pathLst>
+          </a:custGeom>
+          <a:ln/>
+          <a:extLst>
+            <a:ext uri="{91240B29-F687-4f45-9708-019B960494DF}">
+              <a14:hiddenLine xmlns:a14="http://schemas.microsoft.com/office/drawing/2010/main" xmlns="" w="9525">
+                <a:solidFill>
+                  <a:srgbClr val="000000"/>
+                </a:solidFill>
+                <a:round/>
+                <a:headEnd/>
+                <a:tailEnd/>
+              </a14:hiddenLine>
+            </a:ext>
+          </a:extLst>
+        </p:spPr>
+        <p:style>
+          <a:lnRef idx="1">
+            <a:schemeClr val="accent1"/>
+          </a:lnRef>
+          <a:fillRef idx="3">
+            <a:schemeClr val="accent1"/>
+          </a:fillRef>
+          <a:effectRef idx="2">
+            <a:schemeClr val="accent1"/>
+          </a:effectRef>
+          <a:fontRef idx="minor">
+            <a:schemeClr val="lt1"/>
+          </a:fontRef>
+        </p:style>
+      </p:sp>
+      <p:sp>
+        <p:nvSpPr>
+          <p:cNvPr id="2" name="Vertical Title 1"/>
           <p:cNvSpPr>
             <a:spLocks noGrp="1"/>
           </p:cNvSpPr>
@@ -566,8 +2049,8 @@
         </p:nvSpPr>
         <p:spPr>
           <a:xfrm>
-            <a:off x="8724900" y="365125"/>
-            <a:ext cx="2628900" cy="5811838"/>
+            <a:off x="8183540" y="586171"/>
+            <a:ext cx="2494791" cy="5134798"/>
           </a:xfrm>
         </p:spPr>
         <p:txBody>
@@ -578,18 +2061,13 @@
               <a:rPr lang="en-US"/>
               <a:t>Click to edit Master title style</a:t>
             </a:r>
-          </a:p>
-        </p:txBody>
-      </p:sp>
-      <p:sp>
-        <p:nvSpPr>
-          <p:cNvPr id="3" name="Vertical Text Placeholder 2">
-            <a:extLst>
-              <a:ext uri="{FF2B5EF4-FFF2-40B4-BE49-F238E27FC236}">
-                <a16:creationId xmlns:a16="http://schemas.microsoft.com/office/drawing/2014/main" id="{3BB7A79B-C40C-E842-9F7B-95CFB6F50953}"/>
-              </a:ext>
-            </a:extLst>
-          </p:cNvPr>
+            <a:endParaRPr lang="en-US" dirty="0"/>
+          </a:p>
+        </p:txBody>
+      </p:sp>
+      <p:sp>
+        <p:nvSpPr>
+          <p:cNvPr id="3" name="Vertical Text Placeholder 2"/>
           <p:cNvSpPr>
             <a:spLocks noGrp="1"/>
           </p:cNvSpPr>
@@ -599,12 +2077,12 @@
         </p:nvSpPr>
         <p:spPr>
           <a:xfrm>
-            <a:off x="838200" y="365125"/>
-            <a:ext cx="7734300" cy="5811838"/>
+            <a:off x="810001" y="446089"/>
+            <a:ext cx="6611540" cy="5414962"/>
           </a:xfrm>
         </p:spPr>
         <p:txBody>
-          <a:bodyPr vert="eaVert"/>
+          <a:bodyPr vert="eaVert" anchor="t"/>
           <a:lstStyle/>
           <a:p>
             <a:pPr lvl="0"/>
@@ -640,18 +2118,13 @@
               <a:rPr lang="en-US"/>
               <a:t>Fifth level</a:t>
             </a:r>
-          </a:p>
-        </p:txBody>
-      </p:sp>
-      <p:sp>
-        <p:nvSpPr>
-          <p:cNvPr id="4" name="Date Placeholder 3">
-            <a:extLst>
-              <a:ext uri="{FF2B5EF4-FFF2-40B4-BE49-F238E27FC236}">
-                <a16:creationId xmlns:a16="http://schemas.microsoft.com/office/drawing/2014/main" id="{4AC14D37-3C59-954A-8AE1-16D2E3F2BB85}"/>
-              </a:ext>
-            </a:extLst>
-          </p:cNvPr>
+            <a:endParaRPr lang="en-US" dirty="0"/>
+          </a:p>
+        </p:txBody>
+      </p:sp>
+      <p:sp>
+        <p:nvSpPr>
+          <p:cNvPr id="4" name="Date Placeholder 3"/>
           <p:cNvSpPr>
             <a:spLocks noGrp="1"/>
           </p:cNvSpPr>
@@ -674,13 +2147,7 @@
       </p:sp>
       <p:sp>
         <p:nvSpPr>
-          <p:cNvPr id="5" name="Footer Placeholder 4">
-            <a:extLst>
-              <a:ext uri="{FF2B5EF4-FFF2-40B4-BE49-F238E27FC236}">
-                <a16:creationId xmlns:a16="http://schemas.microsoft.com/office/drawing/2014/main" id="{4ADAC5B9-F633-8C43-A2C6-78B926735373}"/>
-              </a:ext>
-            </a:extLst>
-          </p:cNvPr>
+          <p:cNvPr id="5" name="Footer Placeholder 4"/>
           <p:cNvSpPr>
             <a:spLocks noGrp="1"/>
           </p:cNvSpPr>
@@ -699,13 +2166,7 @@
       </p:sp>
       <p:sp>
         <p:nvSpPr>
-          <p:cNvPr id="6" name="Slide Number Placeholder 5">
-            <a:extLst>
-              <a:ext uri="{FF2B5EF4-FFF2-40B4-BE49-F238E27FC236}">
-                <a16:creationId xmlns:a16="http://schemas.microsoft.com/office/drawing/2014/main" id="{8374A514-6C6F-3F41-A4BA-41E6FA3CEE0D}"/>
-              </a:ext>
-            </a:extLst>
-          </p:cNvPr>
+          <p:cNvPr id="6" name="Slide Number Placeholder 5"/>
           <p:cNvSpPr>
             <a:spLocks noGrp="1"/>
           </p:cNvSpPr>
@@ -729,7 +2190,7 @@
     </p:spTree>
     <p:extLst>
       <p:ext uri="{BB962C8B-B14F-4D97-AF65-F5344CB8AC3E}">
-        <p14:creationId xmlns:p14="http://schemas.microsoft.com/office/powerpoint/2010/main" val="3242472992"/>
+        <p14:creationId xmlns:p14="http://schemas.microsoft.com/office/powerpoint/2010/main" val="283089161"/>
       </p:ext>
     </p:extLst>
   </p:cSld>
@@ -758,13 +2219,110 @@
       </p:grpSpPr>
       <p:sp>
         <p:nvSpPr>
-          <p:cNvPr id="2" name="Title 1">
-            <a:extLst>
-              <a:ext uri="{FF2B5EF4-FFF2-40B4-BE49-F238E27FC236}">
-                <a16:creationId xmlns:a16="http://schemas.microsoft.com/office/drawing/2014/main" id="{DE15B68E-65F0-1E4B-9FCD-0459E61763B0}"/>
-              </a:ext>
-            </a:extLst>
-          </p:cNvPr>
+          <p:cNvPr id="11" name="Freeform 6"/>
+          <p:cNvSpPr/>
+          <p:nvPr/>
+        </p:nvSpPr>
+        <p:spPr bwMode="auto">
+          <a:xfrm>
+            <a:off x="0" y="0"/>
+            <a:ext cx="12192000" cy="2185988"/>
+          </a:xfrm>
+          <a:custGeom>
+            <a:avLst/>
+            <a:gdLst/>
+            <a:ahLst/>
+            <a:cxnLst/>
+            <a:rect l="0" t="0" r="r" b="b"/>
+            <a:pathLst>
+              <a:path w="5760" h="1377">
+                <a:moveTo>
+                  <a:pt x="5760" y="0"/>
+                </a:moveTo>
+                <a:lnTo>
+                  <a:pt x="0" y="0"/>
+                </a:lnTo>
+                <a:lnTo>
+                  <a:pt x="0" y="1189"/>
+                </a:lnTo>
+                <a:lnTo>
+                  <a:pt x="943" y="1189"/>
+                </a:lnTo>
+                <a:lnTo>
+                  <a:pt x="1123" y="1369"/>
+                </a:lnTo>
+                <a:lnTo>
+                  <a:pt x="1123" y="1369"/>
+                </a:lnTo>
+                <a:lnTo>
+                  <a:pt x="1127" y="1371"/>
+                </a:lnTo>
+                <a:lnTo>
+                  <a:pt x="1133" y="1374"/>
+                </a:lnTo>
+                <a:lnTo>
+                  <a:pt x="1139" y="1377"/>
+                </a:lnTo>
+                <a:lnTo>
+                  <a:pt x="1144" y="1377"/>
+                </a:lnTo>
+                <a:lnTo>
+                  <a:pt x="1150" y="1377"/>
+                </a:lnTo>
+                <a:lnTo>
+                  <a:pt x="1155" y="1374"/>
+                </a:lnTo>
+                <a:lnTo>
+                  <a:pt x="1161" y="1371"/>
+                </a:lnTo>
+                <a:lnTo>
+                  <a:pt x="1165" y="1369"/>
+                </a:lnTo>
+                <a:lnTo>
+                  <a:pt x="1345" y="1189"/>
+                </a:lnTo>
+                <a:lnTo>
+                  <a:pt x="5760" y="1189"/>
+                </a:lnTo>
+                <a:lnTo>
+                  <a:pt x="5760" y="0"/>
+                </a:lnTo>
+                <a:close/>
+              </a:path>
+            </a:pathLst>
+          </a:custGeom>
+          <a:ln/>
+          <a:extLst>
+            <a:ext uri="{91240B29-F687-4f45-9708-019B960494DF}">
+              <a14:hiddenLine xmlns:a14="http://schemas.microsoft.com/office/drawing/2010/main" xmlns="" w="9525">
+                <a:solidFill>
+                  <a:srgbClr val="000000"/>
+                </a:solidFill>
+                <a:round/>
+                <a:headEnd/>
+                <a:tailEnd/>
+              </a14:hiddenLine>
+            </a:ext>
+          </a:extLst>
+        </p:spPr>
+        <p:style>
+          <a:lnRef idx="1">
+            <a:schemeClr val="accent1"/>
+          </a:lnRef>
+          <a:fillRef idx="3">
+            <a:schemeClr val="accent1"/>
+          </a:fillRef>
+          <a:effectRef idx="2">
+            <a:schemeClr val="accent1"/>
+          </a:effectRef>
+          <a:fontRef idx="minor">
+            <a:schemeClr val="lt1"/>
+          </a:fontRef>
+        </p:style>
+      </p:sp>
+      <p:sp>
+        <p:nvSpPr>
+          <p:cNvPr id="2" name="Title 1"/>
           <p:cNvSpPr>
             <a:spLocks noGrp="1"/>
           </p:cNvSpPr>
@@ -772,7 +2330,12 @@
             <p:ph type="title"/>
           </p:nvPr>
         </p:nvSpPr>
-        <p:spPr/>
+        <p:spPr>
+          <a:xfrm>
+            <a:off x="810000" y="447188"/>
+            <a:ext cx="10571998" cy="970450"/>
+          </a:xfrm>
+        </p:spPr>
         <p:txBody>
           <a:bodyPr/>
           <a:lstStyle/>
@@ -781,18 +2344,13 @@
               <a:rPr lang="en-US"/>
               <a:t>Click to edit Master title style</a:t>
             </a:r>
-          </a:p>
-        </p:txBody>
-      </p:sp>
-      <p:sp>
-        <p:nvSpPr>
-          <p:cNvPr id="3" name="Content Placeholder 2">
-            <a:extLst>
-              <a:ext uri="{FF2B5EF4-FFF2-40B4-BE49-F238E27FC236}">
-                <a16:creationId xmlns:a16="http://schemas.microsoft.com/office/drawing/2014/main" id="{9AF3F7FB-B48E-E246-828A-9A6A71BBC8F9}"/>
-              </a:ext>
-            </a:extLst>
-          </p:cNvPr>
+            <a:endParaRPr lang="en-US" dirty="0"/>
+          </a:p>
+        </p:txBody>
+      </p:sp>
+      <p:sp>
+        <p:nvSpPr>
+          <p:cNvPr id="3" name="Content Placeholder 2"/>
           <p:cNvSpPr>
             <a:spLocks noGrp="1"/>
           </p:cNvSpPr>
@@ -800,7 +2358,12 @@
             <p:ph idx="1"/>
           </p:nvPr>
         </p:nvSpPr>
-        <p:spPr/>
+        <p:spPr>
+          <a:xfrm>
+            <a:off x="818712" y="2222287"/>
+            <a:ext cx="10554574" cy="3636511"/>
+          </a:xfrm>
+        </p:spPr>
         <p:txBody>
           <a:bodyPr/>
           <a:lstStyle/>
@@ -838,18 +2401,13 @@
               <a:rPr lang="en-US"/>
               <a:t>Fifth level</a:t>
             </a:r>
-          </a:p>
-        </p:txBody>
-      </p:sp>
-      <p:sp>
-        <p:nvSpPr>
-          <p:cNvPr id="4" name="Date Placeholder 3">
-            <a:extLst>
-              <a:ext uri="{FF2B5EF4-FFF2-40B4-BE49-F238E27FC236}">
-                <a16:creationId xmlns:a16="http://schemas.microsoft.com/office/drawing/2014/main" id="{974DE8B3-1D65-E34B-BAA3-4E28AE4AED8E}"/>
-              </a:ext>
-            </a:extLst>
-          </p:cNvPr>
+            <a:endParaRPr lang="en-US" dirty="0"/>
+          </a:p>
+        </p:txBody>
+      </p:sp>
+      <p:sp>
+        <p:nvSpPr>
+          <p:cNvPr id="4" name="Date Placeholder 3"/>
           <p:cNvSpPr>
             <a:spLocks noGrp="1"/>
           </p:cNvSpPr>
@@ -872,13 +2430,7 @@
       </p:sp>
       <p:sp>
         <p:nvSpPr>
-          <p:cNvPr id="5" name="Footer Placeholder 4">
-            <a:extLst>
-              <a:ext uri="{FF2B5EF4-FFF2-40B4-BE49-F238E27FC236}">
-                <a16:creationId xmlns:a16="http://schemas.microsoft.com/office/drawing/2014/main" id="{9C7EF244-654E-3F4D-8718-041AD8C04FC6}"/>
-              </a:ext>
-            </a:extLst>
-          </p:cNvPr>
+          <p:cNvPr id="5" name="Footer Placeholder 4"/>
           <p:cNvSpPr>
             <a:spLocks noGrp="1"/>
           </p:cNvSpPr>
@@ -897,13 +2449,7 @@
       </p:sp>
       <p:sp>
         <p:nvSpPr>
-          <p:cNvPr id="6" name="Slide Number Placeholder 5">
-            <a:extLst>
-              <a:ext uri="{FF2B5EF4-FFF2-40B4-BE49-F238E27FC236}">
-                <a16:creationId xmlns:a16="http://schemas.microsoft.com/office/drawing/2014/main" id="{E6E4530C-9DA1-8F40-B349-A25CF1FD09C8}"/>
-              </a:ext>
-            </a:extLst>
-          </p:cNvPr>
+          <p:cNvPr id="6" name="Slide Number Placeholder 5"/>
           <p:cNvSpPr>
             <a:spLocks noGrp="1"/>
           </p:cNvSpPr>
@@ -927,7 +2473,7 @@
     </p:spTree>
     <p:extLst>
       <p:ext uri="{BB962C8B-B14F-4D97-AF65-F5344CB8AC3E}">
-        <p14:creationId xmlns:p14="http://schemas.microsoft.com/office/powerpoint/2010/main" val="2732539907"/>
+        <p14:creationId xmlns:p14="http://schemas.microsoft.com/office/powerpoint/2010/main" val="2571532988"/>
       </p:ext>
     </p:extLst>
   </p:cSld>
@@ -956,13 +2502,104 @@
       </p:grpSpPr>
       <p:sp>
         <p:nvSpPr>
-          <p:cNvPr id="2" name="Title 1">
-            <a:extLst>
-              <a:ext uri="{FF2B5EF4-FFF2-40B4-BE49-F238E27FC236}">
-                <a16:creationId xmlns:a16="http://schemas.microsoft.com/office/drawing/2014/main" id="{7085DBCC-BFCD-4C43-841B-966213899733}"/>
-              </a:ext>
-            </a:extLst>
-          </p:cNvPr>
+          <p:cNvPr id="10" name="Freeform 7"/>
+          <p:cNvSpPr/>
+          <p:nvPr/>
+        </p:nvSpPr>
+        <p:spPr bwMode="auto">
+          <a:xfrm>
+            <a:off x="0" y="1"/>
+            <a:ext cx="12192000" cy="5203825"/>
+          </a:xfrm>
+          <a:custGeom>
+            <a:avLst/>
+            <a:gdLst/>
+            <a:ahLst/>
+            <a:cxnLst/>
+            <a:rect l="0" t="0" r="r" b="b"/>
+            <a:pathLst>
+              <a:path w="5760" h="3278">
+                <a:moveTo>
+                  <a:pt x="0" y="0"/>
+                </a:moveTo>
+                <a:lnTo>
+                  <a:pt x="5760" y="0"/>
+                </a:lnTo>
+                <a:lnTo>
+                  <a:pt x="5760" y="3090"/>
+                </a:lnTo>
+                <a:lnTo>
+                  <a:pt x="4817" y="3090"/>
+                </a:lnTo>
+                <a:lnTo>
+                  <a:pt x="4637" y="3270"/>
+                </a:lnTo>
+                <a:lnTo>
+                  <a:pt x="4637" y="3270"/>
+                </a:lnTo>
+                <a:lnTo>
+                  <a:pt x="4633" y="3272"/>
+                </a:lnTo>
+                <a:lnTo>
+                  <a:pt x="4627" y="3275"/>
+                </a:lnTo>
+                <a:lnTo>
+                  <a:pt x="4621" y="3278"/>
+                </a:lnTo>
+                <a:lnTo>
+                  <a:pt x="4616" y="3278"/>
+                </a:lnTo>
+                <a:lnTo>
+                  <a:pt x="4610" y="3278"/>
+                </a:lnTo>
+                <a:lnTo>
+                  <a:pt x="4605" y="3275"/>
+                </a:lnTo>
+                <a:lnTo>
+                  <a:pt x="4599" y="3272"/>
+                </a:lnTo>
+                <a:lnTo>
+                  <a:pt x="4595" y="3270"/>
+                </a:lnTo>
+                <a:lnTo>
+                  <a:pt x="4415" y="3090"/>
+                </a:lnTo>
+                <a:lnTo>
+                  <a:pt x="0" y="3090"/>
+                </a:lnTo>
+                <a:lnTo>
+                  <a:pt x="0" y="0"/>
+                </a:lnTo>
+                <a:lnTo>
+                  <a:pt x="0" y="0"/>
+                </a:lnTo>
+                <a:close/>
+              </a:path>
+            </a:pathLst>
+          </a:custGeom>
+          <a:ln>
+            <a:headEnd/>
+            <a:tailEnd/>
+          </a:ln>
+        </p:spPr>
+        <p:style>
+          <a:lnRef idx="1">
+            <a:schemeClr val="accent1"/>
+          </a:lnRef>
+          <a:fillRef idx="3">
+            <a:schemeClr val="accent1"/>
+          </a:fillRef>
+          <a:effectRef idx="2">
+            <a:schemeClr val="accent1"/>
+          </a:effectRef>
+          <a:fontRef idx="minor">
+            <a:schemeClr val="lt1"/>
+          </a:fontRef>
+        </p:style>
+      </p:sp>
+      <p:sp>
+        <p:nvSpPr>
+          <p:cNvPr id="2" name="Title 1"/>
           <p:cNvSpPr>
             <a:spLocks noGrp="1"/>
           </p:cNvSpPr>
@@ -972,15 +2609,15 @@
         </p:nvSpPr>
         <p:spPr>
           <a:xfrm>
-            <a:off x="831850" y="1709738"/>
-            <a:ext cx="10515600" cy="2852737"/>
+            <a:off x="810000" y="2951396"/>
+            <a:ext cx="10561418" cy="1468800"/>
           </a:xfrm>
         </p:spPr>
         <p:txBody>
           <a:bodyPr anchor="b"/>
           <a:lstStyle>
-            <a:lvl1pPr>
-              <a:defRPr sz="6000"/>
+            <a:lvl1pPr algn="r">
+              <a:defRPr sz="4800" b="1" cap="none"/>
             </a:lvl1pPr>
           </a:lstStyle>
           <a:p>
@@ -988,18 +2625,13 @@
               <a:rPr lang="en-US"/>
               <a:t>Click to edit Master title style</a:t>
             </a:r>
-          </a:p>
-        </p:txBody>
-      </p:sp>
-      <p:sp>
-        <p:nvSpPr>
-          <p:cNvPr id="3" name="Text Placeholder 2">
-            <a:extLst>
-              <a:ext uri="{FF2B5EF4-FFF2-40B4-BE49-F238E27FC236}">
-                <a16:creationId xmlns:a16="http://schemas.microsoft.com/office/drawing/2014/main" id="{9BD6E7B5-BE1D-4E4E-A1DA-4010C51B023D}"/>
-              </a:ext>
-            </a:extLst>
-          </p:cNvPr>
+            <a:endParaRPr lang="en-US" dirty="0"/>
+          </a:p>
+        </p:txBody>
+      </p:sp>
+      <p:sp>
+        <p:nvSpPr>
+          <p:cNvPr id="3" name="Text Placeholder 2"/>
           <p:cNvSpPr>
             <a:spLocks noGrp="1"/>
           </p:cNvSpPr>
@@ -1009,26 +2641,26 @@
         </p:nvSpPr>
         <p:spPr>
           <a:xfrm>
-            <a:off x="831850" y="4589463"/>
-            <a:ext cx="10515600" cy="1500187"/>
+            <a:off x="810000" y="5281201"/>
+            <a:ext cx="10561418" cy="433955"/>
           </a:xfrm>
         </p:spPr>
         <p:txBody>
-          <a:bodyPr/>
+          <a:bodyPr anchor="t">
+            <a:noAutofit/>
+          </a:bodyPr>
           <a:lstStyle>
-            <a:lvl1pPr marL="0" indent="0">
-              <a:buNone/>
-              <a:defRPr sz="2400">
+            <a:lvl1pPr marL="0" indent="0" algn="r">
+              <a:buNone/>
+              <a:defRPr sz="1800">
                 <a:solidFill>
-                  <a:schemeClr val="tx1">
-                    <a:tint val="75000"/>
-                  </a:schemeClr>
+                  <a:schemeClr val="tx1"/>
                 </a:solidFill>
               </a:defRPr>
             </a:lvl1pPr>
             <a:lvl2pPr marL="457200" indent="0">
               <a:buNone/>
-              <a:defRPr sz="2000">
+              <a:defRPr sz="1800">
                 <a:solidFill>
                   <a:schemeClr val="tx1">
                     <a:tint val="75000"/>
@@ -1038,7 +2670,7 @@
             </a:lvl2pPr>
             <a:lvl3pPr marL="914400" indent="0">
               <a:buNone/>
-              <a:defRPr sz="1800">
+              <a:defRPr sz="1600">
                 <a:solidFill>
                   <a:schemeClr val="tx1">
                     <a:tint val="75000"/>
@@ -1048,7 +2680,7 @@
             </a:lvl3pPr>
             <a:lvl4pPr marL="1371600" indent="0">
               <a:buNone/>
-              <a:defRPr sz="1600">
+              <a:defRPr sz="1400">
                 <a:solidFill>
                   <a:schemeClr val="tx1">
                     <a:tint val="75000"/>
@@ -1058,7 +2690,7 @@
             </a:lvl4pPr>
             <a:lvl5pPr marL="1828800" indent="0">
               <a:buNone/>
-              <a:defRPr sz="1600">
+              <a:defRPr sz="1400">
                 <a:solidFill>
                   <a:schemeClr val="tx1">
                     <a:tint val="75000"/>
@@ -1068,7 +2700,7 @@
             </a:lvl5pPr>
             <a:lvl6pPr marL="2286000" indent="0">
               <a:buNone/>
-              <a:defRPr sz="1600">
+              <a:defRPr sz="1400">
                 <a:solidFill>
                   <a:schemeClr val="tx1">
                     <a:tint val="75000"/>
@@ -1078,7 +2710,7 @@
             </a:lvl6pPr>
             <a:lvl7pPr marL="2743200" indent="0">
               <a:buNone/>
-              <a:defRPr sz="1600">
+              <a:defRPr sz="1400">
                 <a:solidFill>
                   <a:schemeClr val="tx1">
                     <a:tint val="75000"/>
@@ -1088,7 +2720,7 @@
             </a:lvl7pPr>
             <a:lvl8pPr marL="3200400" indent="0">
               <a:buNone/>
-              <a:defRPr sz="1600">
+              <a:defRPr sz="1400">
                 <a:solidFill>
                   <a:schemeClr val="tx1">
                     <a:tint val="75000"/>
@@ -1098,7 +2730,7 @@
             </a:lvl8pPr>
             <a:lvl9pPr marL="3657600" indent="0">
               <a:buNone/>
-              <a:defRPr sz="1600">
+              <a:defRPr sz="1400">
                 <a:solidFill>
                   <a:schemeClr val="tx1">
                     <a:tint val="75000"/>
@@ -1118,13 +2750,7 @@
       </p:sp>
       <p:sp>
         <p:nvSpPr>
-          <p:cNvPr id="4" name="Date Placeholder 3">
-            <a:extLst>
-              <a:ext uri="{FF2B5EF4-FFF2-40B4-BE49-F238E27FC236}">
-                <a16:creationId xmlns:a16="http://schemas.microsoft.com/office/drawing/2014/main" id="{B31CBFA2-9763-C641-AA1E-58BFCB2E279A}"/>
-              </a:ext>
-            </a:extLst>
-          </p:cNvPr>
+          <p:cNvPr id="4" name="Date Placeholder 3"/>
           <p:cNvSpPr>
             <a:spLocks noGrp="1"/>
           </p:cNvSpPr>
@@ -1147,13 +2773,7 @@
       </p:sp>
       <p:sp>
         <p:nvSpPr>
-          <p:cNvPr id="5" name="Footer Placeholder 4">
-            <a:extLst>
-              <a:ext uri="{FF2B5EF4-FFF2-40B4-BE49-F238E27FC236}">
-                <a16:creationId xmlns:a16="http://schemas.microsoft.com/office/drawing/2014/main" id="{27F6325E-D5D0-404E-AB14-7471368B32CB}"/>
-              </a:ext>
-            </a:extLst>
-          </p:cNvPr>
+          <p:cNvPr id="5" name="Footer Placeholder 4"/>
           <p:cNvSpPr>
             <a:spLocks noGrp="1"/>
           </p:cNvSpPr>
@@ -1172,13 +2792,7 @@
       </p:sp>
       <p:sp>
         <p:nvSpPr>
-          <p:cNvPr id="6" name="Slide Number Placeholder 5">
-            <a:extLst>
-              <a:ext uri="{FF2B5EF4-FFF2-40B4-BE49-F238E27FC236}">
-                <a16:creationId xmlns:a16="http://schemas.microsoft.com/office/drawing/2014/main" id="{5D4128A9-9A0F-1D42-9DE2-414AA1A3383A}"/>
-              </a:ext>
-            </a:extLst>
-          </p:cNvPr>
+          <p:cNvPr id="6" name="Slide Number Placeholder 5"/>
           <p:cNvSpPr>
             <a:spLocks noGrp="1"/>
           </p:cNvSpPr>
@@ -1202,7 +2816,7 @@
     </p:spTree>
     <p:extLst>
       <p:ext uri="{BB962C8B-B14F-4D97-AF65-F5344CB8AC3E}">
-        <p14:creationId xmlns:p14="http://schemas.microsoft.com/office/powerpoint/2010/main" val="3976073746"/>
+        <p14:creationId xmlns:p14="http://schemas.microsoft.com/office/powerpoint/2010/main" val="801849181"/>
       </p:ext>
     </p:extLst>
   </p:cSld>
@@ -1231,13 +2845,110 @@
       </p:grpSpPr>
       <p:sp>
         <p:nvSpPr>
-          <p:cNvPr id="2" name="Title 1">
-            <a:extLst>
-              <a:ext uri="{FF2B5EF4-FFF2-40B4-BE49-F238E27FC236}">
-                <a16:creationId xmlns:a16="http://schemas.microsoft.com/office/drawing/2014/main" id="{5DDD2415-8BCE-C04B-A053-27073E9182BF}"/>
-              </a:ext>
-            </a:extLst>
-          </p:cNvPr>
+          <p:cNvPr id="8" name="Freeform 6"/>
+          <p:cNvSpPr/>
+          <p:nvPr/>
+        </p:nvSpPr>
+        <p:spPr bwMode="auto">
+          <a:xfrm>
+            <a:off x="0" y="0"/>
+            <a:ext cx="12192000" cy="2185988"/>
+          </a:xfrm>
+          <a:custGeom>
+            <a:avLst/>
+            <a:gdLst/>
+            <a:ahLst/>
+            <a:cxnLst/>
+            <a:rect l="0" t="0" r="r" b="b"/>
+            <a:pathLst>
+              <a:path w="5760" h="1377">
+                <a:moveTo>
+                  <a:pt x="5760" y="0"/>
+                </a:moveTo>
+                <a:lnTo>
+                  <a:pt x="0" y="0"/>
+                </a:lnTo>
+                <a:lnTo>
+                  <a:pt x="0" y="1189"/>
+                </a:lnTo>
+                <a:lnTo>
+                  <a:pt x="943" y="1189"/>
+                </a:lnTo>
+                <a:lnTo>
+                  <a:pt x="1123" y="1369"/>
+                </a:lnTo>
+                <a:lnTo>
+                  <a:pt x="1123" y="1369"/>
+                </a:lnTo>
+                <a:lnTo>
+                  <a:pt x="1127" y="1371"/>
+                </a:lnTo>
+                <a:lnTo>
+                  <a:pt x="1133" y="1374"/>
+                </a:lnTo>
+                <a:lnTo>
+                  <a:pt x="1139" y="1377"/>
+                </a:lnTo>
+                <a:lnTo>
+                  <a:pt x="1144" y="1377"/>
+                </a:lnTo>
+                <a:lnTo>
+                  <a:pt x="1150" y="1377"/>
+                </a:lnTo>
+                <a:lnTo>
+                  <a:pt x="1155" y="1374"/>
+                </a:lnTo>
+                <a:lnTo>
+                  <a:pt x="1161" y="1371"/>
+                </a:lnTo>
+                <a:lnTo>
+                  <a:pt x="1165" y="1369"/>
+                </a:lnTo>
+                <a:lnTo>
+                  <a:pt x="1345" y="1189"/>
+                </a:lnTo>
+                <a:lnTo>
+                  <a:pt x="5760" y="1189"/>
+                </a:lnTo>
+                <a:lnTo>
+                  <a:pt x="5760" y="0"/>
+                </a:lnTo>
+                <a:close/>
+              </a:path>
+            </a:pathLst>
+          </a:custGeom>
+          <a:ln/>
+          <a:extLst>
+            <a:ext uri="{91240B29-F687-4f45-9708-019B960494DF}">
+              <a14:hiddenLine xmlns:a14="http://schemas.microsoft.com/office/drawing/2010/main" xmlns="" w="9525">
+                <a:solidFill>
+                  <a:srgbClr val="000000"/>
+                </a:solidFill>
+                <a:round/>
+                <a:headEnd/>
+                <a:tailEnd/>
+              </a14:hiddenLine>
+            </a:ext>
+          </a:extLst>
+        </p:spPr>
+        <p:style>
+          <a:lnRef idx="1">
+            <a:schemeClr val="accent1"/>
+          </a:lnRef>
+          <a:fillRef idx="3">
+            <a:schemeClr val="accent1"/>
+          </a:fillRef>
+          <a:effectRef idx="2">
+            <a:schemeClr val="accent1"/>
+          </a:effectRef>
+          <a:fontRef idx="minor">
+            <a:schemeClr val="lt1"/>
+          </a:fontRef>
+        </p:style>
+      </p:sp>
+      <p:sp>
+        <p:nvSpPr>
+          <p:cNvPr id="2" name="Title 1"/>
           <p:cNvSpPr>
             <a:spLocks noGrp="1"/>
           </p:cNvSpPr>
@@ -1254,18 +2965,13 @@
               <a:rPr lang="en-US"/>
               <a:t>Click to edit Master title style</a:t>
             </a:r>
-          </a:p>
-        </p:txBody>
-      </p:sp>
-      <p:sp>
-        <p:nvSpPr>
-          <p:cNvPr id="3" name="Content Placeholder 2">
-            <a:extLst>
-              <a:ext uri="{FF2B5EF4-FFF2-40B4-BE49-F238E27FC236}">
-                <a16:creationId xmlns:a16="http://schemas.microsoft.com/office/drawing/2014/main" id="{1D325306-DB6E-9B45-B0A8-D968352E4205}"/>
-              </a:ext>
-            </a:extLst>
-          </p:cNvPr>
+            <a:endParaRPr lang="en-US" dirty="0"/>
+          </a:p>
+        </p:txBody>
+      </p:sp>
+      <p:sp>
+        <p:nvSpPr>
+          <p:cNvPr id="3" name="Content Placeholder 2"/>
           <p:cNvSpPr>
             <a:spLocks noGrp="1"/>
           </p:cNvSpPr>
@@ -1275,12 +2981,14 @@
         </p:nvSpPr>
         <p:spPr>
           <a:xfrm>
-            <a:off x="838200" y="1825625"/>
-            <a:ext cx="5181600" cy="4351338"/>
+            <a:off x="818712" y="2222287"/>
+            <a:ext cx="5185873" cy="3638763"/>
           </a:xfrm>
         </p:spPr>
         <p:txBody>
-          <a:bodyPr/>
+          <a:bodyPr>
+            <a:normAutofit/>
+          </a:bodyPr>
           <a:lstStyle/>
           <a:p>
             <a:pPr lvl="0"/>
@@ -1316,18 +3024,13 @@
               <a:rPr lang="en-US"/>
               <a:t>Fifth level</a:t>
             </a:r>
-          </a:p>
-        </p:txBody>
-      </p:sp>
-      <p:sp>
-        <p:nvSpPr>
-          <p:cNvPr id="4" name="Content Placeholder 3">
-            <a:extLst>
-              <a:ext uri="{FF2B5EF4-FFF2-40B4-BE49-F238E27FC236}">
-                <a16:creationId xmlns:a16="http://schemas.microsoft.com/office/drawing/2014/main" id="{FB60CF67-CDF9-8940-A416-582AF268929D}"/>
-              </a:ext>
-            </a:extLst>
-          </p:cNvPr>
+            <a:endParaRPr lang="en-US" dirty="0"/>
+          </a:p>
+        </p:txBody>
+      </p:sp>
+      <p:sp>
+        <p:nvSpPr>
+          <p:cNvPr id="4" name="Content Placeholder 3"/>
           <p:cNvSpPr>
             <a:spLocks noGrp="1"/>
           </p:cNvSpPr>
@@ -1337,12 +3040,14 @@
         </p:nvSpPr>
         <p:spPr>
           <a:xfrm>
-            <a:off x="6172200" y="1825625"/>
-            <a:ext cx="5181600" cy="4351338"/>
+            <a:off x="6187415" y="2222287"/>
+            <a:ext cx="5194583" cy="3638764"/>
           </a:xfrm>
         </p:spPr>
         <p:txBody>
-          <a:bodyPr/>
+          <a:bodyPr>
+            <a:normAutofit/>
+          </a:bodyPr>
           <a:lstStyle/>
           <a:p>
             <a:pPr lvl="0"/>
@@ -1378,18 +3083,13 @@
               <a:rPr lang="en-US"/>
               <a:t>Fifth level</a:t>
             </a:r>
-          </a:p>
-        </p:txBody>
-      </p:sp>
-      <p:sp>
-        <p:nvSpPr>
-          <p:cNvPr id="5" name="Date Placeholder 4">
-            <a:extLst>
-              <a:ext uri="{FF2B5EF4-FFF2-40B4-BE49-F238E27FC236}">
-                <a16:creationId xmlns:a16="http://schemas.microsoft.com/office/drawing/2014/main" id="{9E327095-69C4-9E41-A1AC-0A07F0ABAE5A}"/>
-              </a:ext>
-            </a:extLst>
-          </p:cNvPr>
+            <a:endParaRPr lang="en-US" dirty="0"/>
+          </a:p>
+        </p:txBody>
+      </p:sp>
+      <p:sp>
+        <p:nvSpPr>
+          <p:cNvPr id="5" name="Date Placeholder 4"/>
           <p:cNvSpPr>
             <a:spLocks noGrp="1"/>
           </p:cNvSpPr>
@@ -1412,13 +3112,7 @@
       </p:sp>
       <p:sp>
         <p:nvSpPr>
-          <p:cNvPr id="6" name="Footer Placeholder 5">
-            <a:extLst>
-              <a:ext uri="{FF2B5EF4-FFF2-40B4-BE49-F238E27FC236}">
-                <a16:creationId xmlns:a16="http://schemas.microsoft.com/office/drawing/2014/main" id="{81518F5F-FFA7-FB4F-A2BA-D9F40795AF67}"/>
-              </a:ext>
-            </a:extLst>
-          </p:cNvPr>
+          <p:cNvPr id="6" name="Footer Placeholder 5"/>
           <p:cNvSpPr>
             <a:spLocks noGrp="1"/>
           </p:cNvSpPr>
@@ -1437,13 +3131,7 @@
       </p:sp>
       <p:sp>
         <p:nvSpPr>
-          <p:cNvPr id="7" name="Slide Number Placeholder 6">
-            <a:extLst>
-              <a:ext uri="{FF2B5EF4-FFF2-40B4-BE49-F238E27FC236}">
-                <a16:creationId xmlns:a16="http://schemas.microsoft.com/office/drawing/2014/main" id="{0A8BDC27-BA1C-7744-9C87-362F392FFAEC}"/>
-              </a:ext>
-            </a:extLst>
-          </p:cNvPr>
+          <p:cNvPr id="7" name="Slide Number Placeholder 6"/>
           <p:cNvSpPr>
             <a:spLocks noGrp="1"/>
           </p:cNvSpPr>
@@ -1467,7 +3155,7 @@
     </p:spTree>
     <p:extLst>
       <p:ext uri="{BB962C8B-B14F-4D97-AF65-F5344CB8AC3E}">
-        <p14:creationId xmlns:p14="http://schemas.microsoft.com/office/powerpoint/2010/main" val="1315983202"/>
+        <p14:creationId xmlns:p14="http://schemas.microsoft.com/office/powerpoint/2010/main" val="4177601294"/>
       </p:ext>
     </p:extLst>
   </p:cSld>
@@ -1496,65 +3184,158 @@
       </p:grpSpPr>
       <p:sp>
         <p:nvSpPr>
-          <p:cNvPr id="2" name="Title 1">
-            <a:extLst>
-              <a:ext uri="{FF2B5EF4-FFF2-40B4-BE49-F238E27FC236}">
-                <a16:creationId xmlns:a16="http://schemas.microsoft.com/office/drawing/2014/main" id="{91283490-70FB-1141-B231-666945977DD8}"/>
-              </a:ext>
-            </a:extLst>
-          </p:cNvPr>
+          <p:cNvPr id="10" name="Freeform 6"/>
+          <p:cNvSpPr/>
+          <p:nvPr/>
+        </p:nvSpPr>
+        <p:spPr bwMode="auto">
+          <a:xfrm>
+            <a:off x="0" y="0"/>
+            <a:ext cx="12192000" cy="2185988"/>
+          </a:xfrm>
+          <a:custGeom>
+            <a:avLst/>
+            <a:gdLst/>
+            <a:ahLst/>
+            <a:cxnLst/>
+            <a:rect l="0" t="0" r="r" b="b"/>
+            <a:pathLst>
+              <a:path w="5760" h="1377">
+                <a:moveTo>
+                  <a:pt x="5760" y="0"/>
+                </a:moveTo>
+                <a:lnTo>
+                  <a:pt x="0" y="0"/>
+                </a:lnTo>
+                <a:lnTo>
+                  <a:pt x="0" y="1189"/>
+                </a:lnTo>
+                <a:lnTo>
+                  <a:pt x="943" y="1189"/>
+                </a:lnTo>
+                <a:lnTo>
+                  <a:pt x="1123" y="1369"/>
+                </a:lnTo>
+                <a:lnTo>
+                  <a:pt x="1123" y="1369"/>
+                </a:lnTo>
+                <a:lnTo>
+                  <a:pt x="1127" y="1371"/>
+                </a:lnTo>
+                <a:lnTo>
+                  <a:pt x="1133" y="1374"/>
+                </a:lnTo>
+                <a:lnTo>
+                  <a:pt x="1139" y="1377"/>
+                </a:lnTo>
+                <a:lnTo>
+                  <a:pt x="1144" y="1377"/>
+                </a:lnTo>
+                <a:lnTo>
+                  <a:pt x="1150" y="1377"/>
+                </a:lnTo>
+                <a:lnTo>
+                  <a:pt x="1155" y="1374"/>
+                </a:lnTo>
+                <a:lnTo>
+                  <a:pt x="1161" y="1371"/>
+                </a:lnTo>
+                <a:lnTo>
+                  <a:pt x="1165" y="1369"/>
+                </a:lnTo>
+                <a:lnTo>
+                  <a:pt x="1345" y="1189"/>
+                </a:lnTo>
+                <a:lnTo>
+                  <a:pt x="5760" y="1189"/>
+                </a:lnTo>
+                <a:lnTo>
+                  <a:pt x="5760" y="0"/>
+                </a:lnTo>
+                <a:close/>
+              </a:path>
+            </a:pathLst>
+          </a:custGeom>
+          <a:ln/>
+          <a:extLst>
+            <a:ext uri="{91240B29-F687-4f45-9708-019B960494DF}">
+              <a14:hiddenLine xmlns:a14="http://schemas.microsoft.com/office/drawing/2010/main" xmlns="" w="9525">
+                <a:solidFill>
+                  <a:srgbClr val="000000"/>
+                </a:solidFill>
+                <a:round/>
+                <a:headEnd/>
+                <a:tailEnd/>
+              </a14:hiddenLine>
+            </a:ext>
+          </a:extLst>
+        </p:spPr>
+        <p:style>
+          <a:lnRef idx="1">
+            <a:schemeClr val="accent1"/>
+          </a:lnRef>
+          <a:fillRef idx="3">
+            <a:schemeClr val="accent1"/>
+          </a:fillRef>
+          <a:effectRef idx="2">
+            <a:schemeClr val="accent1"/>
+          </a:effectRef>
+          <a:fontRef idx="minor">
+            <a:schemeClr val="lt1"/>
+          </a:fontRef>
+        </p:style>
+      </p:sp>
+      <p:sp>
+        <p:nvSpPr>
+          <p:cNvPr id="2" name="Title 1"/>
           <p:cNvSpPr>
             <a:spLocks noGrp="1"/>
           </p:cNvSpPr>
           <p:nvPr>
             <p:ph type="title"/>
+          </p:nvPr>
+        </p:nvSpPr>
+        <p:spPr/>
+        <p:txBody>
+          <a:bodyPr/>
+          <a:lstStyle>
+            <a:lvl1pPr>
+              <a:defRPr/>
+            </a:lvl1pPr>
+          </a:lstStyle>
+          <a:p>
+            <a:r>
+              <a:rPr lang="en-US"/>
+              <a:t>Click to edit Master title style</a:t>
+            </a:r>
+            <a:endParaRPr lang="en-US" dirty="0"/>
+          </a:p>
+        </p:txBody>
+      </p:sp>
+      <p:sp>
+        <p:nvSpPr>
+          <p:cNvPr id="3" name="Text Placeholder 2"/>
+          <p:cNvSpPr>
+            <a:spLocks noGrp="1"/>
+          </p:cNvSpPr>
+          <p:nvPr>
+            <p:ph type="body" idx="1"/>
           </p:nvPr>
         </p:nvSpPr>
         <p:spPr>
           <a:xfrm>
-            <a:off x="839788" y="365125"/>
-            <a:ext cx="10515600" cy="1325563"/>
+            <a:off x="814728" y="2174875"/>
+            <a:ext cx="5189857" cy="576262"/>
           </a:xfrm>
         </p:spPr>
         <p:txBody>
-          <a:bodyPr/>
-          <a:lstStyle/>
-          <a:p>
-            <a:r>
-              <a:rPr lang="en-US"/>
-              <a:t>Click to edit Master title style</a:t>
-            </a:r>
-          </a:p>
-        </p:txBody>
-      </p:sp>
-      <p:sp>
-        <p:nvSpPr>
-          <p:cNvPr id="3" name="Text Placeholder 2">
-            <a:extLst>
-              <a:ext uri="{FF2B5EF4-FFF2-40B4-BE49-F238E27FC236}">
-                <a16:creationId xmlns:a16="http://schemas.microsoft.com/office/drawing/2014/main" id="{F5A999BE-738C-0540-B667-178DC42B1B6C}"/>
-              </a:ext>
-            </a:extLst>
-          </p:cNvPr>
-          <p:cNvSpPr>
-            <a:spLocks noGrp="1"/>
-          </p:cNvSpPr>
-          <p:nvPr>
-            <p:ph type="body" idx="1"/>
-          </p:nvPr>
-        </p:nvSpPr>
-        <p:spPr>
-          <a:xfrm>
-            <a:off x="839788" y="1681163"/>
-            <a:ext cx="5157787" cy="823912"/>
-          </a:xfrm>
-        </p:spPr>
-        <p:txBody>
-          <a:bodyPr anchor="b"/>
+          <a:bodyPr anchor="b">
+            <a:noAutofit/>
+          </a:bodyPr>
           <a:lstStyle>
-            <a:lvl1pPr marL="0" indent="0">
-              <a:buNone/>
-              <a:defRPr sz="2400" b="1"/>
+            <a:lvl1pPr marL="0" indent="0" algn="ctr">
+              <a:buNone/>
+              <a:defRPr sz="2000" b="0"/>
             </a:lvl1pPr>
             <a:lvl2pPr marL="457200" indent="0">
               <a:buNone/>
@@ -1600,13 +3381,7 @@
       </p:sp>
       <p:sp>
         <p:nvSpPr>
-          <p:cNvPr id="4" name="Content Placeholder 3">
-            <a:extLst>
-              <a:ext uri="{FF2B5EF4-FFF2-40B4-BE49-F238E27FC236}">
-                <a16:creationId xmlns:a16="http://schemas.microsoft.com/office/drawing/2014/main" id="{DEA3AF9E-EBBB-C24D-8081-8E3D7F0947A3}"/>
-              </a:ext>
-            </a:extLst>
-          </p:cNvPr>
+          <p:cNvPr id="4" name="Content Placeholder 3"/>
           <p:cNvSpPr>
             <a:spLocks noGrp="1"/>
           </p:cNvSpPr>
@@ -1616,12 +3391,14 @@
         </p:nvSpPr>
         <p:spPr>
           <a:xfrm>
-            <a:off x="839788" y="2505075"/>
-            <a:ext cx="5157787" cy="3684588"/>
+            <a:off x="814729" y="2751138"/>
+            <a:ext cx="5189856" cy="3109913"/>
           </a:xfrm>
         </p:spPr>
         <p:txBody>
-          <a:bodyPr/>
+          <a:bodyPr anchor="t">
+            <a:normAutofit/>
+          </a:bodyPr>
           <a:lstStyle/>
           <a:p>
             <a:pPr lvl="0"/>
@@ -1657,18 +3434,13 @@
               <a:rPr lang="en-US"/>
               <a:t>Fifth level</a:t>
             </a:r>
-          </a:p>
-        </p:txBody>
-      </p:sp>
-      <p:sp>
-        <p:nvSpPr>
-          <p:cNvPr id="5" name="Text Placeholder 4">
-            <a:extLst>
-              <a:ext uri="{FF2B5EF4-FFF2-40B4-BE49-F238E27FC236}">
-                <a16:creationId xmlns:a16="http://schemas.microsoft.com/office/drawing/2014/main" id="{9AEC9FA3-6286-5A4E-BFDF-D829194A4C2D}"/>
-              </a:ext>
-            </a:extLst>
-          </p:cNvPr>
+            <a:endParaRPr lang="en-US" dirty="0"/>
+          </a:p>
+        </p:txBody>
+      </p:sp>
+      <p:sp>
+        <p:nvSpPr>
+          <p:cNvPr id="5" name="Text Placeholder 4"/>
           <p:cNvSpPr>
             <a:spLocks noGrp="1"/>
           </p:cNvSpPr>
@@ -1678,16 +3450,18 @@
         </p:nvSpPr>
         <p:spPr>
           <a:xfrm>
-            <a:off x="6172200" y="1681163"/>
-            <a:ext cx="5183188" cy="823912"/>
+            <a:off x="6187415" y="2174875"/>
+            <a:ext cx="5194583" cy="576262"/>
           </a:xfrm>
         </p:spPr>
         <p:txBody>
-          <a:bodyPr anchor="b"/>
+          <a:bodyPr anchor="b">
+            <a:noAutofit/>
+          </a:bodyPr>
           <a:lstStyle>
-            <a:lvl1pPr marL="0" indent="0">
-              <a:buNone/>
-              <a:defRPr sz="2400" b="1"/>
+            <a:lvl1pPr marL="0" indent="0" algn="ctr">
+              <a:buNone/>
+              <a:defRPr sz="2000" b="0"/>
             </a:lvl1pPr>
             <a:lvl2pPr marL="457200" indent="0">
               <a:buNone/>
@@ -1733,13 +3507,7 @@
       </p:sp>
       <p:sp>
         <p:nvSpPr>
-          <p:cNvPr id="6" name="Content Placeholder 5">
-            <a:extLst>
-              <a:ext uri="{FF2B5EF4-FFF2-40B4-BE49-F238E27FC236}">
-                <a16:creationId xmlns:a16="http://schemas.microsoft.com/office/drawing/2014/main" id="{A89A38AA-A03A-1040-8553-894D02207412}"/>
-              </a:ext>
-            </a:extLst>
-          </p:cNvPr>
+          <p:cNvPr id="6" name="Content Placeholder 5"/>
           <p:cNvSpPr>
             <a:spLocks noGrp="1"/>
           </p:cNvSpPr>
@@ -1749,12 +3517,14 @@
         </p:nvSpPr>
         <p:spPr>
           <a:xfrm>
-            <a:off x="6172200" y="2505075"/>
-            <a:ext cx="5183188" cy="3684588"/>
+            <a:off x="6187415" y="2751138"/>
+            <a:ext cx="5194583" cy="3109913"/>
           </a:xfrm>
         </p:spPr>
         <p:txBody>
-          <a:bodyPr/>
+          <a:bodyPr anchor="t">
+            <a:normAutofit/>
+          </a:bodyPr>
           <a:lstStyle/>
           <a:p>
             <a:pPr lvl="0"/>
@@ -1790,18 +3560,13 @@
               <a:rPr lang="en-US"/>
               <a:t>Fifth level</a:t>
             </a:r>
-          </a:p>
-        </p:txBody>
-      </p:sp>
-      <p:sp>
-        <p:nvSpPr>
-          <p:cNvPr id="7" name="Date Placeholder 6">
-            <a:extLst>
-              <a:ext uri="{FF2B5EF4-FFF2-40B4-BE49-F238E27FC236}">
-                <a16:creationId xmlns:a16="http://schemas.microsoft.com/office/drawing/2014/main" id="{1333748B-37E7-BF4E-BE7F-7C40F005F0A9}"/>
-              </a:ext>
-            </a:extLst>
-          </p:cNvPr>
+            <a:endParaRPr lang="en-US" dirty="0"/>
+          </a:p>
+        </p:txBody>
+      </p:sp>
+      <p:sp>
+        <p:nvSpPr>
+          <p:cNvPr id="7" name="Date Placeholder 6"/>
           <p:cNvSpPr>
             <a:spLocks noGrp="1"/>
           </p:cNvSpPr>
@@ -1824,13 +3589,7 @@
       </p:sp>
       <p:sp>
         <p:nvSpPr>
-          <p:cNvPr id="8" name="Footer Placeholder 7">
-            <a:extLst>
-              <a:ext uri="{FF2B5EF4-FFF2-40B4-BE49-F238E27FC236}">
-                <a16:creationId xmlns:a16="http://schemas.microsoft.com/office/drawing/2014/main" id="{32D21139-FA2B-7042-A89A-418E5BB01C28}"/>
-              </a:ext>
-            </a:extLst>
-          </p:cNvPr>
+          <p:cNvPr id="8" name="Footer Placeholder 7"/>
           <p:cNvSpPr>
             <a:spLocks noGrp="1"/>
           </p:cNvSpPr>
@@ -1849,13 +3608,7 @@
       </p:sp>
       <p:sp>
         <p:nvSpPr>
-          <p:cNvPr id="9" name="Slide Number Placeholder 8">
-            <a:extLst>
-              <a:ext uri="{FF2B5EF4-FFF2-40B4-BE49-F238E27FC236}">
-                <a16:creationId xmlns:a16="http://schemas.microsoft.com/office/drawing/2014/main" id="{D62DF1FB-B9ED-5040-BDC8-3355AF81CD6D}"/>
-              </a:ext>
-            </a:extLst>
-          </p:cNvPr>
+          <p:cNvPr id="9" name="Slide Number Placeholder 8"/>
           <p:cNvSpPr>
             <a:spLocks noGrp="1"/>
           </p:cNvSpPr>
@@ -1879,7 +3632,7 @@
     </p:spTree>
     <p:extLst>
       <p:ext uri="{BB962C8B-B14F-4D97-AF65-F5344CB8AC3E}">
-        <p14:creationId xmlns:p14="http://schemas.microsoft.com/office/powerpoint/2010/main" val="1422061139"/>
+        <p14:creationId xmlns:p14="http://schemas.microsoft.com/office/powerpoint/2010/main" val="2751486090"/>
       </p:ext>
     </p:extLst>
   </p:cSld>
@@ -1908,13 +3661,110 @@
       </p:grpSpPr>
       <p:sp>
         <p:nvSpPr>
-          <p:cNvPr id="2" name="Title 1">
-            <a:extLst>
-              <a:ext uri="{FF2B5EF4-FFF2-40B4-BE49-F238E27FC236}">
-                <a16:creationId xmlns:a16="http://schemas.microsoft.com/office/drawing/2014/main" id="{A1B95FAC-262D-1D42-8B90-339272AC8DA5}"/>
-              </a:ext>
-            </a:extLst>
-          </p:cNvPr>
+          <p:cNvPr id="6" name="Freeform 6"/>
+          <p:cNvSpPr/>
+          <p:nvPr/>
+        </p:nvSpPr>
+        <p:spPr bwMode="auto">
+          <a:xfrm>
+            <a:off x="0" y="0"/>
+            <a:ext cx="12192000" cy="2185988"/>
+          </a:xfrm>
+          <a:custGeom>
+            <a:avLst/>
+            <a:gdLst/>
+            <a:ahLst/>
+            <a:cxnLst/>
+            <a:rect l="0" t="0" r="r" b="b"/>
+            <a:pathLst>
+              <a:path w="5760" h="1377">
+                <a:moveTo>
+                  <a:pt x="5760" y="0"/>
+                </a:moveTo>
+                <a:lnTo>
+                  <a:pt x="0" y="0"/>
+                </a:lnTo>
+                <a:lnTo>
+                  <a:pt x="0" y="1189"/>
+                </a:lnTo>
+                <a:lnTo>
+                  <a:pt x="943" y="1189"/>
+                </a:lnTo>
+                <a:lnTo>
+                  <a:pt x="1123" y="1369"/>
+                </a:lnTo>
+                <a:lnTo>
+                  <a:pt x="1123" y="1369"/>
+                </a:lnTo>
+                <a:lnTo>
+                  <a:pt x="1127" y="1371"/>
+                </a:lnTo>
+                <a:lnTo>
+                  <a:pt x="1133" y="1374"/>
+                </a:lnTo>
+                <a:lnTo>
+                  <a:pt x="1139" y="1377"/>
+                </a:lnTo>
+                <a:lnTo>
+                  <a:pt x="1144" y="1377"/>
+                </a:lnTo>
+                <a:lnTo>
+                  <a:pt x="1150" y="1377"/>
+                </a:lnTo>
+                <a:lnTo>
+                  <a:pt x="1155" y="1374"/>
+                </a:lnTo>
+                <a:lnTo>
+                  <a:pt x="1161" y="1371"/>
+                </a:lnTo>
+                <a:lnTo>
+                  <a:pt x="1165" y="1369"/>
+                </a:lnTo>
+                <a:lnTo>
+                  <a:pt x="1345" y="1189"/>
+                </a:lnTo>
+                <a:lnTo>
+                  <a:pt x="5760" y="1189"/>
+                </a:lnTo>
+                <a:lnTo>
+                  <a:pt x="5760" y="0"/>
+                </a:lnTo>
+                <a:close/>
+              </a:path>
+            </a:pathLst>
+          </a:custGeom>
+          <a:ln/>
+          <a:extLst>
+            <a:ext uri="{91240B29-F687-4f45-9708-019B960494DF}">
+              <a14:hiddenLine xmlns:a14="http://schemas.microsoft.com/office/drawing/2010/main" xmlns="" w="9525">
+                <a:solidFill>
+                  <a:srgbClr val="000000"/>
+                </a:solidFill>
+                <a:round/>
+                <a:headEnd/>
+                <a:tailEnd/>
+              </a14:hiddenLine>
+            </a:ext>
+          </a:extLst>
+        </p:spPr>
+        <p:style>
+          <a:lnRef idx="1">
+            <a:schemeClr val="accent1"/>
+          </a:lnRef>
+          <a:fillRef idx="3">
+            <a:schemeClr val="accent1"/>
+          </a:fillRef>
+          <a:effectRef idx="2">
+            <a:schemeClr val="accent1"/>
+          </a:effectRef>
+          <a:fontRef idx="minor">
+            <a:schemeClr val="lt1"/>
+          </a:fontRef>
+        </p:style>
+      </p:sp>
+      <p:sp>
+        <p:nvSpPr>
+          <p:cNvPr id="2" name="Title 1"/>
           <p:cNvSpPr>
             <a:spLocks noGrp="1"/>
           </p:cNvSpPr>
@@ -1931,18 +3781,13 @@
               <a:rPr lang="en-US"/>
               <a:t>Click to edit Master title style</a:t>
             </a:r>
-          </a:p>
-        </p:txBody>
-      </p:sp>
-      <p:sp>
-        <p:nvSpPr>
-          <p:cNvPr id="3" name="Date Placeholder 2">
-            <a:extLst>
-              <a:ext uri="{FF2B5EF4-FFF2-40B4-BE49-F238E27FC236}">
-                <a16:creationId xmlns:a16="http://schemas.microsoft.com/office/drawing/2014/main" id="{EAA663F4-D361-8341-B180-6C0060001EF3}"/>
-              </a:ext>
-            </a:extLst>
-          </p:cNvPr>
+            <a:endParaRPr lang="en-US" dirty="0"/>
+          </a:p>
+        </p:txBody>
+      </p:sp>
+      <p:sp>
+        <p:nvSpPr>
+          <p:cNvPr id="3" name="Date Placeholder 2"/>
           <p:cNvSpPr>
             <a:spLocks noGrp="1"/>
           </p:cNvSpPr>
@@ -1965,13 +3810,7 @@
       </p:sp>
       <p:sp>
         <p:nvSpPr>
-          <p:cNvPr id="4" name="Footer Placeholder 3">
-            <a:extLst>
-              <a:ext uri="{FF2B5EF4-FFF2-40B4-BE49-F238E27FC236}">
-                <a16:creationId xmlns:a16="http://schemas.microsoft.com/office/drawing/2014/main" id="{F25AAE60-8769-9748-9CB5-94C66507B4BF}"/>
-              </a:ext>
-            </a:extLst>
-          </p:cNvPr>
+          <p:cNvPr id="4" name="Footer Placeholder 3"/>
           <p:cNvSpPr>
             <a:spLocks noGrp="1"/>
           </p:cNvSpPr>
@@ -1990,13 +3829,7 @@
       </p:sp>
       <p:sp>
         <p:nvSpPr>
-          <p:cNvPr id="5" name="Slide Number Placeholder 4">
-            <a:extLst>
-              <a:ext uri="{FF2B5EF4-FFF2-40B4-BE49-F238E27FC236}">
-                <a16:creationId xmlns:a16="http://schemas.microsoft.com/office/drawing/2014/main" id="{949FE1FB-DA64-A242-9985-D412FE2EE4A0}"/>
-              </a:ext>
-            </a:extLst>
-          </p:cNvPr>
+          <p:cNvPr id="5" name="Slide Number Placeholder 4"/>
           <p:cNvSpPr>
             <a:spLocks noGrp="1"/>
           </p:cNvSpPr>
@@ -2020,7 +3853,7 @@
     </p:spTree>
     <p:extLst>
       <p:ext uri="{BB962C8B-B14F-4D97-AF65-F5344CB8AC3E}">
-        <p14:creationId xmlns:p14="http://schemas.microsoft.com/office/powerpoint/2010/main" val="2315972469"/>
+        <p14:creationId xmlns:p14="http://schemas.microsoft.com/office/powerpoint/2010/main" val="1395786615"/>
       </p:ext>
     </p:extLst>
   </p:cSld>
@@ -2049,13 +3882,7 @@
       </p:grpSpPr>
       <p:sp>
         <p:nvSpPr>
-          <p:cNvPr id="2" name="Date Placeholder 1">
-            <a:extLst>
-              <a:ext uri="{FF2B5EF4-FFF2-40B4-BE49-F238E27FC236}">
-                <a16:creationId xmlns:a16="http://schemas.microsoft.com/office/drawing/2014/main" id="{D3F0B7DB-8F7E-1D47-A542-1674A1ADC996}"/>
-              </a:ext>
-            </a:extLst>
-          </p:cNvPr>
+          <p:cNvPr id="2" name="Date Placeholder 1"/>
           <p:cNvSpPr>
             <a:spLocks noGrp="1"/>
           </p:cNvSpPr>
@@ -2078,13 +3905,7 @@
       </p:sp>
       <p:sp>
         <p:nvSpPr>
-          <p:cNvPr id="3" name="Footer Placeholder 2">
-            <a:extLst>
-              <a:ext uri="{FF2B5EF4-FFF2-40B4-BE49-F238E27FC236}">
-                <a16:creationId xmlns:a16="http://schemas.microsoft.com/office/drawing/2014/main" id="{21105638-40DB-F44F-AB5A-CF5E922B2E42}"/>
-              </a:ext>
-            </a:extLst>
-          </p:cNvPr>
+          <p:cNvPr id="3" name="Footer Placeholder 2"/>
           <p:cNvSpPr>
             <a:spLocks noGrp="1"/>
           </p:cNvSpPr>
@@ -2103,13 +3924,7 @@
       </p:sp>
       <p:sp>
         <p:nvSpPr>
-          <p:cNvPr id="4" name="Slide Number Placeholder 3">
-            <a:extLst>
-              <a:ext uri="{FF2B5EF4-FFF2-40B4-BE49-F238E27FC236}">
-                <a16:creationId xmlns:a16="http://schemas.microsoft.com/office/drawing/2014/main" id="{E14001E9-A5D8-6649-B856-81F887CFEBE9}"/>
-              </a:ext>
-            </a:extLst>
-          </p:cNvPr>
+          <p:cNvPr id="4" name="Slide Number Placeholder 3"/>
           <p:cNvSpPr>
             <a:spLocks noGrp="1"/>
           </p:cNvSpPr>
@@ -2133,7 +3948,7 @@
     </p:spTree>
     <p:extLst>
       <p:ext uri="{BB962C8B-B14F-4D97-AF65-F5344CB8AC3E}">
-        <p14:creationId xmlns:p14="http://schemas.microsoft.com/office/powerpoint/2010/main" val="2423175523"/>
+        <p14:creationId xmlns:p14="http://schemas.microsoft.com/office/powerpoint/2010/main" val="156908729"/>
       </p:ext>
     </p:extLst>
   </p:cSld>
@@ -2162,13 +3977,223 @@
       </p:grpSpPr>
       <p:sp>
         <p:nvSpPr>
-          <p:cNvPr id="2" name="Title 1">
-            <a:extLst>
-              <a:ext uri="{FF2B5EF4-FFF2-40B4-BE49-F238E27FC236}">
-                <a16:creationId xmlns:a16="http://schemas.microsoft.com/office/drawing/2014/main" id="{7820312F-E9B3-9945-A90C-907B70017D2A}"/>
-              </a:ext>
-            </a:extLst>
-          </p:cNvPr>
+          <p:cNvPr id="12" name="Freeform 6"/>
+          <p:cNvSpPr>
+            <a:spLocks noChangeAspect="1"/>
+          </p:cNvSpPr>
+          <p:nvPr/>
+        </p:nvSpPr>
+        <p:spPr bwMode="auto">
+          <a:xfrm>
+            <a:off x="1073151" y="446087"/>
+            <a:ext cx="3547533" cy="1814651"/>
+          </a:xfrm>
+          <a:custGeom>
+            <a:avLst/>
+            <a:gdLst/>
+            <a:ahLst/>
+            <a:cxnLst/>
+            <a:rect l="0" t="0" r="r" b="b"/>
+            <a:pathLst>
+              <a:path w="3384" h="2308">
+                <a:moveTo>
+                  <a:pt x="3340" y="0"/>
+                </a:moveTo>
+                <a:lnTo>
+                  <a:pt x="44" y="0"/>
+                </a:lnTo>
+                <a:lnTo>
+                  <a:pt x="44" y="0"/>
+                </a:lnTo>
+                <a:lnTo>
+                  <a:pt x="34" y="0"/>
+                </a:lnTo>
+                <a:lnTo>
+                  <a:pt x="26" y="4"/>
+                </a:lnTo>
+                <a:lnTo>
+                  <a:pt x="20" y="8"/>
+                </a:lnTo>
+                <a:lnTo>
+                  <a:pt x="12" y="12"/>
+                </a:lnTo>
+                <a:lnTo>
+                  <a:pt x="8" y="20"/>
+                </a:lnTo>
+                <a:lnTo>
+                  <a:pt x="4" y="26"/>
+                </a:lnTo>
+                <a:lnTo>
+                  <a:pt x="0" y="34"/>
+                </a:lnTo>
+                <a:lnTo>
+                  <a:pt x="0" y="44"/>
+                </a:lnTo>
+                <a:lnTo>
+                  <a:pt x="0" y="2076"/>
+                </a:lnTo>
+                <a:lnTo>
+                  <a:pt x="0" y="2076"/>
+                </a:lnTo>
+                <a:lnTo>
+                  <a:pt x="0" y="2086"/>
+                </a:lnTo>
+                <a:lnTo>
+                  <a:pt x="4" y="2094"/>
+                </a:lnTo>
+                <a:lnTo>
+                  <a:pt x="8" y="2100"/>
+                </a:lnTo>
+                <a:lnTo>
+                  <a:pt x="12" y="2108"/>
+                </a:lnTo>
+                <a:lnTo>
+                  <a:pt x="20" y="2112"/>
+                </a:lnTo>
+                <a:lnTo>
+                  <a:pt x="26" y="2116"/>
+                </a:lnTo>
+                <a:lnTo>
+                  <a:pt x="34" y="2120"/>
+                </a:lnTo>
+                <a:lnTo>
+                  <a:pt x="44" y="2120"/>
+                </a:lnTo>
+                <a:lnTo>
+                  <a:pt x="474" y="2120"/>
+                </a:lnTo>
+                <a:lnTo>
+                  <a:pt x="650" y="2296"/>
+                </a:lnTo>
+                <a:lnTo>
+                  <a:pt x="650" y="2296"/>
+                </a:lnTo>
+                <a:lnTo>
+                  <a:pt x="656" y="2300"/>
+                </a:lnTo>
+                <a:lnTo>
+                  <a:pt x="664" y="2304"/>
+                </a:lnTo>
+                <a:lnTo>
+                  <a:pt x="672" y="2308"/>
+                </a:lnTo>
+                <a:lnTo>
+                  <a:pt x="680" y="2308"/>
+                </a:lnTo>
+                <a:lnTo>
+                  <a:pt x="688" y="2308"/>
+                </a:lnTo>
+                <a:lnTo>
+                  <a:pt x="696" y="2304"/>
+                </a:lnTo>
+                <a:lnTo>
+                  <a:pt x="704" y="2300"/>
+                </a:lnTo>
+                <a:lnTo>
+                  <a:pt x="710" y="2296"/>
+                </a:lnTo>
+                <a:lnTo>
+                  <a:pt x="886" y="2120"/>
+                </a:lnTo>
+                <a:lnTo>
+                  <a:pt x="3340" y="2120"/>
+                </a:lnTo>
+                <a:lnTo>
+                  <a:pt x="3340" y="2120"/>
+                </a:lnTo>
+                <a:lnTo>
+                  <a:pt x="3350" y="2120"/>
+                </a:lnTo>
+                <a:lnTo>
+                  <a:pt x="3358" y="2116"/>
+                </a:lnTo>
+                <a:lnTo>
+                  <a:pt x="3364" y="2112"/>
+                </a:lnTo>
+                <a:lnTo>
+                  <a:pt x="3372" y="2108"/>
+                </a:lnTo>
+                <a:lnTo>
+                  <a:pt x="3376" y="2100"/>
+                </a:lnTo>
+                <a:lnTo>
+                  <a:pt x="3380" y="2094"/>
+                </a:lnTo>
+                <a:lnTo>
+                  <a:pt x="3384" y="2086"/>
+                </a:lnTo>
+                <a:lnTo>
+                  <a:pt x="3384" y="2076"/>
+                </a:lnTo>
+                <a:lnTo>
+                  <a:pt x="3384" y="44"/>
+                </a:lnTo>
+                <a:lnTo>
+                  <a:pt x="3384" y="44"/>
+                </a:lnTo>
+                <a:lnTo>
+                  <a:pt x="3384" y="34"/>
+                </a:lnTo>
+                <a:lnTo>
+                  <a:pt x="3380" y="26"/>
+                </a:lnTo>
+                <a:lnTo>
+                  <a:pt x="3376" y="20"/>
+                </a:lnTo>
+                <a:lnTo>
+                  <a:pt x="3372" y="12"/>
+                </a:lnTo>
+                <a:lnTo>
+                  <a:pt x="3364" y="8"/>
+                </a:lnTo>
+                <a:lnTo>
+                  <a:pt x="3358" y="4"/>
+                </a:lnTo>
+                <a:lnTo>
+                  <a:pt x="3350" y="0"/>
+                </a:lnTo>
+                <a:lnTo>
+                  <a:pt x="3340" y="0"/>
+                </a:lnTo>
+                <a:lnTo>
+                  <a:pt x="3340" y="0"/>
+                </a:lnTo>
+                <a:close/>
+              </a:path>
+            </a:pathLst>
+          </a:custGeom>
+          <a:ln/>
+          <a:extLst>
+            <a:ext uri="{91240B29-F687-4f45-9708-019B960494DF}">
+              <a14:hiddenLine xmlns:a14="http://schemas.microsoft.com/office/drawing/2010/main" xmlns="" w="9525">
+                <a:solidFill>
+                  <a:srgbClr val="000000"/>
+                </a:solidFill>
+                <a:round/>
+                <a:headEnd/>
+                <a:tailEnd/>
+              </a14:hiddenLine>
+            </a:ext>
+          </a:extLst>
+        </p:spPr>
+        <p:style>
+          <a:lnRef idx="1">
+            <a:schemeClr val="accent1"/>
+          </a:lnRef>
+          <a:fillRef idx="3">
+            <a:schemeClr val="accent1"/>
+          </a:fillRef>
+          <a:effectRef idx="2">
+            <a:schemeClr val="accent1"/>
+          </a:effectRef>
+          <a:fontRef idx="minor">
+            <a:schemeClr val="lt1"/>
+          </a:fontRef>
+        </p:style>
+      </p:sp>
+      <p:sp>
+        <p:nvSpPr>
+          <p:cNvPr id="2" name="Title 1"/>
           <p:cNvSpPr>
             <a:spLocks noGrp="1"/>
           </p:cNvSpPr>
@@ -2178,15 +4203,15 @@
         </p:nvSpPr>
         <p:spPr>
           <a:xfrm>
-            <a:off x="839788" y="457200"/>
-            <a:ext cx="3932237" cy="1600200"/>
+            <a:off x="1073151" y="446088"/>
+            <a:ext cx="3547533" cy="1618396"/>
           </a:xfrm>
         </p:spPr>
         <p:txBody>
           <a:bodyPr anchor="b"/>
           <a:lstStyle>
-            <a:lvl1pPr>
-              <a:defRPr sz="3200"/>
+            <a:lvl1pPr algn="l">
+              <a:defRPr sz="2000" b="1"/>
             </a:lvl1pPr>
           </a:lstStyle>
           <a:p>
@@ -2194,18 +4219,13 @@
               <a:rPr lang="en-US"/>
               <a:t>Click to edit Master title style</a:t>
             </a:r>
-          </a:p>
-        </p:txBody>
-      </p:sp>
-      <p:sp>
-        <p:nvSpPr>
-          <p:cNvPr id="3" name="Content Placeholder 2">
-            <a:extLst>
-              <a:ext uri="{FF2B5EF4-FFF2-40B4-BE49-F238E27FC236}">
-                <a16:creationId xmlns:a16="http://schemas.microsoft.com/office/drawing/2014/main" id="{FA60AEF0-39DB-1D40-9393-5FDAA37146DA}"/>
-              </a:ext>
-            </a:extLst>
-          </p:cNvPr>
+            <a:endParaRPr lang="en-US" dirty="0"/>
+          </a:p>
+        </p:txBody>
+      </p:sp>
+      <p:sp>
+        <p:nvSpPr>
+          <p:cNvPr id="3" name="Content Placeholder 2"/>
           <p:cNvSpPr>
             <a:spLocks noGrp="1"/>
           </p:cNvSpPr>
@@ -2215,41 +4235,15 @@
         </p:nvSpPr>
         <p:spPr>
           <a:xfrm>
-            <a:off x="5183188" y="987425"/>
-            <a:ext cx="6172200" cy="4873625"/>
+            <a:off x="4855633" y="446088"/>
+            <a:ext cx="6252633" cy="5414963"/>
           </a:xfrm>
         </p:spPr>
         <p:txBody>
-          <a:bodyPr/>
-          <a:lstStyle>
-            <a:lvl1pPr>
-              <a:defRPr sz="3200"/>
-            </a:lvl1pPr>
-            <a:lvl2pPr>
-              <a:defRPr sz="2800"/>
-            </a:lvl2pPr>
-            <a:lvl3pPr>
-              <a:defRPr sz="2400"/>
-            </a:lvl3pPr>
-            <a:lvl4pPr>
-              <a:defRPr sz="2000"/>
-            </a:lvl4pPr>
-            <a:lvl5pPr>
-              <a:defRPr sz="2000"/>
-            </a:lvl5pPr>
-            <a:lvl6pPr>
-              <a:defRPr sz="2000"/>
-            </a:lvl6pPr>
-            <a:lvl7pPr>
-              <a:defRPr sz="2000"/>
-            </a:lvl7pPr>
-            <a:lvl8pPr>
-              <a:defRPr sz="2000"/>
-            </a:lvl8pPr>
-            <a:lvl9pPr>
-              <a:defRPr sz="2000"/>
-            </a:lvl9pPr>
-          </a:lstStyle>
+          <a:bodyPr>
+            <a:normAutofit/>
+          </a:bodyPr>
+          <a:lstStyle/>
           <a:p>
             <a:pPr lvl="0"/>
             <a:r>
@@ -2284,18 +4278,13 @@
               <a:rPr lang="en-US"/>
               <a:t>Fifth level</a:t>
             </a:r>
-          </a:p>
-        </p:txBody>
-      </p:sp>
-      <p:sp>
-        <p:nvSpPr>
-          <p:cNvPr id="4" name="Text Placeholder 3">
-            <a:extLst>
-              <a:ext uri="{FF2B5EF4-FFF2-40B4-BE49-F238E27FC236}">
-                <a16:creationId xmlns:a16="http://schemas.microsoft.com/office/drawing/2014/main" id="{1C21305F-70C2-8B44-ADE6-67351B158A24}"/>
-              </a:ext>
-            </a:extLst>
-          </p:cNvPr>
+            <a:endParaRPr lang="en-US" dirty="0"/>
+          </a:p>
+        </p:txBody>
+      </p:sp>
+      <p:sp>
+        <p:nvSpPr>
+          <p:cNvPr id="4" name="Text Placeholder 3"/>
           <p:cNvSpPr>
             <a:spLocks noGrp="1"/>
           </p:cNvSpPr>
@@ -2305,8 +4294,8 @@
         </p:nvSpPr>
         <p:spPr>
           <a:xfrm>
-            <a:off x="839788" y="2057400"/>
-            <a:ext cx="3932237" cy="3811588"/>
+            <a:off x="1073151" y="2260738"/>
+            <a:ext cx="3547533" cy="3600311"/>
           </a:xfrm>
         </p:spPr>
         <p:txBody>
@@ -2314,39 +4303,39 @@
           <a:lstStyle>
             <a:lvl1pPr marL="0" indent="0">
               <a:buNone/>
-              <a:defRPr sz="1600"/>
+              <a:defRPr sz="1400"/>
             </a:lvl1pPr>
             <a:lvl2pPr marL="457200" indent="0">
               <a:buNone/>
-              <a:defRPr sz="1400"/>
+              <a:defRPr sz="1200"/>
             </a:lvl2pPr>
             <a:lvl3pPr marL="914400" indent="0">
               <a:buNone/>
-              <a:defRPr sz="1200"/>
+              <a:defRPr sz="1000"/>
             </a:lvl3pPr>
             <a:lvl4pPr marL="1371600" indent="0">
               <a:buNone/>
-              <a:defRPr sz="1000"/>
+              <a:defRPr sz="900"/>
             </a:lvl4pPr>
             <a:lvl5pPr marL="1828800" indent="0">
               <a:buNone/>
-              <a:defRPr sz="1000"/>
+              <a:defRPr sz="900"/>
             </a:lvl5pPr>
             <a:lvl6pPr marL="2286000" indent="0">
               <a:buNone/>
-              <a:defRPr sz="1000"/>
+              <a:defRPr sz="900"/>
             </a:lvl6pPr>
             <a:lvl7pPr marL="2743200" indent="0">
               <a:buNone/>
-              <a:defRPr sz="1000"/>
+              <a:defRPr sz="900"/>
             </a:lvl7pPr>
             <a:lvl8pPr marL="3200400" indent="0">
               <a:buNone/>
-              <a:defRPr sz="1000"/>
+              <a:defRPr sz="900"/>
             </a:lvl8pPr>
             <a:lvl9pPr marL="3657600" indent="0">
               <a:buNone/>
-              <a:defRPr sz="1000"/>
+              <a:defRPr sz="900"/>
             </a:lvl9pPr>
           </a:lstStyle>
           <a:p>
@@ -2360,13 +4349,7 @@
       </p:sp>
       <p:sp>
         <p:nvSpPr>
-          <p:cNvPr id="5" name="Date Placeholder 4">
-            <a:extLst>
-              <a:ext uri="{FF2B5EF4-FFF2-40B4-BE49-F238E27FC236}">
-                <a16:creationId xmlns:a16="http://schemas.microsoft.com/office/drawing/2014/main" id="{43B232C7-3C7A-EF40-A544-0FB173607D98}"/>
-              </a:ext>
-            </a:extLst>
-          </p:cNvPr>
+          <p:cNvPr id="5" name="Date Placeholder 4"/>
           <p:cNvSpPr>
             <a:spLocks noGrp="1"/>
           </p:cNvSpPr>
@@ -2389,13 +4372,7 @@
       </p:sp>
       <p:sp>
         <p:nvSpPr>
-          <p:cNvPr id="6" name="Footer Placeholder 5">
-            <a:extLst>
-              <a:ext uri="{FF2B5EF4-FFF2-40B4-BE49-F238E27FC236}">
-                <a16:creationId xmlns:a16="http://schemas.microsoft.com/office/drawing/2014/main" id="{FA650254-E028-CB4A-96BB-7658FE4FB5A8}"/>
-              </a:ext>
-            </a:extLst>
-          </p:cNvPr>
+          <p:cNvPr id="6" name="Footer Placeholder 5"/>
           <p:cNvSpPr>
             <a:spLocks noGrp="1"/>
           </p:cNvSpPr>
@@ -2414,13 +4391,7 @@
       </p:sp>
       <p:sp>
         <p:nvSpPr>
-          <p:cNvPr id="7" name="Slide Number Placeholder 6">
-            <a:extLst>
-              <a:ext uri="{FF2B5EF4-FFF2-40B4-BE49-F238E27FC236}">
-                <a16:creationId xmlns:a16="http://schemas.microsoft.com/office/drawing/2014/main" id="{A6AB7F64-A983-D842-9D46-D1B63DCE73A5}"/>
-              </a:ext>
-            </a:extLst>
-          </p:cNvPr>
+          <p:cNvPr id="7" name="Slide Number Placeholder 6"/>
           <p:cNvSpPr>
             <a:spLocks noGrp="1"/>
           </p:cNvSpPr>
@@ -2444,7 +4415,7 @@
     </p:spTree>
     <p:extLst>
       <p:ext uri="{BB962C8B-B14F-4D97-AF65-F5344CB8AC3E}">
-        <p14:creationId xmlns:p14="http://schemas.microsoft.com/office/powerpoint/2010/main" val="1167969918"/>
+        <p14:creationId xmlns:p14="http://schemas.microsoft.com/office/powerpoint/2010/main" val="802013858"/>
       </p:ext>
     </p:extLst>
   </p:cSld>
@@ -2473,13 +4444,7 @@
       </p:grpSpPr>
       <p:sp>
         <p:nvSpPr>
-          <p:cNvPr id="2" name="Title 1">
-            <a:extLst>
-              <a:ext uri="{FF2B5EF4-FFF2-40B4-BE49-F238E27FC236}">
-                <a16:creationId xmlns:a16="http://schemas.microsoft.com/office/drawing/2014/main" id="{11FB7848-5299-D142-BA86-26374BA53039}"/>
-              </a:ext>
-            </a:extLst>
-          </p:cNvPr>
+          <p:cNvPr id="2" name="Title 1"/>
           <p:cNvSpPr>
             <a:spLocks noGrp="1"/>
           </p:cNvSpPr>
@@ -2489,15 +4454,17 @@
         </p:nvSpPr>
         <p:spPr>
           <a:xfrm>
-            <a:off x="839788" y="457200"/>
-            <a:ext cx="3932237" cy="1600200"/>
+            <a:off x="814728" y="727522"/>
+            <a:ext cx="4852988" cy="1617163"/>
           </a:xfrm>
         </p:spPr>
         <p:txBody>
-          <a:bodyPr anchor="b"/>
+          <a:bodyPr anchor="b">
+            <a:normAutofit/>
+          </a:bodyPr>
           <a:lstStyle>
-            <a:lvl1pPr>
-              <a:defRPr sz="3200"/>
+            <a:lvl1pPr algn="l">
+              <a:defRPr sz="2400" b="0"/>
             </a:lvl1pPr>
           </a:lstStyle>
           <a:p>
@@ -2505,164 +4472,205 @@
               <a:rPr lang="en-US"/>
               <a:t>Click to edit Master title style</a:t>
             </a:r>
-          </a:p>
-        </p:txBody>
-      </p:sp>
-      <p:sp>
-        <p:nvSpPr>
-          <p:cNvPr id="3" name="Picture Placeholder 2">
-            <a:extLst>
-              <a:ext uri="{FF2B5EF4-FFF2-40B4-BE49-F238E27FC236}">
-                <a16:creationId xmlns:a16="http://schemas.microsoft.com/office/drawing/2014/main" id="{A0FFD2CA-6850-5E48-BA8F-DBB8390F37BC}"/>
-              </a:ext>
-            </a:extLst>
-          </p:cNvPr>
-          <p:cNvSpPr>
-            <a:spLocks noGrp="1"/>
-          </p:cNvSpPr>
-          <p:nvPr>
-            <p:ph type="pic" idx="1"/>
+            <a:endParaRPr lang="en-US" dirty="0"/>
+          </a:p>
+        </p:txBody>
+      </p:sp>
+      <p:sp>
+        <p:nvSpPr>
+          <p:cNvPr id="9" name="Picture Placeholder 11"/>
+          <p:cNvSpPr>
+            <a:spLocks noGrp="1" noChangeAspect="1"/>
+          </p:cNvSpPr>
+          <p:nvPr>
+            <p:ph type="pic" sz="quarter" idx="13"/>
+          </p:nvPr>
+        </p:nvSpPr>
+        <p:spPr bwMode="auto">
+          <a:xfrm>
+            <a:off x="6098117" y="0"/>
+            <a:ext cx="6093883" cy="6858000"/>
+          </a:xfrm>
+          <a:custGeom>
+            <a:avLst/>
+            <a:gdLst/>
+            <a:ahLst/>
+            <a:cxnLst/>
+            <a:rect l="0" t="0" r="r" b="b"/>
+            <a:pathLst>
+              <a:path w="2879" h="4320">
+                <a:moveTo>
+                  <a:pt x="183" y="0"/>
+                </a:moveTo>
+                <a:lnTo>
+                  <a:pt x="183" y="1197"/>
+                </a:lnTo>
+                <a:lnTo>
+                  <a:pt x="8" y="1372"/>
+                </a:lnTo>
+                <a:lnTo>
+                  <a:pt x="8" y="1372"/>
+                </a:lnTo>
+                <a:lnTo>
+                  <a:pt x="6" y="1376"/>
+                </a:lnTo>
+                <a:lnTo>
+                  <a:pt x="3" y="1382"/>
+                </a:lnTo>
+                <a:lnTo>
+                  <a:pt x="0" y="1387"/>
+                </a:lnTo>
+                <a:lnTo>
+                  <a:pt x="0" y="1393"/>
+                </a:lnTo>
+                <a:lnTo>
+                  <a:pt x="0" y="1399"/>
+                </a:lnTo>
+                <a:lnTo>
+                  <a:pt x="3" y="1404"/>
+                </a:lnTo>
+                <a:lnTo>
+                  <a:pt x="6" y="1410"/>
+                </a:lnTo>
+                <a:lnTo>
+                  <a:pt x="8" y="1414"/>
+                </a:lnTo>
+                <a:lnTo>
+                  <a:pt x="183" y="1589"/>
+                </a:lnTo>
+                <a:lnTo>
+                  <a:pt x="183" y="4320"/>
+                </a:lnTo>
+                <a:lnTo>
+                  <a:pt x="2879" y="4320"/>
+                </a:lnTo>
+                <a:lnTo>
+                  <a:pt x="2879" y="0"/>
+                </a:lnTo>
+                <a:lnTo>
+                  <a:pt x="183" y="0"/>
+                </a:lnTo>
+                <a:close/>
+              </a:path>
+            </a:pathLst>
+          </a:custGeom>
+          <a:noFill/>
+          <a:ln w="9525">
+            <a:solidFill>
+              <a:schemeClr val="tx2"/>
+            </a:solidFill>
+            <a:round/>
+            <a:headEnd/>
+            <a:tailEnd/>
+          </a:ln>
+          <a:effectLst/>
+        </p:spPr>
+        <p:txBody>
+          <a:bodyPr wrap="square" numCol="1" anchor="t" anchorCtr="0" compatLnSpc="1">
+            <a:prstTxWarp prst="textNoShape">
+              <a:avLst/>
+            </a:prstTxWarp>
+            <a:normAutofit/>
+          </a:bodyPr>
+          <a:lstStyle>
+            <a:lvl1pPr algn="ctr">
+              <a:buFontTx/>
+              <a:buNone/>
+              <a:defRPr sz="1400"/>
+            </a:lvl1pPr>
+          </a:lstStyle>
+          <a:p>
+            <a:r>
+              <a:rPr lang="en-US"/>
+              <a:t>Click icon to add picture</a:t>
+            </a:r>
+            <a:endParaRPr lang="en-US" dirty="0"/>
+          </a:p>
+        </p:txBody>
+      </p:sp>
+      <p:sp>
+        <p:nvSpPr>
+          <p:cNvPr id="4" name="Text Placeholder 3"/>
+          <p:cNvSpPr>
+            <a:spLocks noGrp="1"/>
+          </p:cNvSpPr>
+          <p:nvPr>
+            <p:ph type="body" sz="half" idx="2"/>
           </p:nvPr>
         </p:nvSpPr>
         <p:spPr>
           <a:xfrm>
-            <a:off x="5183188" y="987425"/>
-            <a:ext cx="6172200" cy="4873625"/>
+            <a:off x="814728" y="2344684"/>
+            <a:ext cx="4852988" cy="3516365"/>
           </a:xfrm>
         </p:spPr>
         <p:txBody>
-          <a:bodyPr/>
+          <a:bodyPr anchor="t">
+            <a:normAutofit/>
+          </a:bodyPr>
           <a:lstStyle>
             <a:lvl1pPr marL="0" indent="0">
               <a:buNone/>
-              <a:defRPr sz="3200"/>
+              <a:defRPr sz="1200"/>
             </a:lvl1pPr>
             <a:lvl2pPr marL="457200" indent="0">
               <a:buNone/>
-              <a:defRPr sz="2800"/>
+              <a:defRPr sz="1200"/>
             </a:lvl2pPr>
             <a:lvl3pPr marL="914400" indent="0">
               <a:buNone/>
-              <a:defRPr sz="2400"/>
+              <a:defRPr sz="1000"/>
             </a:lvl3pPr>
             <a:lvl4pPr marL="1371600" indent="0">
               <a:buNone/>
-              <a:defRPr sz="2000"/>
+              <a:defRPr sz="900"/>
             </a:lvl4pPr>
             <a:lvl5pPr marL="1828800" indent="0">
               <a:buNone/>
-              <a:defRPr sz="2000"/>
+              <a:defRPr sz="900"/>
             </a:lvl5pPr>
             <a:lvl6pPr marL="2286000" indent="0">
               <a:buNone/>
-              <a:defRPr sz="2000"/>
+              <a:defRPr sz="900"/>
             </a:lvl6pPr>
             <a:lvl7pPr marL="2743200" indent="0">
               <a:buNone/>
-              <a:defRPr sz="2000"/>
+              <a:defRPr sz="900"/>
             </a:lvl7pPr>
             <a:lvl8pPr marL="3200400" indent="0">
               <a:buNone/>
-              <a:defRPr sz="2000"/>
+              <a:defRPr sz="900"/>
             </a:lvl8pPr>
             <a:lvl9pPr marL="3657600" indent="0">
               <a:buNone/>
-              <a:defRPr sz="2000"/>
+              <a:defRPr sz="900"/>
             </a:lvl9pPr>
           </a:lstStyle>
           <a:p>
-            <a:endParaRPr lang="en-US"/>
-          </a:p>
-        </p:txBody>
-      </p:sp>
-      <p:sp>
-        <p:nvSpPr>
-          <p:cNvPr id="4" name="Text Placeholder 3">
-            <a:extLst>
-              <a:ext uri="{FF2B5EF4-FFF2-40B4-BE49-F238E27FC236}">
-                <a16:creationId xmlns:a16="http://schemas.microsoft.com/office/drawing/2014/main" id="{027F6139-62D5-DD45-AA77-36B54D035449}"/>
-              </a:ext>
-            </a:extLst>
-          </p:cNvPr>
-          <p:cNvSpPr>
-            <a:spLocks noGrp="1"/>
-          </p:cNvSpPr>
-          <p:nvPr>
-            <p:ph type="body" sz="half" idx="2"/>
+            <a:pPr lvl="0"/>
+            <a:r>
+              <a:rPr lang="en-US"/>
+              <a:t>Edit Master text styles</a:t>
+            </a:r>
+          </a:p>
+        </p:txBody>
+      </p:sp>
+      <p:sp>
+        <p:nvSpPr>
+          <p:cNvPr id="5" name="Date Placeholder 4"/>
+          <p:cNvSpPr>
+            <a:spLocks noGrp="1"/>
+          </p:cNvSpPr>
+          <p:nvPr>
+            <p:ph type="dt" sz="half" idx="10"/>
           </p:nvPr>
         </p:nvSpPr>
         <p:spPr>
           <a:xfrm>
-            <a:off x="839788" y="2057400"/>
-            <a:ext cx="3932237" cy="3811588"/>
+            <a:off x="3885810" y="6041362"/>
+            <a:ext cx="976879" cy="365125"/>
           </a:xfrm>
         </p:spPr>
-        <p:txBody>
-          <a:bodyPr/>
-          <a:lstStyle>
-            <a:lvl1pPr marL="0" indent="0">
-              <a:buNone/>
-              <a:defRPr sz="1600"/>
-            </a:lvl1pPr>
-            <a:lvl2pPr marL="457200" indent="0">
-              <a:buNone/>
-              <a:defRPr sz="1400"/>
-            </a:lvl2pPr>
-            <a:lvl3pPr marL="914400" indent="0">
-              <a:buNone/>
-              <a:defRPr sz="1200"/>
-            </a:lvl3pPr>
-            <a:lvl4pPr marL="1371600" indent="0">
-              <a:buNone/>
-              <a:defRPr sz="1000"/>
-            </a:lvl4pPr>
-            <a:lvl5pPr marL="1828800" indent="0">
-              <a:buNone/>
-              <a:defRPr sz="1000"/>
-            </a:lvl5pPr>
-            <a:lvl6pPr marL="2286000" indent="0">
-              <a:buNone/>
-              <a:defRPr sz="1000"/>
-            </a:lvl6pPr>
-            <a:lvl7pPr marL="2743200" indent="0">
-              <a:buNone/>
-              <a:defRPr sz="1000"/>
-            </a:lvl7pPr>
-            <a:lvl8pPr marL="3200400" indent="0">
-              <a:buNone/>
-              <a:defRPr sz="1000"/>
-            </a:lvl8pPr>
-            <a:lvl9pPr marL="3657600" indent="0">
-              <a:buNone/>
-              <a:defRPr sz="1000"/>
-            </a:lvl9pPr>
-          </a:lstStyle>
-          <a:p>
-            <a:pPr lvl="0"/>
-            <a:r>
-              <a:rPr lang="en-US"/>
-              <a:t>Edit Master text styles</a:t>
-            </a:r>
-          </a:p>
-        </p:txBody>
-      </p:sp>
-      <p:sp>
-        <p:nvSpPr>
-          <p:cNvPr id="5" name="Date Placeholder 4">
-            <a:extLst>
-              <a:ext uri="{FF2B5EF4-FFF2-40B4-BE49-F238E27FC236}">
-                <a16:creationId xmlns:a16="http://schemas.microsoft.com/office/drawing/2014/main" id="{84928B02-08EF-3C48-BC27-45951EE67940}"/>
-              </a:ext>
-            </a:extLst>
-          </p:cNvPr>
-          <p:cNvSpPr>
-            <a:spLocks noGrp="1"/>
-          </p:cNvSpPr>
-          <p:nvPr>
-            <p:ph type="dt" sz="half" idx="10"/>
-          </p:nvPr>
-        </p:nvSpPr>
-        <p:spPr/>
         <p:txBody>
           <a:bodyPr/>
           <a:lstStyle/>
@@ -2677,13 +4685,7 @@
       </p:sp>
       <p:sp>
         <p:nvSpPr>
-          <p:cNvPr id="6" name="Footer Placeholder 5">
-            <a:extLst>
-              <a:ext uri="{FF2B5EF4-FFF2-40B4-BE49-F238E27FC236}">
-                <a16:creationId xmlns:a16="http://schemas.microsoft.com/office/drawing/2014/main" id="{4CCAF765-E770-2C42-B30D-5CD88A41648C}"/>
-              </a:ext>
-            </a:extLst>
-          </p:cNvPr>
+          <p:cNvPr id="6" name="Footer Placeholder 5"/>
           <p:cNvSpPr>
             <a:spLocks noGrp="1"/>
           </p:cNvSpPr>
@@ -2691,7 +4693,12 @@
             <p:ph type="ftr" sz="quarter" idx="11"/>
           </p:nvPr>
         </p:nvSpPr>
-        <p:spPr/>
+        <p:spPr>
+          <a:xfrm>
+            <a:off x="590396" y="6041362"/>
+            <a:ext cx="3295413" cy="365125"/>
+          </a:xfrm>
+        </p:spPr>
         <p:txBody>
           <a:bodyPr/>
           <a:lstStyle/>
@@ -2702,13 +4709,7 @@
       </p:sp>
       <p:sp>
         <p:nvSpPr>
-          <p:cNvPr id="7" name="Slide Number Placeholder 6">
-            <a:extLst>
-              <a:ext uri="{FF2B5EF4-FFF2-40B4-BE49-F238E27FC236}">
-                <a16:creationId xmlns:a16="http://schemas.microsoft.com/office/drawing/2014/main" id="{2A42C964-2360-A14E-BF7F-94EE670D681E}"/>
-              </a:ext>
-            </a:extLst>
-          </p:cNvPr>
+          <p:cNvPr id="7" name="Slide Number Placeholder 6"/>
           <p:cNvSpPr>
             <a:spLocks noGrp="1"/>
           </p:cNvSpPr>
@@ -2716,7 +4717,12 @@
             <p:ph type="sldNum" sz="quarter" idx="12"/>
           </p:nvPr>
         </p:nvSpPr>
-        <p:spPr/>
+        <p:spPr>
+          <a:xfrm>
+            <a:off x="4862689" y="5915888"/>
+            <a:ext cx="1062155" cy="490599"/>
+          </a:xfrm>
+        </p:spPr>
         <p:txBody>
           <a:bodyPr/>
           <a:lstStyle/>
@@ -2732,7 +4738,7 @@
     </p:spTree>
     <p:extLst>
       <p:ext uri="{BB962C8B-B14F-4D97-AF65-F5344CB8AC3E}">
-        <p14:creationId xmlns:p14="http://schemas.microsoft.com/office/powerpoint/2010/main" val="920992191"/>
+        <p14:creationId xmlns:p14="http://schemas.microsoft.com/office/powerpoint/2010/main" val="1899401775"/>
       </p:ext>
     </p:extLst>
   </p:cSld>
@@ -2747,7 +4753,7 @@
   <p:cSld>
     <p:bg>
       <p:bgRef idx="1001">
-        <a:schemeClr val="bg1"/>
+        <a:schemeClr val="bg2"/>
       </p:bgRef>
     </p:bg>
     <p:spTree>
@@ -2766,13 +4772,7 @@
       </p:grpSpPr>
       <p:sp>
         <p:nvSpPr>
-          <p:cNvPr id="2" name="Title Placeholder 1">
-            <a:extLst>
-              <a:ext uri="{FF2B5EF4-FFF2-40B4-BE49-F238E27FC236}">
-                <a16:creationId xmlns:a16="http://schemas.microsoft.com/office/drawing/2014/main" id="{27AE4C13-240B-8E44-B566-1D5212E172AA}"/>
-              </a:ext>
-            </a:extLst>
-          </p:cNvPr>
+          <p:cNvPr id="2" name="Title Placeholder 1"/>
           <p:cNvSpPr>
             <a:spLocks noGrp="1"/>
           </p:cNvSpPr>
@@ -2782,217 +4782,203 @@
         </p:nvSpPr>
         <p:spPr>
           <a:xfrm>
-            <a:off x="838200" y="365125"/>
-            <a:ext cx="10515600" cy="1325563"/>
+            <a:off x="810000" y="447188"/>
+            <a:ext cx="10571998" cy="970450"/>
+          </a:xfrm>
+          <a:prstGeom prst="rect">
+            <a:avLst/>
+          </a:prstGeom>
+          <a:effectLst>
+            <a:outerShdw blurRad="50800" dir="14400000">
+              <a:srgbClr val="000000">
+                <a:alpha val="60000"/>
+              </a:srgbClr>
+            </a:outerShdw>
+          </a:effectLst>
+        </p:spPr>
+        <p:txBody>
+          <a:bodyPr vert="horz" lIns="91440" tIns="45720" rIns="91440" bIns="45720" rtlCol="0" anchor="b">
+            <a:noAutofit/>
+          </a:bodyPr>
+          <a:lstStyle/>
+          <a:p>
+            <a:r>
+              <a:rPr lang="en-US"/>
+              <a:t>Click to edit Master title style</a:t>
+            </a:r>
+            <a:endParaRPr lang="en-US" dirty="0"/>
+          </a:p>
+        </p:txBody>
+      </p:sp>
+      <p:sp>
+        <p:nvSpPr>
+          <p:cNvPr id="3" name="Text Placeholder 2"/>
+          <p:cNvSpPr>
+            <a:spLocks noGrp="1"/>
+          </p:cNvSpPr>
+          <p:nvPr>
+            <p:ph type="body" idx="1"/>
+          </p:nvPr>
+        </p:nvSpPr>
+        <p:spPr>
+          <a:xfrm>
+            <a:off x="810000" y="2184401"/>
+            <a:ext cx="10563285" cy="3674397"/>
+          </a:xfrm>
+          <a:prstGeom prst="rect">
+            <a:avLst/>
+          </a:prstGeom>
+          <a:effectLst>
+            <a:outerShdw blurRad="50800" dir="14400000">
+              <a:srgbClr val="000000">
+                <a:alpha val="40000"/>
+              </a:srgbClr>
+            </a:outerShdw>
+          </a:effectLst>
+        </p:spPr>
+        <p:txBody>
+          <a:bodyPr vert="horz" lIns="91440" tIns="45720" rIns="91440" bIns="45720" rtlCol="0" anchor="ctr">
+            <a:normAutofit/>
+          </a:bodyPr>
+          <a:lstStyle/>
+          <a:p>
+            <a:pPr lvl="0"/>
+            <a:r>
+              <a:rPr lang="en-US"/>
+              <a:t>Edit Master text styles</a:t>
+            </a:r>
+          </a:p>
+          <a:p>
+            <a:pPr lvl="1"/>
+            <a:r>
+              <a:rPr lang="en-US"/>
+              <a:t>Second level</a:t>
+            </a:r>
+          </a:p>
+          <a:p>
+            <a:pPr lvl="2"/>
+            <a:r>
+              <a:rPr lang="en-US"/>
+              <a:t>Third level</a:t>
+            </a:r>
+          </a:p>
+          <a:p>
+            <a:pPr lvl="3"/>
+            <a:r>
+              <a:rPr lang="en-US"/>
+              <a:t>Fourth level</a:t>
+            </a:r>
+          </a:p>
+          <a:p>
+            <a:pPr lvl="4"/>
+            <a:r>
+              <a:rPr lang="en-US"/>
+              <a:t>Fifth level</a:t>
+            </a:r>
+            <a:endParaRPr lang="en-US" dirty="0"/>
+          </a:p>
+        </p:txBody>
+      </p:sp>
+      <p:sp>
+        <p:nvSpPr>
+          <p:cNvPr id="5" name="Footer Placeholder 4"/>
+          <p:cNvSpPr>
+            <a:spLocks noGrp="1"/>
+          </p:cNvSpPr>
+          <p:nvPr>
+            <p:ph type="ftr" sz="quarter" idx="3"/>
+          </p:nvPr>
+        </p:nvSpPr>
+        <p:spPr>
+          <a:xfrm>
+            <a:off x="451514" y="6041362"/>
+            <a:ext cx="8644320" cy="365125"/>
           </a:xfrm>
           <a:prstGeom prst="rect">
             <a:avLst/>
           </a:prstGeom>
         </p:spPr>
         <p:txBody>
-          <a:bodyPr vert="horz" lIns="91440" tIns="45720" rIns="91440" bIns="45720" rtlCol="0" anchor="ctr">
-            <a:normAutofit/>
-          </a:bodyPr>
-          <a:lstStyle/>
-          <a:p>
-            <a:r>
-              <a:rPr lang="en-US"/>
-              <a:t>Click to edit Master title style</a:t>
-            </a:r>
-          </a:p>
-        </p:txBody>
-      </p:sp>
-      <p:sp>
-        <p:nvSpPr>
-          <p:cNvPr id="3" name="Text Placeholder 2">
-            <a:extLst>
-              <a:ext uri="{FF2B5EF4-FFF2-40B4-BE49-F238E27FC236}">
-                <a16:creationId xmlns:a16="http://schemas.microsoft.com/office/drawing/2014/main" id="{4CC1A92B-2F39-764C-A2A2-B7EBE82F351A}"/>
-              </a:ext>
-            </a:extLst>
-          </p:cNvPr>
-          <p:cNvSpPr>
-            <a:spLocks noGrp="1"/>
-          </p:cNvSpPr>
-          <p:nvPr>
-            <p:ph type="body" idx="1"/>
+          <a:bodyPr vert="horz" lIns="91440" tIns="45720" rIns="91440" bIns="45720" rtlCol="0" anchor="b"/>
+          <a:lstStyle>
+            <a:lvl1pPr algn="l">
+              <a:defRPr sz="900">
+                <a:solidFill>
+                  <a:schemeClr val="tx1"/>
+                </a:solidFill>
+              </a:defRPr>
+            </a:lvl1pPr>
+          </a:lstStyle>
+          <a:p>
+            <a:endParaRPr lang="en-US"/>
+          </a:p>
+        </p:txBody>
+      </p:sp>
+      <p:sp>
+        <p:nvSpPr>
+          <p:cNvPr id="4" name="Date Placeholder 3"/>
+          <p:cNvSpPr>
+            <a:spLocks noGrp="1"/>
+          </p:cNvSpPr>
+          <p:nvPr>
+            <p:ph type="dt" sz="half" idx="2"/>
           </p:nvPr>
         </p:nvSpPr>
         <p:spPr>
           <a:xfrm>
-            <a:off x="838200" y="1825625"/>
-            <a:ext cx="10515600" cy="4351338"/>
+            <a:off x="9334626" y="6041362"/>
+            <a:ext cx="1343706" cy="365125"/>
           </a:xfrm>
           <a:prstGeom prst="rect">
             <a:avLst/>
           </a:prstGeom>
         </p:spPr>
         <p:txBody>
-          <a:bodyPr vert="horz" lIns="91440" tIns="45720" rIns="91440" bIns="45720" rtlCol="0">
-            <a:normAutofit/>
-          </a:bodyPr>
-          <a:lstStyle/>
-          <a:p>
-            <a:pPr lvl="0"/>
-            <a:r>
-              <a:rPr lang="en-US"/>
-              <a:t>Edit Master text styles</a:t>
-            </a:r>
-          </a:p>
-          <a:p>
-            <a:pPr lvl="1"/>
-            <a:r>
-              <a:rPr lang="en-US"/>
-              <a:t>Second level</a:t>
-            </a:r>
-          </a:p>
-          <a:p>
-            <a:pPr lvl="2"/>
-            <a:r>
-              <a:rPr lang="en-US"/>
-              <a:t>Third level</a:t>
-            </a:r>
-          </a:p>
-          <a:p>
-            <a:pPr lvl="3"/>
-            <a:r>
-              <a:rPr lang="en-US"/>
-              <a:t>Fourth level</a:t>
-            </a:r>
-          </a:p>
-          <a:p>
-            <a:pPr lvl="4"/>
-            <a:r>
-              <a:rPr lang="en-US"/>
-              <a:t>Fifth level</a:t>
-            </a:r>
-          </a:p>
-        </p:txBody>
-      </p:sp>
-      <p:sp>
-        <p:nvSpPr>
-          <p:cNvPr id="4" name="Date Placeholder 3">
-            <a:extLst>
-              <a:ext uri="{FF2B5EF4-FFF2-40B4-BE49-F238E27FC236}">
-                <a16:creationId xmlns:a16="http://schemas.microsoft.com/office/drawing/2014/main" id="{215409C1-06B2-6A46-B00B-74994C321830}"/>
-              </a:ext>
-            </a:extLst>
-          </p:cNvPr>
-          <p:cNvSpPr>
-            <a:spLocks noGrp="1"/>
-          </p:cNvSpPr>
-          <p:nvPr>
-            <p:ph type="dt" sz="half" idx="2"/>
+          <a:bodyPr vert="horz" lIns="91440" tIns="45720" rIns="91440" bIns="45720" rtlCol="0" anchor="b"/>
+          <a:lstStyle>
+            <a:lvl1pPr algn="r">
+              <a:defRPr sz="900">
+                <a:solidFill>
+                  <a:schemeClr val="tx1"/>
+                </a:solidFill>
+              </a:defRPr>
+            </a:lvl1pPr>
+          </a:lstStyle>
+          <a:p>
+            <a:fld id="{D884EC6D-DBF8-AA49-A523-C4FC194340D1}" type="datetimeFigureOut">
+              <a:rPr lang="en-US" smtClean="0"/>
+              <a:t>9/17/18</a:t>
+            </a:fld>
+            <a:endParaRPr lang="en-US"/>
+          </a:p>
+        </p:txBody>
+      </p:sp>
+      <p:sp>
+        <p:nvSpPr>
+          <p:cNvPr id="6" name="Slide Number Placeholder 5"/>
+          <p:cNvSpPr>
+            <a:spLocks noGrp="1"/>
+          </p:cNvSpPr>
+          <p:nvPr>
+            <p:ph type="sldNum" sz="quarter" idx="4"/>
           </p:nvPr>
         </p:nvSpPr>
         <p:spPr>
           <a:xfrm>
-            <a:off x="838200" y="6356350"/>
-            <a:ext cx="2743200" cy="365125"/>
+            <a:off x="10678331" y="5915888"/>
+            <a:ext cx="1062155" cy="490599"/>
           </a:xfrm>
           <a:prstGeom prst="rect">
             <a:avLst/>
           </a:prstGeom>
         </p:spPr>
         <p:txBody>
-          <a:bodyPr vert="horz" lIns="91440" tIns="45720" rIns="91440" bIns="45720" rtlCol="0" anchor="ctr"/>
-          <a:lstStyle>
-            <a:lvl1pPr algn="l">
-              <a:defRPr sz="1200">
-                <a:solidFill>
-                  <a:schemeClr val="tx1">
-                    <a:tint val="75000"/>
-                  </a:schemeClr>
-                </a:solidFill>
-              </a:defRPr>
-            </a:lvl1pPr>
-          </a:lstStyle>
-          <a:p>
-            <a:fld id="{D884EC6D-DBF8-AA49-A523-C4FC194340D1}" type="datetimeFigureOut">
-              <a:rPr lang="en-US" smtClean="0"/>
-              <a:t>9/17/18</a:t>
-            </a:fld>
-            <a:endParaRPr lang="en-US"/>
-          </a:p>
-        </p:txBody>
-      </p:sp>
-      <p:sp>
-        <p:nvSpPr>
-          <p:cNvPr id="5" name="Footer Placeholder 4">
-            <a:extLst>
-              <a:ext uri="{FF2B5EF4-FFF2-40B4-BE49-F238E27FC236}">
-                <a16:creationId xmlns:a16="http://schemas.microsoft.com/office/drawing/2014/main" id="{C35E83B0-000C-4E48-9AFF-912C2DC7AA5D}"/>
-              </a:ext>
-            </a:extLst>
-          </p:cNvPr>
-          <p:cNvSpPr>
-            <a:spLocks noGrp="1"/>
-          </p:cNvSpPr>
-          <p:nvPr>
-            <p:ph type="ftr" sz="quarter" idx="3"/>
-          </p:nvPr>
-        </p:nvSpPr>
-        <p:spPr>
-          <a:xfrm>
-            <a:off x="4038600" y="6356350"/>
-            <a:ext cx="4114800" cy="365125"/>
-          </a:xfrm>
-          <a:prstGeom prst="rect">
-            <a:avLst/>
-          </a:prstGeom>
-        </p:spPr>
-        <p:txBody>
-          <a:bodyPr vert="horz" lIns="91440" tIns="45720" rIns="91440" bIns="45720" rtlCol="0" anchor="ctr"/>
-          <a:lstStyle>
-            <a:lvl1pPr algn="ctr">
-              <a:defRPr sz="1200">
-                <a:solidFill>
-                  <a:schemeClr val="tx1">
-                    <a:tint val="75000"/>
-                  </a:schemeClr>
-                </a:solidFill>
-              </a:defRPr>
-            </a:lvl1pPr>
-          </a:lstStyle>
-          <a:p>
-            <a:endParaRPr lang="en-US"/>
-          </a:p>
-        </p:txBody>
-      </p:sp>
-      <p:sp>
-        <p:nvSpPr>
-          <p:cNvPr id="6" name="Slide Number Placeholder 5">
-            <a:extLst>
-              <a:ext uri="{FF2B5EF4-FFF2-40B4-BE49-F238E27FC236}">
-                <a16:creationId xmlns:a16="http://schemas.microsoft.com/office/drawing/2014/main" id="{03EC4601-19C7-664E-9016-29F6A1610D8A}"/>
-              </a:ext>
-            </a:extLst>
-          </p:cNvPr>
-          <p:cNvSpPr>
-            <a:spLocks noGrp="1"/>
-          </p:cNvSpPr>
-          <p:nvPr>
-            <p:ph type="sldNum" sz="quarter" idx="4"/>
-          </p:nvPr>
-        </p:nvSpPr>
-        <p:spPr>
-          <a:xfrm>
-            <a:off x="8610600" y="6356350"/>
-            <a:ext cx="2743200" cy="365125"/>
-          </a:xfrm>
-          <a:prstGeom prst="rect">
-            <a:avLst/>
-          </a:prstGeom>
-        </p:spPr>
-        <p:txBody>
-          <a:bodyPr vert="horz" lIns="91440" tIns="45720" rIns="91440" bIns="45720" rtlCol="0" anchor="ctr"/>
+          <a:bodyPr vert="horz" lIns="91440" tIns="45720" rIns="91440" bIns="10800" rtlCol="0" anchor="b"/>
           <a:lstStyle>
             <a:lvl1pPr algn="r">
-              <a:defRPr sz="1200">
+              <a:defRPr sz="2000">
                 <a:solidFill>
-                  <a:schemeClr val="tx1">
-                    <a:tint val="75000"/>
-                  </a:schemeClr>
+                  <a:schemeClr val="accent1"/>
                 </a:solidFill>
               </a:defRPr>
             </a:lvl1pPr>
@@ -3009,55 +4995,114 @@
     </p:spTree>
     <p:extLst>
       <p:ext uri="{BB962C8B-B14F-4D97-AF65-F5344CB8AC3E}">
-        <p14:creationId xmlns:p14="http://schemas.microsoft.com/office/powerpoint/2010/main" val="1977226817"/>
+        <p14:creationId xmlns:p14="http://schemas.microsoft.com/office/powerpoint/2010/main" val="3346951349"/>
       </p:ext>
     </p:extLst>
   </p:cSld>
-  <p:clrMap bg1="lt1" tx1="dk1" bg2="lt2" tx2="dk2" accent1="accent1" accent2="accent2" accent3="accent3" accent4="accent4" accent5="accent5" accent6="accent6" hlink="hlink" folHlink="folHlink"/>
+  <p:clrMap bg1="dk1" tx1="lt1" bg2="dk2" tx2="lt2" accent1="accent1" accent2="accent2" accent3="accent3" accent4="accent4" accent5="accent5" accent6="accent6" hlink="hlink" folHlink="folHlink"/>
   <p:sldLayoutIdLst>
-    <p:sldLayoutId id="2147483649" r:id="rId1"/>
-    <p:sldLayoutId id="2147483650" r:id="rId2"/>
-    <p:sldLayoutId id="2147483651" r:id="rId3"/>
-    <p:sldLayoutId id="2147483652" r:id="rId4"/>
-    <p:sldLayoutId id="2147483653" r:id="rId5"/>
-    <p:sldLayoutId id="2147483654" r:id="rId6"/>
-    <p:sldLayoutId id="2147483655" r:id="rId7"/>
-    <p:sldLayoutId id="2147483656" r:id="rId8"/>
-    <p:sldLayoutId id="2147483657" r:id="rId9"/>
-    <p:sldLayoutId id="2147483658" r:id="rId10"/>
-    <p:sldLayoutId id="2147483659" r:id="rId11"/>
+    <p:sldLayoutId id="2147483691" r:id="rId1"/>
+    <p:sldLayoutId id="2147483692" r:id="rId2"/>
+    <p:sldLayoutId id="2147483693" r:id="rId3"/>
+    <p:sldLayoutId id="2147483694" r:id="rId4"/>
+    <p:sldLayoutId id="2147483695" r:id="rId5"/>
+    <p:sldLayoutId id="2147483696" r:id="rId6"/>
+    <p:sldLayoutId id="2147483697" r:id="rId7"/>
+    <p:sldLayoutId id="2147483698" r:id="rId8"/>
+    <p:sldLayoutId id="2147483699" r:id="rId9"/>
+    <p:sldLayoutId id="2147483700" r:id="rId10"/>
+    <p:sldLayoutId id="2147483701" r:id="rId11"/>
+    <p:sldLayoutId id="2147483702" r:id="rId12"/>
+    <p:sldLayoutId id="2147483703" r:id="rId13"/>
+    <p:sldLayoutId id="2147483704" r:id="rId14"/>
   </p:sldLayoutIdLst>
   <p:txStyles>
     <p:titleStyle>
-      <a:lvl1pPr algn="l" defTabSz="914400" rtl="0" eaLnBrk="1" latinLnBrk="0" hangingPunct="1">
-        <a:lnSpc>
-          <a:spcPct val="90000"/>
-        </a:lnSpc>
+      <a:lvl1pPr algn="l" defTabSz="457200" rtl="0" eaLnBrk="1" latinLnBrk="0" hangingPunct="1">
         <a:spcBef>
           <a:spcPct val="0"/>
         </a:spcBef>
         <a:buNone/>
-        <a:defRPr sz="4400" kern="1200">
+        <a:defRPr sz="4000" b="1" kern="1200">
           <a:solidFill>
-            <a:schemeClr val="tx1"/>
+            <a:srgbClr val="FEFEFE"/>
           </a:solidFill>
           <a:latin typeface="+mj-lt"/>
           <a:ea typeface="+mj-ea"/>
           <a:cs typeface="+mj-cs"/>
         </a:defRPr>
       </a:lvl1pPr>
+      <a:lvl2pPr eaLnBrk="1" hangingPunct="1">
+        <a:defRPr>
+          <a:solidFill>
+            <a:schemeClr val="tx2"/>
+          </a:solidFill>
+        </a:defRPr>
+      </a:lvl2pPr>
+      <a:lvl3pPr eaLnBrk="1" hangingPunct="1">
+        <a:defRPr>
+          <a:solidFill>
+            <a:schemeClr val="tx2"/>
+          </a:solidFill>
+        </a:defRPr>
+      </a:lvl3pPr>
+      <a:lvl4pPr eaLnBrk="1" hangingPunct="1">
+        <a:defRPr>
+          <a:solidFill>
+            <a:schemeClr val="tx2"/>
+          </a:solidFill>
+        </a:defRPr>
+      </a:lvl4pPr>
+      <a:lvl5pPr eaLnBrk="1" hangingPunct="1">
+        <a:defRPr>
+          <a:solidFill>
+            <a:schemeClr val="tx2"/>
+          </a:solidFill>
+        </a:defRPr>
+      </a:lvl5pPr>
+      <a:lvl6pPr eaLnBrk="1" hangingPunct="1">
+        <a:defRPr>
+          <a:solidFill>
+            <a:schemeClr val="tx2"/>
+          </a:solidFill>
+        </a:defRPr>
+      </a:lvl6pPr>
+      <a:lvl7pPr eaLnBrk="1" hangingPunct="1">
+        <a:defRPr>
+          <a:solidFill>
+            <a:schemeClr val="tx2"/>
+          </a:solidFill>
+        </a:defRPr>
+      </a:lvl7pPr>
+      <a:lvl8pPr eaLnBrk="1" hangingPunct="1">
+        <a:defRPr>
+          <a:solidFill>
+            <a:schemeClr val="tx2"/>
+          </a:solidFill>
+        </a:defRPr>
+      </a:lvl8pPr>
+      <a:lvl9pPr eaLnBrk="1" hangingPunct="1">
+        <a:defRPr>
+          <a:solidFill>
+            <a:schemeClr val="tx2"/>
+          </a:solidFill>
+        </a:defRPr>
+      </a:lvl9pPr>
     </p:titleStyle>
     <p:bodyStyle>
-      <a:lvl1pPr marL="228600" indent="-228600" algn="l" defTabSz="914400" rtl="0" eaLnBrk="1" latinLnBrk="0" hangingPunct="1">
-        <a:lnSpc>
-          <a:spcPct val="90000"/>
-        </a:lnSpc>
+      <a:lvl1pPr marL="342900" indent="-342900" algn="l" defTabSz="457200" rtl="0" eaLnBrk="1" latinLnBrk="0" hangingPunct="1">
         <a:spcBef>
-          <a:spcPts val="1000"/>
+          <a:spcPct val="20000"/>
         </a:spcBef>
-        <a:buFont typeface="Arial" panose="020B0604020202020204" pitchFamily="34" charset="0"/>
-        <a:buChar char="•"/>
-        <a:defRPr sz="2800" kern="1200">
+        <a:spcAft>
+          <a:spcPts val="600"/>
+        </a:spcAft>
+        <a:buClr>
+          <a:schemeClr val="accent1"/>
+        </a:buClr>
+        <a:buFont typeface="Wingdings 2" charset="2"/>
+        <a:buChar char=""/>
+        <a:defRPr sz="1800" kern="1200">
           <a:solidFill>
             <a:schemeClr val="tx1"/>
           </a:solidFill>
@@ -3066,16 +5111,19 @@
           <a:cs typeface="+mn-cs"/>
         </a:defRPr>
       </a:lvl1pPr>
-      <a:lvl2pPr marL="685800" indent="-228600" algn="l" defTabSz="914400" rtl="0" eaLnBrk="1" latinLnBrk="0" hangingPunct="1">
-        <a:lnSpc>
-          <a:spcPct val="90000"/>
-        </a:lnSpc>
+      <a:lvl2pPr marL="742950" indent="-285750" algn="l" defTabSz="457200" rtl="0" eaLnBrk="1" latinLnBrk="0" hangingPunct="1">
         <a:spcBef>
-          <a:spcPts val="500"/>
+          <a:spcPct val="20000"/>
         </a:spcBef>
-        <a:buFont typeface="Arial" panose="020B0604020202020204" pitchFamily="34" charset="0"/>
-        <a:buChar char="•"/>
-        <a:defRPr sz="2400" kern="1200">
+        <a:spcAft>
+          <a:spcPts val="600"/>
+        </a:spcAft>
+        <a:buClr>
+          <a:schemeClr val="accent1"/>
+        </a:buClr>
+        <a:buFont typeface="Wingdings 2" charset="2"/>
+        <a:buChar char=""/>
+        <a:defRPr sz="1600" kern="1200">
           <a:solidFill>
             <a:schemeClr val="tx1"/>
           </a:solidFill>
@@ -3084,16 +5132,19 @@
           <a:cs typeface="+mn-cs"/>
         </a:defRPr>
       </a:lvl2pPr>
-      <a:lvl3pPr marL="1143000" indent="-228600" algn="l" defTabSz="914400" rtl="0" eaLnBrk="1" latinLnBrk="0" hangingPunct="1">
-        <a:lnSpc>
-          <a:spcPct val="90000"/>
-        </a:lnSpc>
+      <a:lvl3pPr marL="1143000" indent="-228600" algn="l" defTabSz="457200" rtl="0" eaLnBrk="1" latinLnBrk="0" hangingPunct="1">
         <a:spcBef>
-          <a:spcPts val="500"/>
+          <a:spcPct val="20000"/>
         </a:spcBef>
-        <a:buFont typeface="Arial" panose="020B0604020202020204" pitchFamily="34" charset="0"/>
-        <a:buChar char="•"/>
-        <a:defRPr sz="2000" kern="1200">
+        <a:spcAft>
+          <a:spcPts val="600"/>
+        </a:spcAft>
+        <a:buClr>
+          <a:schemeClr val="accent1"/>
+        </a:buClr>
+        <a:buFont typeface="Wingdings 2" charset="2"/>
+        <a:buChar char=""/>
+        <a:defRPr sz="1400" kern="1200">
           <a:solidFill>
             <a:schemeClr val="tx1"/>
           </a:solidFill>
@@ -3102,16 +5153,19 @@
           <a:cs typeface="+mn-cs"/>
         </a:defRPr>
       </a:lvl3pPr>
-      <a:lvl4pPr marL="1600200" indent="-228600" algn="l" defTabSz="914400" rtl="0" eaLnBrk="1" latinLnBrk="0" hangingPunct="1">
-        <a:lnSpc>
-          <a:spcPct val="90000"/>
-        </a:lnSpc>
+      <a:lvl4pPr marL="1600200" indent="-228600" algn="l" defTabSz="457200" rtl="0" eaLnBrk="1" latinLnBrk="0" hangingPunct="1">
         <a:spcBef>
-          <a:spcPts val="500"/>
+          <a:spcPct val="20000"/>
         </a:spcBef>
-        <a:buFont typeface="Arial" panose="020B0604020202020204" pitchFamily="34" charset="0"/>
-        <a:buChar char="•"/>
-        <a:defRPr sz="1800" kern="1200">
+        <a:spcAft>
+          <a:spcPts val="600"/>
+        </a:spcAft>
+        <a:buClr>
+          <a:schemeClr val="accent1"/>
+        </a:buClr>
+        <a:buFont typeface="Wingdings 2" charset="2"/>
+        <a:buChar char=""/>
+        <a:defRPr sz="1200" kern="1200">
           <a:solidFill>
             <a:schemeClr val="tx1"/>
           </a:solidFill>
@@ -3120,16 +5174,19 @@
           <a:cs typeface="+mn-cs"/>
         </a:defRPr>
       </a:lvl4pPr>
-      <a:lvl5pPr marL="2057400" indent="-228600" algn="l" defTabSz="914400" rtl="0" eaLnBrk="1" latinLnBrk="0" hangingPunct="1">
-        <a:lnSpc>
-          <a:spcPct val="90000"/>
-        </a:lnSpc>
+      <a:lvl5pPr marL="2057400" indent="-228600" algn="l" defTabSz="457200" rtl="0" eaLnBrk="1" latinLnBrk="0" hangingPunct="1">
         <a:spcBef>
-          <a:spcPts val="500"/>
+          <a:spcPct val="20000"/>
         </a:spcBef>
-        <a:buFont typeface="Arial" panose="020B0604020202020204" pitchFamily="34" charset="0"/>
-        <a:buChar char="•"/>
-        <a:defRPr sz="1800" kern="1200">
+        <a:spcAft>
+          <a:spcPts val="600"/>
+        </a:spcAft>
+        <a:buClr>
+          <a:schemeClr val="accent1"/>
+        </a:buClr>
+        <a:buFont typeface="Wingdings 2" charset="2"/>
+        <a:buChar char=""/>
+        <a:defRPr sz="1200" kern="1200">
           <a:solidFill>
             <a:schemeClr val="tx1"/>
           </a:solidFill>
@@ -3138,16 +5195,19 @@
           <a:cs typeface="+mn-cs"/>
         </a:defRPr>
       </a:lvl5pPr>
-      <a:lvl6pPr marL="2514600" indent="-228600" algn="l" defTabSz="914400" rtl="0" eaLnBrk="1" latinLnBrk="0" hangingPunct="1">
-        <a:lnSpc>
-          <a:spcPct val="90000"/>
-        </a:lnSpc>
+      <a:lvl6pPr marL="2400000" indent="-228600" algn="l" defTabSz="457200" rtl="0" eaLnBrk="1" latinLnBrk="0" hangingPunct="1">
         <a:spcBef>
-          <a:spcPts val="500"/>
+          <a:spcPct val="20000"/>
         </a:spcBef>
-        <a:buFont typeface="Arial" panose="020B0604020202020204" pitchFamily="34" charset="0"/>
-        <a:buChar char="•"/>
-        <a:defRPr sz="1800" kern="1200">
+        <a:spcAft>
+          <a:spcPts val="600"/>
+        </a:spcAft>
+        <a:buClr>
+          <a:schemeClr val="accent1"/>
+        </a:buClr>
+        <a:buFont typeface="Wingdings 2" charset="2"/>
+        <a:buChar char=""/>
+        <a:defRPr sz="1200" kern="1200">
           <a:solidFill>
             <a:schemeClr val="tx1"/>
           </a:solidFill>
@@ -3156,16 +5216,19 @@
           <a:cs typeface="+mn-cs"/>
         </a:defRPr>
       </a:lvl6pPr>
-      <a:lvl7pPr marL="2971800" indent="-228600" algn="l" defTabSz="914400" rtl="0" eaLnBrk="1" latinLnBrk="0" hangingPunct="1">
-        <a:lnSpc>
-          <a:spcPct val="90000"/>
-        </a:lnSpc>
+      <a:lvl7pPr marL="2800000" indent="-228600" algn="l" defTabSz="457200" rtl="0" eaLnBrk="1" latinLnBrk="0" hangingPunct="1">
         <a:spcBef>
-          <a:spcPts val="500"/>
+          <a:spcPct val="20000"/>
         </a:spcBef>
-        <a:buFont typeface="Arial" panose="020B0604020202020204" pitchFamily="34" charset="0"/>
-        <a:buChar char="•"/>
-        <a:defRPr sz="1800" kern="1200">
+        <a:spcAft>
+          <a:spcPts val="600"/>
+        </a:spcAft>
+        <a:buClr>
+          <a:schemeClr val="accent1"/>
+        </a:buClr>
+        <a:buFont typeface="Wingdings 2" charset="2"/>
+        <a:buChar char=""/>
+        <a:defRPr sz="1200" kern="1200">
           <a:solidFill>
             <a:schemeClr val="tx1"/>
           </a:solidFill>
@@ -3174,16 +5237,19 @@
           <a:cs typeface="+mn-cs"/>
         </a:defRPr>
       </a:lvl7pPr>
-      <a:lvl8pPr marL="3429000" indent="-228600" algn="l" defTabSz="914400" rtl="0" eaLnBrk="1" latinLnBrk="0" hangingPunct="1">
-        <a:lnSpc>
-          <a:spcPct val="90000"/>
-        </a:lnSpc>
+      <a:lvl8pPr marL="3200000" indent="-228600" algn="l" defTabSz="457200" rtl="0" eaLnBrk="1" latinLnBrk="0" hangingPunct="1">
         <a:spcBef>
-          <a:spcPts val="500"/>
+          <a:spcPct val="20000"/>
         </a:spcBef>
-        <a:buFont typeface="Arial" panose="020B0604020202020204" pitchFamily="34" charset="0"/>
-        <a:buChar char="•"/>
-        <a:defRPr sz="1800" kern="1200">
+        <a:spcAft>
+          <a:spcPts val="600"/>
+        </a:spcAft>
+        <a:buClr>
+          <a:schemeClr val="accent1"/>
+        </a:buClr>
+        <a:buFont typeface="Wingdings 2" charset="2"/>
+        <a:buChar char=""/>
+        <a:defRPr sz="1200" kern="1200">
           <a:solidFill>
             <a:schemeClr val="tx1"/>
           </a:solidFill>
@@ -3192,16 +5258,19 @@
           <a:cs typeface="+mn-cs"/>
         </a:defRPr>
       </a:lvl8pPr>
-      <a:lvl9pPr marL="3886200" indent="-228600" algn="l" defTabSz="914400" rtl="0" eaLnBrk="1" latinLnBrk="0" hangingPunct="1">
-        <a:lnSpc>
-          <a:spcPct val="90000"/>
-        </a:lnSpc>
+      <a:lvl9pPr marL="3600000" indent="-228600" algn="l" defTabSz="457200" rtl="0" eaLnBrk="1" latinLnBrk="0" hangingPunct="1">
         <a:spcBef>
-          <a:spcPts val="500"/>
+          <a:spcPct val="20000"/>
         </a:spcBef>
-        <a:buFont typeface="Arial" panose="020B0604020202020204" pitchFamily="34" charset="0"/>
-        <a:buChar char="•"/>
-        <a:defRPr sz="1800" kern="1200">
+        <a:spcAft>
+          <a:spcPts val="600"/>
+        </a:spcAft>
+        <a:buClr>
+          <a:schemeClr val="accent1"/>
+        </a:buClr>
+        <a:buFont typeface="Wingdings 2" charset="2"/>
+        <a:buChar char=""/>
+        <a:defRPr sz="1200" kern="1200">
           <a:solidFill>
             <a:schemeClr val="tx1"/>
           </a:solidFill>
@@ -3215,7 +5284,7 @@
       <a:defPPr>
         <a:defRPr lang="en-US"/>
       </a:defPPr>
-      <a:lvl1pPr marL="0" algn="l" defTabSz="914400" rtl="0" eaLnBrk="1" latinLnBrk="0" hangingPunct="1">
+      <a:lvl1pPr marL="0" algn="l" defTabSz="457200" rtl="0" eaLnBrk="1" latinLnBrk="0" hangingPunct="1">
         <a:defRPr sz="1800" kern="1200">
           <a:solidFill>
             <a:schemeClr val="tx1"/>
@@ -3225,7 +5294,7 @@
           <a:cs typeface="+mn-cs"/>
         </a:defRPr>
       </a:lvl1pPr>
-      <a:lvl2pPr marL="457200" algn="l" defTabSz="914400" rtl="0" eaLnBrk="1" latinLnBrk="0" hangingPunct="1">
+      <a:lvl2pPr marL="457200" algn="l" defTabSz="457200" rtl="0" eaLnBrk="1" latinLnBrk="0" hangingPunct="1">
         <a:defRPr sz="1800" kern="1200">
           <a:solidFill>
             <a:schemeClr val="tx1"/>
@@ -3235,7 +5304,7 @@
           <a:cs typeface="+mn-cs"/>
         </a:defRPr>
       </a:lvl2pPr>
-      <a:lvl3pPr marL="914400" algn="l" defTabSz="914400" rtl="0" eaLnBrk="1" latinLnBrk="0" hangingPunct="1">
+      <a:lvl3pPr marL="914400" algn="l" defTabSz="457200" rtl="0" eaLnBrk="1" latinLnBrk="0" hangingPunct="1">
         <a:defRPr sz="1800" kern="1200">
           <a:solidFill>
             <a:schemeClr val="tx1"/>
@@ -3245,7 +5314,7 @@
           <a:cs typeface="+mn-cs"/>
         </a:defRPr>
       </a:lvl3pPr>
-      <a:lvl4pPr marL="1371600" algn="l" defTabSz="914400" rtl="0" eaLnBrk="1" latinLnBrk="0" hangingPunct="1">
+      <a:lvl4pPr marL="1371600" algn="l" defTabSz="457200" rtl="0" eaLnBrk="1" latinLnBrk="0" hangingPunct="1">
         <a:defRPr sz="1800" kern="1200">
           <a:solidFill>
             <a:schemeClr val="tx1"/>
@@ -3255,7 +5324,7 @@
           <a:cs typeface="+mn-cs"/>
         </a:defRPr>
       </a:lvl4pPr>
-      <a:lvl5pPr marL="1828800" algn="l" defTabSz="914400" rtl="0" eaLnBrk="1" latinLnBrk="0" hangingPunct="1">
+      <a:lvl5pPr marL="1828800" algn="l" defTabSz="457200" rtl="0" eaLnBrk="1" latinLnBrk="0" hangingPunct="1">
         <a:defRPr sz="1800" kern="1200">
           <a:solidFill>
             <a:schemeClr val="tx1"/>
@@ -3265,7 +5334,7 @@
           <a:cs typeface="+mn-cs"/>
         </a:defRPr>
       </a:lvl5pPr>
-      <a:lvl6pPr marL="2286000" algn="l" defTabSz="914400" rtl="0" eaLnBrk="1" latinLnBrk="0" hangingPunct="1">
+      <a:lvl6pPr marL="2286000" algn="l" defTabSz="457200" rtl="0" eaLnBrk="1" latinLnBrk="0" hangingPunct="1">
         <a:defRPr sz="1800" kern="1200">
           <a:solidFill>
             <a:schemeClr val="tx1"/>
@@ -3275,7 +5344,7 @@
           <a:cs typeface="+mn-cs"/>
         </a:defRPr>
       </a:lvl6pPr>
-      <a:lvl7pPr marL="2743200" algn="l" defTabSz="914400" rtl="0" eaLnBrk="1" latinLnBrk="0" hangingPunct="1">
+      <a:lvl7pPr marL="2743200" algn="l" defTabSz="457200" rtl="0" eaLnBrk="1" latinLnBrk="0" hangingPunct="1">
         <a:defRPr sz="1800" kern="1200">
           <a:solidFill>
             <a:schemeClr val="tx1"/>
@@ -3285,7 +5354,7 @@
           <a:cs typeface="+mn-cs"/>
         </a:defRPr>
       </a:lvl7pPr>
-      <a:lvl8pPr marL="3200400" algn="l" defTabSz="914400" rtl="0" eaLnBrk="1" latinLnBrk="0" hangingPunct="1">
+      <a:lvl8pPr marL="3200400" algn="l" defTabSz="457200" rtl="0" eaLnBrk="1" latinLnBrk="0" hangingPunct="1">
         <a:defRPr sz="1800" kern="1200">
           <a:solidFill>
             <a:schemeClr val="tx1"/>
@@ -3295,7 +5364,7 @@
           <a:cs typeface="+mn-cs"/>
         </a:defRPr>
       </a:lvl8pPr>
-      <a:lvl9pPr marL="3657600" algn="l" defTabSz="914400" rtl="0" eaLnBrk="1" latinLnBrk="0" hangingPunct="1">
+      <a:lvl9pPr marL="3657600" algn="l" defTabSz="457200" rtl="0" eaLnBrk="1" latinLnBrk="0" hangingPunct="1">
         <a:defRPr sz="1800" kern="1200">
           <a:solidFill>
             <a:schemeClr val="tx1"/>
@@ -3343,13 +5412,19 @@
             <p:ph type="ctrTitle"/>
           </p:nvPr>
         </p:nvSpPr>
-        <p:spPr/>
+        <p:spPr>
+          <a:xfrm>
+            <a:off x="845866" y="310443"/>
+            <a:ext cx="10572000" cy="2971051"/>
+          </a:xfrm>
+        </p:spPr>
         <p:txBody>
           <a:bodyPr>
             <a:normAutofit/>
           </a:bodyPr>
           <a:lstStyle/>
           <a:p>
+            <a:pPr algn="r"/>
             <a:r>
               <a:rPr lang="en-US" dirty="0"/>
               <a:t>Adding New Search Engines to Chrome ‘Omnibox’</a:t>
@@ -3375,27 +5450,185 @@
         </p:nvSpPr>
         <p:spPr>
           <a:xfrm>
-            <a:off x="1524000" y="3843338"/>
+            <a:off x="1395412" y="5443538"/>
             <a:ext cx="9144000" cy="1414462"/>
           </a:xfrm>
         </p:spPr>
         <p:txBody>
-          <a:bodyPr/>
+          <a:bodyPr>
+            <a:normAutofit/>
+          </a:bodyPr>
           <a:lstStyle/>
           <a:p>
             <a:r>
-              <a:rPr lang="en-US" dirty="0"/>
+              <a:rPr lang="en-US" sz="2000" dirty="0"/>
               <a:t>September 18, 2018</a:t>
             </a:r>
           </a:p>
           <a:p>
             <a:r>
-              <a:rPr lang="en-US" dirty="0"/>
+              <a:rPr lang="en-US" sz="2000" dirty="0"/>
               <a:t>Camille Mathieu</a:t>
             </a:r>
           </a:p>
         </p:txBody>
       </p:sp>
+      <p:pic>
+        <p:nvPicPr>
+          <p:cNvPr id="5" name="Picture 4">
+            <a:extLst>
+              <a:ext uri="{FF2B5EF4-FFF2-40B4-BE49-F238E27FC236}">
+                <a16:creationId xmlns:a16="http://schemas.microsoft.com/office/drawing/2014/main" id="{0AEE3BBD-F514-3447-8D40-D046C50CEEC5}"/>
+              </a:ext>
+            </a:extLst>
+          </p:cNvPr>
+          <p:cNvPicPr>
+            <a:picLocks noChangeAspect="1"/>
+          </p:cNvPicPr>
+          <p:nvPr/>
+        </p:nvPicPr>
+        <p:blipFill>
+          <a:blip r:embed="rId2"/>
+          <a:stretch>
+            <a:fillRect/>
+          </a:stretch>
+        </p:blipFill>
+        <p:spPr>
+          <a:xfrm>
+            <a:off x="6795344" y="1714300"/>
+            <a:ext cx="4842941" cy="4842941"/>
+          </a:xfrm>
+          <a:prstGeom prst="rect">
+            <a:avLst/>
+          </a:prstGeom>
+        </p:spPr>
+      </p:pic>
+      <p:pic>
+        <p:nvPicPr>
+          <p:cNvPr id="7" name="Picture 6">
+            <a:extLst>
+              <a:ext uri="{FF2B5EF4-FFF2-40B4-BE49-F238E27FC236}">
+                <a16:creationId xmlns:a16="http://schemas.microsoft.com/office/drawing/2014/main" id="{FC7BBF73-2D8C-B741-A2CF-9EC788C60840}"/>
+              </a:ext>
+            </a:extLst>
+          </p:cNvPr>
+          <p:cNvPicPr>
+            <a:picLocks noChangeAspect="1"/>
+          </p:cNvPicPr>
+          <p:nvPr/>
+        </p:nvPicPr>
+        <p:blipFill>
+          <a:blip r:embed="rId3"/>
+          <a:stretch>
+            <a:fillRect/>
+          </a:stretch>
+        </p:blipFill>
+        <p:spPr>
+          <a:xfrm>
+            <a:off x="936991" y="3582575"/>
+            <a:ext cx="1106389" cy="1106389"/>
+          </a:xfrm>
+          <a:prstGeom prst="rect">
+            <a:avLst/>
+          </a:prstGeom>
+        </p:spPr>
+      </p:pic>
+      <p:pic>
+        <p:nvPicPr>
+          <p:cNvPr id="8" name="Picture 7">
+            <a:extLst>
+              <a:ext uri="{FF2B5EF4-FFF2-40B4-BE49-F238E27FC236}">
+                <a16:creationId xmlns:a16="http://schemas.microsoft.com/office/drawing/2014/main" id="{DD251D0D-3E0D-4E44-B5B5-47A84DA46B60}"/>
+              </a:ext>
+            </a:extLst>
+          </p:cNvPr>
+          <p:cNvPicPr>
+            <a:picLocks noChangeAspect="1"/>
+          </p:cNvPicPr>
+          <p:nvPr/>
+        </p:nvPicPr>
+        <p:blipFill>
+          <a:blip r:embed="rId3">
+            <a:alphaModFix amt="75000"/>
+          </a:blip>
+          <a:stretch>
+            <a:fillRect/>
+          </a:stretch>
+        </p:blipFill>
+        <p:spPr>
+          <a:xfrm>
+            <a:off x="2484218" y="3582577"/>
+            <a:ext cx="1106389" cy="1106389"/>
+          </a:xfrm>
+          <a:prstGeom prst="rect">
+            <a:avLst/>
+          </a:prstGeom>
+        </p:spPr>
+      </p:pic>
+      <p:pic>
+        <p:nvPicPr>
+          <p:cNvPr id="9" name="Picture 8">
+            <a:extLst>
+              <a:ext uri="{FF2B5EF4-FFF2-40B4-BE49-F238E27FC236}">
+                <a16:creationId xmlns:a16="http://schemas.microsoft.com/office/drawing/2014/main" id="{EADC6A94-1BF9-CE4C-AED9-15E0D68E8872}"/>
+              </a:ext>
+            </a:extLst>
+          </p:cNvPr>
+          <p:cNvPicPr>
+            <a:picLocks noChangeAspect="1"/>
+          </p:cNvPicPr>
+          <p:nvPr/>
+        </p:nvPicPr>
+        <p:blipFill>
+          <a:blip r:embed="rId3">
+            <a:alphaModFix amt="50000"/>
+          </a:blip>
+          <a:stretch>
+            <a:fillRect/>
+          </a:stretch>
+        </p:blipFill>
+        <p:spPr>
+          <a:xfrm>
+            <a:off x="4031445" y="3582578"/>
+            <a:ext cx="1106389" cy="1106389"/>
+          </a:xfrm>
+          <a:prstGeom prst="rect">
+            <a:avLst/>
+          </a:prstGeom>
+        </p:spPr>
+      </p:pic>
+      <p:pic>
+        <p:nvPicPr>
+          <p:cNvPr id="10" name="Picture 9">
+            <a:extLst>
+              <a:ext uri="{FF2B5EF4-FFF2-40B4-BE49-F238E27FC236}">
+                <a16:creationId xmlns:a16="http://schemas.microsoft.com/office/drawing/2014/main" id="{0AA086D3-8696-084F-8D2A-583269738829}"/>
+              </a:ext>
+            </a:extLst>
+          </p:cNvPr>
+          <p:cNvPicPr>
+            <a:picLocks noChangeAspect="1"/>
+          </p:cNvPicPr>
+          <p:nvPr/>
+        </p:nvPicPr>
+        <p:blipFill>
+          <a:blip r:embed="rId3">
+            <a:alphaModFix amt="25000"/>
+          </a:blip>
+          <a:stretch>
+            <a:fillRect/>
+          </a:stretch>
+        </p:blipFill>
+        <p:spPr>
+          <a:xfrm>
+            <a:off x="5578672" y="3582577"/>
+            <a:ext cx="1106389" cy="1106389"/>
+          </a:xfrm>
+          <a:prstGeom prst="rect">
+            <a:avLst/>
+          </a:prstGeom>
+        </p:spPr>
+      </p:pic>
     </p:spTree>
     <p:extLst>
       <p:ext uri="{BB962C8B-B14F-4D97-AF65-F5344CB8AC3E}">
@@ -3449,7 +5682,7 @@
           <a:p>
             <a:r>
               <a:rPr lang="en-US" dirty="0"/>
-              <a:t>different repositories/different goals</a:t>
+              <a:t>Discussion Questions</a:t>
             </a:r>
           </a:p>
         </p:txBody>
@@ -3470,19 +5703,282 @@
             <p:ph idx="1"/>
           </p:nvPr>
         </p:nvSpPr>
-        <p:spPr/>
-        <p:txBody>
-          <a:bodyPr/>
+        <p:spPr>
+          <a:xfrm>
+            <a:off x="818712" y="2222288"/>
+            <a:ext cx="10554574" cy="2149688"/>
+          </a:xfrm>
+        </p:spPr>
+        <p:txBody>
+          <a:bodyPr>
+            <a:normAutofit/>
+          </a:bodyPr>
           <a:lstStyle/>
           <a:p>
-            <a:endParaRPr lang="en-US"/>
+            <a:r>
+              <a:rPr lang="en-US" sz="2400" dirty="0"/>
+              <a:t>What are some websites you visit regularly (not including social media)?</a:t>
+            </a:r>
+          </a:p>
+        </p:txBody>
+      </p:sp>
+      <p:sp>
+        <p:nvSpPr>
+          <p:cNvPr id="4" name="Content Placeholder 2">
+            <a:extLst>
+              <a:ext uri="{FF2B5EF4-FFF2-40B4-BE49-F238E27FC236}">
+                <a16:creationId xmlns:a16="http://schemas.microsoft.com/office/drawing/2014/main" id="{C00FD6D1-822E-774A-ACCC-CA8A7FD4E8AB}"/>
+              </a:ext>
+            </a:extLst>
+          </p:cNvPr>
+          <p:cNvSpPr txBox="1">
+            <a:spLocks/>
+          </p:cNvSpPr>
+          <p:nvPr/>
+        </p:nvSpPr>
+        <p:spPr>
+          <a:xfrm>
+            <a:off x="810000" y="3219132"/>
+            <a:ext cx="10554574" cy="2149688"/>
+          </a:xfrm>
+          <a:prstGeom prst="rect">
+            <a:avLst/>
+          </a:prstGeom>
+          <a:effectLst>
+            <a:outerShdw blurRad="50800" dir="14400000">
+              <a:srgbClr val="000000">
+                <a:alpha val="40000"/>
+              </a:srgbClr>
+            </a:outerShdw>
+          </a:effectLst>
+        </p:spPr>
+        <p:txBody>
+          <a:bodyPr vert="horz" lIns="91440" tIns="45720" rIns="91440" bIns="45720" rtlCol="0" anchor="ctr">
+            <a:normAutofit/>
+          </a:bodyPr>
+          <a:lstStyle>
+            <a:lvl1pPr marL="342900" indent="-342900" algn="l" defTabSz="457200" rtl="0" eaLnBrk="1" latinLnBrk="0" hangingPunct="1">
+              <a:spcBef>
+                <a:spcPct val="20000"/>
+              </a:spcBef>
+              <a:spcAft>
+                <a:spcPts val="600"/>
+              </a:spcAft>
+              <a:buClr>
+                <a:schemeClr val="accent1"/>
+              </a:buClr>
+              <a:buFont typeface="Wingdings 2" charset="2"/>
+              <a:buChar char=""/>
+              <a:defRPr sz="1800" kern="1200">
+                <a:solidFill>
+                  <a:schemeClr val="tx1"/>
+                </a:solidFill>
+                <a:latin typeface="+mn-lt"/>
+                <a:ea typeface="+mn-ea"/>
+                <a:cs typeface="+mn-cs"/>
+              </a:defRPr>
+            </a:lvl1pPr>
+            <a:lvl2pPr marL="742950" indent="-285750" algn="l" defTabSz="457200" rtl="0" eaLnBrk="1" latinLnBrk="0" hangingPunct="1">
+              <a:spcBef>
+                <a:spcPct val="20000"/>
+              </a:spcBef>
+              <a:spcAft>
+                <a:spcPts val="600"/>
+              </a:spcAft>
+              <a:buClr>
+                <a:schemeClr val="accent1"/>
+              </a:buClr>
+              <a:buFont typeface="Wingdings 2" charset="2"/>
+              <a:buChar char=""/>
+              <a:defRPr sz="1600" kern="1200">
+                <a:solidFill>
+                  <a:schemeClr val="tx1"/>
+                </a:solidFill>
+                <a:latin typeface="+mn-lt"/>
+                <a:ea typeface="+mn-ea"/>
+                <a:cs typeface="+mn-cs"/>
+              </a:defRPr>
+            </a:lvl2pPr>
+            <a:lvl3pPr marL="1143000" indent="-228600" algn="l" defTabSz="457200" rtl="0" eaLnBrk="1" latinLnBrk="0" hangingPunct="1">
+              <a:spcBef>
+                <a:spcPct val="20000"/>
+              </a:spcBef>
+              <a:spcAft>
+                <a:spcPts val="600"/>
+              </a:spcAft>
+              <a:buClr>
+                <a:schemeClr val="accent1"/>
+              </a:buClr>
+              <a:buFont typeface="Wingdings 2" charset="2"/>
+              <a:buChar char=""/>
+              <a:defRPr sz="1400" kern="1200">
+                <a:solidFill>
+                  <a:schemeClr val="tx1"/>
+                </a:solidFill>
+                <a:latin typeface="+mn-lt"/>
+                <a:ea typeface="+mn-ea"/>
+                <a:cs typeface="+mn-cs"/>
+              </a:defRPr>
+            </a:lvl3pPr>
+            <a:lvl4pPr marL="1600200" indent="-228600" algn="l" defTabSz="457200" rtl="0" eaLnBrk="1" latinLnBrk="0" hangingPunct="1">
+              <a:spcBef>
+                <a:spcPct val="20000"/>
+              </a:spcBef>
+              <a:spcAft>
+                <a:spcPts val="600"/>
+              </a:spcAft>
+              <a:buClr>
+                <a:schemeClr val="accent1"/>
+              </a:buClr>
+              <a:buFont typeface="Wingdings 2" charset="2"/>
+              <a:buChar char=""/>
+              <a:defRPr sz="1200" kern="1200">
+                <a:solidFill>
+                  <a:schemeClr val="tx1"/>
+                </a:solidFill>
+                <a:latin typeface="+mn-lt"/>
+                <a:ea typeface="+mn-ea"/>
+                <a:cs typeface="+mn-cs"/>
+              </a:defRPr>
+            </a:lvl4pPr>
+            <a:lvl5pPr marL="2057400" indent="-228600" algn="l" defTabSz="457200" rtl="0" eaLnBrk="1" latinLnBrk="0" hangingPunct="1">
+              <a:spcBef>
+                <a:spcPct val="20000"/>
+              </a:spcBef>
+              <a:spcAft>
+                <a:spcPts val="600"/>
+              </a:spcAft>
+              <a:buClr>
+                <a:schemeClr val="accent1"/>
+              </a:buClr>
+              <a:buFont typeface="Wingdings 2" charset="2"/>
+              <a:buChar char=""/>
+              <a:defRPr sz="1200" kern="1200">
+                <a:solidFill>
+                  <a:schemeClr val="tx1"/>
+                </a:solidFill>
+                <a:latin typeface="+mn-lt"/>
+                <a:ea typeface="+mn-ea"/>
+                <a:cs typeface="+mn-cs"/>
+              </a:defRPr>
+            </a:lvl5pPr>
+            <a:lvl6pPr marL="2400000" indent="-228600" algn="l" defTabSz="457200" rtl="0" eaLnBrk="1" latinLnBrk="0" hangingPunct="1">
+              <a:spcBef>
+                <a:spcPct val="20000"/>
+              </a:spcBef>
+              <a:spcAft>
+                <a:spcPts val="600"/>
+              </a:spcAft>
+              <a:buClr>
+                <a:schemeClr val="accent1"/>
+              </a:buClr>
+              <a:buFont typeface="Wingdings 2" charset="2"/>
+              <a:buChar char=""/>
+              <a:defRPr sz="1200" kern="1200">
+                <a:solidFill>
+                  <a:schemeClr val="tx1"/>
+                </a:solidFill>
+                <a:latin typeface="+mn-lt"/>
+                <a:ea typeface="+mn-ea"/>
+                <a:cs typeface="+mn-cs"/>
+              </a:defRPr>
+            </a:lvl6pPr>
+            <a:lvl7pPr marL="2800000" indent="-228600" algn="l" defTabSz="457200" rtl="0" eaLnBrk="1" latinLnBrk="0" hangingPunct="1">
+              <a:spcBef>
+                <a:spcPct val="20000"/>
+              </a:spcBef>
+              <a:spcAft>
+                <a:spcPts val="600"/>
+              </a:spcAft>
+              <a:buClr>
+                <a:schemeClr val="accent1"/>
+              </a:buClr>
+              <a:buFont typeface="Wingdings 2" charset="2"/>
+              <a:buChar char=""/>
+              <a:defRPr sz="1200" kern="1200">
+                <a:solidFill>
+                  <a:schemeClr val="tx1"/>
+                </a:solidFill>
+                <a:latin typeface="+mn-lt"/>
+                <a:ea typeface="+mn-ea"/>
+                <a:cs typeface="+mn-cs"/>
+              </a:defRPr>
+            </a:lvl7pPr>
+            <a:lvl8pPr marL="3200000" indent="-228600" algn="l" defTabSz="457200" rtl="0" eaLnBrk="1" latinLnBrk="0" hangingPunct="1">
+              <a:spcBef>
+                <a:spcPct val="20000"/>
+              </a:spcBef>
+              <a:spcAft>
+                <a:spcPts val="600"/>
+              </a:spcAft>
+              <a:buClr>
+                <a:schemeClr val="accent1"/>
+              </a:buClr>
+              <a:buFont typeface="Wingdings 2" charset="2"/>
+              <a:buChar char=""/>
+              <a:defRPr sz="1200" kern="1200">
+                <a:solidFill>
+                  <a:schemeClr val="tx1"/>
+                </a:solidFill>
+                <a:latin typeface="+mn-lt"/>
+                <a:ea typeface="+mn-ea"/>
+                <a:cs typeface="+mn-cs"/>
+              </a:defRPr>
+            </a:lvl8pPr>
+            <a:lvl9pPr marL="3600000" indent="-228600" algn="l" defTabSz="457200" rtl="0" eaLnBrk="1" latinLnBrk="0" hangingPunct="1">
+              <a:spcBef>
+                <a:spcPct val="20000"/>
+              </a:spcBef>
+              <a:spcAft>
+                <a:spcPts val="600"/>
+              </a:spcAft>
+              <a:buClr>
+                <a:schemeClr val="accent1"/>
+              </a:buClr>
+              <a:buFont typeface="Wingdings 2" charset="2"/>
+              <a:buChar char=""/>
+              <a:defRPr sz="1200" kern="1200">
+                <a:solidFill>
+                  <a:schemeClr val="tx1"/>
+                </a:solidFill>
+                <a:latin typeface="+mn-lt"/>
+                <a:ea typeface="+mn-ea"/>
+                <a:cs typeface="+mn-cs"/>
+              </a:defRPr>
+            </a:lvl9pPr>
+          </a:lstStyle>
+          <a:p>
+            <a:r>
+              <a:rPr lang="en-US" sz="2400" b="1" dirty="0"/>
+              <a:t>Consider: </a:t>
+            </a:r>
+            <a:r>
+              <a:rPr lang="en-US" sz="2400" dirty="0"/>
+              <a:t>Why might you search </a:t>
+            </a:r>
+            <a:r>
+              <a:rPr lang="en-US" sz="2400" dirty="0" err="1"/>
+              <a:t>WorldCat</a:t>
+            </a:r>
+            <a:r>
+              <a:rPr lang="en-US" sz="2400" dirty="0"/>
+              <a:t> instead of Amazon, or Amazon instead of </a:t>
+            </a:r>
+            <a:r>
+              <a:rPr lang="en-US" sz="2400" dirty="0" err="1"/>
+              <a:t>WorldCat</a:t>
+            </a:r>
+            <a:r>
+              <a:rPr lang="en-US" sz="2400" dirty="0"/>
+              <a:t>?</a:t>
+            </a:r>
           </a:p>
         </p:txBody>
       </p:sp>
     </p:spTree>
     <p:extLst>
       <p:ext uri="{BB962C8B-B14F-4D97-AF65-F5344CB8AC3E}">
-        <p14:creationId xmlns:p14="http://schemas.microsoft.com/office/powerpoint/2010/main" val="1431343232"/>
+        <p14:creationId xmlns:p14="http://schemas.microsoft.com/office/powerpoint/2010/main" val="229327392"/>
       </p:ext>
     </p:extLst>
   </p:cSld>
@@ -3532,7 +6028,7 @@
           <a:p>
             <a:r>
               <a:rPr lang="en-US" dirty="0"/>
-              <a:t>omnibox</a:t>
+              <a:t>What is ‘Omnibox’?</a:t>
             </a:r>
           </a:p>
         </p:txBody>
@@ -3553,15 +6049,86 @@
             <p:ph idx="1"/>
           </p:nvPr>
         </p:nvSpPr>
-        <p:spPr/>
-        <p:txBody>
-          <a:bodyPr/>
+        <p:spPr>
+          <a:xfrm>
+            <a:off x="810000" y="2408025"/>
+            <a:ext cx="10554574" cy="2292563"/>
+          </a:xfrm>
+        </p:spPr>
+        <p:txBody>
+          <a:bodyPr>
+            <a:normAutofit/>
+          </a:bodyPr>
           <a:lstStyle/>
           <a:p>
-            <a:endParaRPr lang="en-US"/>
-          </a:p>
-        </p:txBody>
-      </p:sp>
+            <a:r>
+              <a:rPr lang="en-US" sz="2400" dirty="0"/>
+              <a:t>Web browser address bar that also acts as a search engine </a:t>
+            </a:r>
+            <a:r>
+              <a:rPr lang="en-US" sz="2400" baseline="30000" dirty="0"/>
+              <a:t>[1]</a:t>
+            </a:r>
+          </a:p>
+          <a:p>
+            <a:r>
+              <a:rPr lang="en-US" sz="2400" b="1" dirty="0"/>
+              <a:t>Example: </a:t>
+            </a:r>
+            <a:r>
+              <a:rPr lang="en-US" sz="2400" dirty="0"/>
+              <a:t>Chrome browser</a:t>
+            </a:r>
+          </a:p>
+          <a:p>
+            <a:r>
+              <a:rPr lang="en-US" sz="2400" dirty="0"/>
+              <a:t>Search multiple search engines from a single search bar</a:t>
+            </a:r>
+          </a:p>
+          <a:p>
+            <a:r>
+              <a:rPr lang="en-US" sz="2400" dirty="0"/>
+              <a:t>Why? Supports all kinds of searches with less steps</a:t>
+            </a:r>
+          </a:p>
+        </p:txBody>
+      </p:sp>
+      <p:pic>
+        <p:nvPicPr>
+          <p:cNvPr id="8" name="Picture 7">
+            <a:extLst>
+              <a:ext uri="{FF2B5EF4-FFF2-40B4-BE49-F238E27FC236}">
+                <a16:creationId xmlns:a16="http://schemas.microsoft.com/office/drawing/2014/main" id="{BF84A53A-83CD-5646-90BC-B8573240F860}"/>
+              </a:ext>
+            </a:extLst>
+          </p:cNvPr>
+          <p:cNvPicPr>
+            <a:picLocks noChangeAspect="1"/>
+          </p:cNvPicPr>
+          <p:nvPr/>
+        </p:nvPicPr>
+        <p:blipFill>
+          <a:blip r:embed="rId2"/>
+          <a:stretch>
+            <a:fillRect/>
+          </a:stretch>
+        </p:blipFill>
+        <p:spPr>
+          <a:xfrm>
+            <a:off x="2416987" y="4969727"/>
+            <a:ext cx="7340600" cy="1066800"/>
+          </a:xfrm>
+          <a:prstGeom prst="rect">
+            <a:avLst/>
+          </a:prstGeom>
+          <a:ln w="38100">
+            <a:solidFill>
+              <a:schemeClr val="accent1"/>
+            </a:solidFill>
+          </a:ln>
+        </p:spPr>
+      </p:pic>
     </p:spTree>
     <p:extLst>
       <p:ext uri="{BB962C8B-B14F-4D97-AF65-F5344CB8AC3E}">
@@ -3615,7 +6182,11 @@
           <a:p>
             <a:r>
               <a:rPr lang="en-US" dirty="0"/>
-              <a:t>Setting new search engine</a:t>
+              <a:t>How to Set a New Search Engine </a:t>
+            </a:r>
+            <a:r>
+              <a:rPr lang="en-US" baseline="30000" dirty="0"/>
+              <a:t>[2]</a:t>
             </a:r>
           </a:p>
         </p:txBody>
@@ -3636,15 +6207,132 @@
             <p:ph idx="1"/>
           </p:nvPr>
         </p:nvSpPr>
-        <p:spPr/>
-        <p:txBody>
-          <a:bodyPr/>
+        <p:spPr>
+          <a:xfrm>
+            <a:off x="810000" y="2506547"/>
+            <a:ext cx="4890712" cy="4200815"/>
+          </a:xfrm>
+        </p:spPr>
+        <p:txBody>
+          <a:bodyPr>
+            <a:normAutofit/>
+          </a:bodyPr>
           <a:lstStyle/>
           <a:p>
-            <a:endParaRPr lang="en-US"/>
-          </a:p>
-        </p:txBody>
-      </p:sp>
+            <a:pPr>
+              <a:buFont typeface="+mj-lt"/>
+              <a:buAutoNum type="arabicPeriod"/>
+            </a:pPr>
+            <a:r>
+              <a:rPr lang="en-US" sz="2000" dirty="0"/>
+              <a:t>Open Chrome, and enter ‘chrome://settings/’ into the omnibox</a:t>
+            </a:r>
+          </a:p>
+          <a:p>
+            <a:pPr>
+              <a:buFont typeface="+mj-lt"/>
+              <a:buAutoNum type="arabicPeriod"/>
+            </a:pPr>
+            <a:r>
+              <a:rPr lang="en-US" sz="2000" dirty="0"/>
+              <a:t>Under </a:t>
+            </a:r>
+            <a:r>
+              <a:rPr lang="en-US" sz="2000" b="1" dirty="0"/>
+              <a:t>Search engine </a:t>
+            </a:r>
+            <a:r>
+              <a:rPr lang="en-US" sz="2000" dirty="0"/>
+              <a:t>heading, click </a:t>
+            </a:r>
+            <a:r>
+              <a:rPr lang="en-US" sz="2000" b="1" dirty="0"/>
+              <a:t>Manage search engines</a:t>
+            </a:r>
+            <a:endParaRPr lang="en-US" sz="2000" dirty="0"/>
+          </a:p>
+          <a:p>
+            <a:pPr>
+              <a:buFont typeface="+mj-lt"/>
+              <a:buAutoNum type="arabicPeriod"/>
+            </a:pPr>
+            <a:r>
+              <a:rPr lang="en-US" sz="2000" dirty="0"/>
+              <a:t>Select the ‘Add’ button next to </a:t>
+            </a:r>
+            <a:r>
+              <a:rPr lang="en-US" sz="2000" b="1" dirty="0"/>
+              <a:t>Other search engines</a:t>
+            </a:r>
+          </a:p>
+          <a:p>
+            <a:pPr>
+              <a:buFont typeface="+mj-lt"/>
+              <a:buAutoNum type="arabicPeriod"/>
+            </a:pPr>
+            <a:r>
+              <a:rPr lang="en-US" sz="2000" dirty="0"/>
+              <a:t>Fill out the form, and click ‘Add’</a:t>
+            </a:r>
+          </a:p>
+          <a:p>
+            <a:pPr lvl="1">
+              <a:buFont typeface="+mj-lt"/>
+              <a:buAutoNum type="arabicPeriod"/>
+            </a:pPr>
+            <a:r>
+              <a:rPr lang="en-US" sz="1800" dirty="0"/>
+              <a:t>Search engine name + keyword</a:t>
+            </a:r>
+          </a:p>
+          <a:p>
+            <a:pPr lvl="1">
+              <a:buFont typeface="+mj-lt"/>
+              <a:buAutoNum type="arabicPeriod"/>
+            </a:pPr>
+            <a:r>
+              <a:rPr lang="en-US" sz="1800" dirty="0"/>
+              <a:t>Search URL, substitute “%s” for keyword</a:t>
+            </a:r>
+          </a:p>
+          <a:p>
+            <a:pPr marL="0" indent="0">
+              <a:buNone/>
+            </a:pPr>
+            <a:endParaRPr lang="en-US" sz="2000" dirty="0"/>
+          </a:p>
+        </p:txBody>
+      </p:sp>
+      <p:pic>
+        <p:nvPicPr>
+          <p:cNvPr id="5" name="Picture 4">
+            <a:extLst>
+              <a:ext uri="{FF2B5EF4-FFF2-40B4-BE49-F238E27FC236}">
+                <a16:creationId xmlns:a16="http://schemas.microsoft.com/office/drawing/2014/main" id="{848651DA-7A0A-C944-AA09-CB8B12425FF1}"/>
+              </a:ext>
+            </a:extLst>
+          </p:cNvPr>
+          <p:cNvPicPr>
+            <a:picLocks noChangeAspect="1"/>
+          </p:cNvPicPr>
+          <p:nvPr/>
+        </p:nvPicPr>
+        <p:blipFill>
+          <a:blip r:embed="rId2"/>
+          <a:stretch>
+            <a:fillRect/>
+          </a:stretch>
+        </p:blipFill>
+        <p:spPr>
+          <a:xfrm>
+            <a:off x="6066263" y="2546815"/>
+            <a:ext cx="5240146" cy="3311983"/>
+          </a:xfrm>
+          <a:prstGeom prst="rect">
+            <a:avLst/>
+          </a:prstGeom>
+        </p:spPr>
+      </p:pic>
     </p:spTree>
     <p:extLst>
       <p:ext uri="{BB962C8B-B14F-4D97-AF65-F5344CB8AC3E}">
@@ -3698,7 +6386,7 @@
           <a:p>
             <a:r>
               <a:rPr lang="en-US" dirty="0"/>
-              <a:t>Using new search engine</a:t>
+              <a:t>Using your New Search Engine</a:t>
             </a:r>
           </a:p>
         </p:txBody>
@@ -3719,15 +6407,92 @@
             <p:ph idx="1"/>
           </p:nvPr>
         </p:nvSpPr>
-        <p:spPr/>
-        <p:txBody>
-          <a:bodyPr/>
+        <p:spPr>
+          <a:xfrm>
+            <a:off x="818712" y="2222287"/>
+            <a:ext cx="3329542" cy="3636511"/>
+          </a:xfrm>
+        </p:spPr>
+        <p:txBody>
+          <a:bodyPr>
+            <a:normAutofit/>
+          </a:bodyPr>
           <a:lstStyle/>
           <a:p>
-            <a:endParaRPr lang="en-US"/>
-          </a:p>
-        </p:txBody>
-      </p:sp>
+            <a:pPr>
+              <a:buFont typeface="+mj-lt"/>
+              <a:buAutoNum type="arabicPeriod"/>
+            </a:pPr>
+            <a:r>
+              <a:rPr lang="en-US" sz="2000" dirty="0"/>
+              <a:t>Type keyword into omnibox</a:t>
+            </a:r>
+          </a:p>
+          <a:p>
+            <a:pPr>
+              <a:buFont typeface="+mj-lt"/>
+              <a:buAutoNum type="arabicPeriod"/>
+            </a:pPr>
+            <a:r>
+              <a:rPr lang="en-US" sz="2000" dirty="0"/>
+              <a:t>Hit space bar</a:t>
+            </a:r>
+          </a:p>
+          <a:p>
+            <a:pPr>
+              <a:buFont typeface="+mj-lt"/>
+              <a:buAutoNum type="arabicPeriod"/>
+            </a:pPr>
+            <a:r>
+              <a:rPr lang="en-US" sz="2000" dirty="0"/>
+              <a:t>Enter query as normal</a:t>
+            </a:r>
+          </a:p>
+        </p:txBody>
+      </p:sp>
+      <p:pic>
+        <p:nvPicPr>
+          <p:cNvPr id="5" name="amazon_search">
+            <a:hlinkClick r:id="" action="ppaction://ole?verb=0"/>
+            <a:extLst>
+              <a:ext uri="{FF2B5EF4-FFF2-40B4-BE49-F238E27FC236}">
+                <a16:creationId xmlns:a16="http://schemas.microsoft.com/office/drawing/2014/main" id="{4180806E-5922-D14A-9B62-04C4A93F75AB}"/>
+              </a:ext>
+            </a:extLst>
+          </p:cNvPr>
+          <p:cNvPicPr>
+            <a:picLocks noChangeAspect="1"/>
+          </p:cNvPicPr>
+          <p:nvPr>
+            <a:videoFile r:link="rId2"/>
+            <p:extLst>
+              <p:ext uri="{DAA4B4D4-6D71-4841-9C94-3DE7FCFB9230}">
+                <p14:media xmlns:p14="http://schemas.microsoft.com/office/powerpoint/2010/main" r:embed="rId1"/>
+              </p:ext>
+            </p:extLst>
+          </p:nvPr>
+        </p:nvPicPr>
+        <p:blipFill>
+          <a:blip r:embed="rId4"/>
+          <a:stretch>
+            <a:fillRect/>
+          </a:stretch>
+        </p:blipFill>
+        <p:spPr>
+          <a:xfrm>
+            <a:off x="5040353" y="2222287"/>
+            <a:ext cx="5932448" cy="4097847"/>
+          </a:xfrm>
+          <a:prstGeom prst="rect">
+            <a:avLst/>
+          </a:prstGeom>
+          <a:ln w="38100">
+            <a:solidFill>
+              <a:schemeClr val="accent1"/>
+            </a:solidFill>
+          </a:ln>
+        </p:spPr>
+      </p:pic>
     </p:spTree>
     <p:extLst>
       <p:ext uri="{BB962C8B-B14F-4D97-AF65-F5344CB8AC3E}">
@@ -3738,6 +6503,141 @@
   <p:clrMapOvr>
     <a:masterClrMapping/>
   </p:clrMapOvr>
+  <p:timing>
+    <p:tnLst>
+      <p:par>
+        <p:cTn id="1" dur="indefinite" restart="never" nodeType="tmRoot">
+          <p:childTnLst>
+            <p:seq concurrent="1" nextAc="seek">
+              <p:cTn id="2" dur="indefinite" nodeType="mainSeq">
+                <p:childTnLst>
+                  <p:par>
+                    <p:cTn id="3" fill="hold">
+                      <p:stCondLst>
+                        <p:cond delay="indefinite"/>
+                      </p:stCondLst>
+                      <p:childTnLst>
+                        <p:par>
+                          <p:cTn id="4" fill="hold">
+                            <p:stCondLst>
+                              <p:cond delay="0"/>
+                            </p:stCondLst>
+                            <p:childTnLst>
+                              <p:par>
+                                <p:cTn id="5" presetID="1" presetClass="mediacall" presetSubtype="0" fill="hold" nodeType="clickEffect">
+                                  <p:stCondLst>
+                                    <p:cond delay="0"/>
+                                  </p:stCondLst>
+                                  <p:childTnLst>
+                                    <p:cmd type="call" cmd="playFrom(0.0)">
+                                      <p:cBhvr>
+                                        <p:cTn id="6" dur="16533" fill="hold"/>
+                                        <p:tgtEl>
+                                          <p:spTgt spid="5"/>
+                                        </p:tgtEl>
+                                      </p:cBhvr>
+                                    </p:cmd>
+                                  </p:childTnLst>
+                                </p:cTn>
+                              </p:par>
+                            </p:childTnLst>
+                          </p:cTn>
+                        </p:par>
+                      </p:childTnLst>
+                    </p:cTn>
+                  </p:par>
+                </p:childTnLst>
+              </p:cTn>
+              <p:prevCondLst>
+                <p:cond evt="onPrev" delay="0">
+                  <p:tgtEl>
+                    <p:sldTgt/>
+                  </p:tgtEl>
+                </p:cond>
+              </p:prevCondLst>
+              <p:nextCondLst>
+                <p:cond evt="onNext" delay="0">
+                  <p:tgtEl>
+                    <p:sldTgt/>
+                  </p:tgtEl>
+                </p:cond>
+              </p:nextCondLst>
+            </p:seq>
+            <p:video>
+              <p:cMediaNode vol="80000">
+                <p:cTn id="7" fill="hold" display="0">
+                  <p:stCondLst>
+                    <p:cond delay="indefinite"/>
+                  </p:stCondLst>
+                </p:cTn>
+                <p:tgtEl>
+                  <p:spTgt spid="5"/>
+                </p:tgtEl>
+              </p:cMediaNode>
+            </p:video>
+            <p:seq concurrent="1" nextAc="seek">
+              <p:cTn id="8" restart="whenNotActive" fill="hold" evtFilter="cancelBubble" nodeType="interactiveSeq">
+                <p:stCondLst>
+                  <p:cond evt="onClick" delay="0">
+                    <p:tgtEl>
+                      <p:spTgt spid="5"/>
+                    </p:tgtEl>
+                  </p:cond>
+                </p:stCondLst>
+                <p:endSync evt="end" delay="0">
+                  <p:rtn val="all"/>
+                </p:endSync>
+                <p:childTnLst>
+                  <p:par>
+                    <p:cTn id="9" fill="hold">
+                      <p:stCondLst>
+                        <p:cond delay="0"/>
+                      </p:stCondLst>
+                      <p:childTnLst>
+                        <p:par>
+                          <p:cTn id="10" fill="hold">
+                            <p:stCondLst>
+                              <p:cond delay="0"/>
+                            </p:stCondLst>
+                            <p:childTnLst>
+                              <p:par>
+                                <p:cTn id="11" presetID="2" presetClass="mediacall" presetSubtype="0" fill="hold" nodeType="clickEffect">
+                                  <p:stCondLst>
+                                    <p:cond delay="0"/>
+                                  </p:stCondLst>
+                                  <p:childTnLst>
+                                    <p:cmd type="call" cmd="togglePause">
+                                      <p:cBhvr>
+                                        <p:cTn id="12" dur="1" fill="hold"/>
+                                        <p:tgtEl>
+                                          <p:spTgt spid="5"/>
+                                        </p:tgtEl>
+                                      </p:cBhvr>
+                                    </p:cmd>
+                                  </p:childTnLst>
+                                </p:cTn>
+                              </p:par>
+                            </p:childTnLst>
+                          </p:cTn>
+                        </p:par>
+                      </p:childTnLst>
+                    </p:cTn>
+                  </p:par>
+                </p:childTnLst>
+              </p:cTn>
+              <p:nextCondLst>
+                <p:cond evt="onClick" delay="0">
+                  <p:tgtEl>
+                    <p:spTgt spid="5"/>
+                  </p:tgtEl>
+                </p:cond>
+              </p:nextCondLst>
+            </p:seq>
+          </p:childTnLst>
+        </p:cTn>
+      </p:par>
+    </p:tnLst>
+  </p:timing>
 </p:sld>
 </file>
 
@@ -3763,7 +6663,7 @@
           <p:cNvPr id="2" name="Title 1">
             <a:extLst>
               <a:ext uri="{FF2B5EF4-FFF2-40B4-BE49-F238E27FC236}">
-                <a16:creationId xmlns:a16="http://schemas.microsoft.com/office/drawing/2014/main" id="{FE4C0EDA-B358-6D4C-9C4B-939D14A74223}"/>
+                <a16:creationId xmlns:a16="http://schemas.microsoft.com/office/drawing/2014/main" id="{75C51B81-7CCB-2A40-8967-8B009F42161E}"/>
               </a:ext>
             </a:extLst>
           </p:cNvPr>
@@ -3774,24 +6674,29 @@
             <p:ph type="title"/>
           </p:nvPr>
         </p:nvSpPr>
-        <p:spPr/>
+        <p:spPr>
+          <a:xfrm>
+            <a:off x="1446299" y="2012210"/>
+            <a:ext cx="4382521" cy="2007789"/>
+          </a:xfrm>
+        </p:spPr>
         <p:txBody>
           <a:bodyPr/>
           <a:lstStyle/>
           <a:p>
             <a:r>
-              <a:rPr lang="en-US" dirty="0"/>
-              <a:t>Why use omnibox?</a:t>
-            </a:r>
-          </a:p>
-        </p:txBody>
-      </p:sp>
-      <p:sp>
-        <p:nvSpPr>
-          <p:cNvPr id="3" name="Content Placeholder 2">
+              <a:rPr lang="en-US" sz="6600" dirty="0"/>
+              <a:t>Let’s try it!</a:t>
+            </a:r>
+          </a:p>
+        </p:txBody>
+      </p:sp>
+      <p:sp>
+        <p:nvSpPr>
+          <p:cNvPr id="3" name="Text Placeholder 2">
             <a:extLst>
               <a:ext uri="{FF2B5EF4-FFF2-40B4-BE49-F238E27FC236}">
-                <a16:creationId xmlns:a16="http://schemas.microsoft.com/office/drawing/2014/main" id="{DE827534-833D-FA46-A6BC-8364C6370F47}"/>
+                <a16:creationId xmlns:a16="http://schemas.microsoft.com/office/drawing/2014/main" id="{AA935D2D-313F-9B47-A960-720D2E1B6C11}"/>
               </a:ext>
             </a:extLst>
           </p:cNvPr>
@@ -3799,22 +6704,97 @@
             <a:spLocks noGrp="1"/>
           </p:cNvSpPr>
           <p:nvPr>
-            <p:ph idx="1"/>
-          </p:nvPr>
-        </p:nvSpPr>
-        <p:spPr/>
-        <p:txBody>
-          <a:bodyPr/>
+            <p:ph type="body" sz="quarter" idx="16"/>
+          </p:nvPr>
+        </p:nvSpPr>
+        <p:spPr>
+          <a:xfrm>
+            <a:off x="6133699" y="2525450"/>
+            <a:ext cx="4880300" cy="4092497"/>
+          </a:xfrm>
+        </p:spPr>
+        <p:txBody>
+          <a:bodyPr>
+            <a:normAutofit/>
+          </a:bodyPr>
           <a:lstStyle/>
           <a:p>
-            <a:endParaRPr lang="en-US"/>
+            <a:r>
+              <a:rPr lang="en-US" sz="2800" dirty="0"/>
+              <a:t>Add the PCC library  search to your Chrome omnibox – here’s a URL to get us started:</a:t>
+            </a:r>
+          </a:p>
+          <a:p>
+            <a:r>
+              <a:rPr lang="en-US" sz="2400" dirty="0"/>
+              <a:t> </a:t>
+            </a:r>
+          </a:p>
+        </p:txBody>
+      </p:sp>
+      <p:sp>
+        <p:nvSpPr>
+          <p:cNvPr id="4" name="TextBox 3">
+            <a:extLst>
+              <a:ext uri="{FF2B5EF4-FFF2-40B4-BE49-F238E27FC236}">
+                <a16:creationId xmlns:a16="http://schemas.microsoft.com/office/drawing/2014/main" id="{7A3B58E7-CE5B-5F4C-8E27-8FBCA0528E2F}"/>
+              </a:ext>
+            </a:extLst>
+          </p:cNvPr>
+          <p:cNvSpPr txBox="1"/>
+          <p:nvPr/>
+        </p:nvSpPr>
+        <p:spPr>
+          <a:xfrm>
+            <a:off x="1608302" y="5330282"/>
+            <a:ext cx="8723613" cy="830997"/>
+          </a:xfrm>
+          <a:prstGeom prst="rect">
+            <a:avLst/>
+          </a:prstGeom>
+          <a:noFill/>
+        </p:spPr>
+        <p:txBody>
+          <a:bodyPr wrap="square" rtlCol="0">
+            <a:spAutoFit/>
+          </a:bodyPr>
+          <a:lstStyle/>
+          <a:p>
+            <a:r>
+              <a:rPr lang="en-US" sz="2400" b="1" dirty="0"/>
+              <a:t>https://</a:t>
+            </a:r>
+            <a:r>
+              <a:rPr lang="en-US" sz="2400" b="1" dirty="0" err="1"/>
+              <a:t>pasadenacc.on.worldcat.org</a:t>
+            </a:r>
+            <a:r>
+              <a:rPr lang="en-US" sz="2400" b="1" dirty="0"/>
+              <a:t>/</a:t>
+            </a:r>
+            <a:r>
+              <a:rPr lang="en-US" sz="2400" b="1" dirty="0" err="1"/>
+              <a:t>search?format</a:t>
+            </a:r>
+            <a:r>
+              <a:rPr lang="en-US" sz="2400" b="1" dirty="0"/>
+              <a:t>=</a:t>
+            </a:r>
+            <a:r>
+              <a:rPr lang="en-US" sz="2400" b="1" dirty="0" err="1"/>
+              <a:t>all&amp;queryString</a:t>
+            </a:r>
+            <a:r>
+              <a:rPr lang="en-US" sz="2400" b="1" dirty="0"/>
+              <a:t>=little+women&amp;wcsbtn2w=Search</a:t>
+            </a:r>
           </a:p>
         </p:txBody>
       </p:sp>
     </p:spTree>
     <p:extLst>
       <p:ext uri="{BB962C8B-B14F-4D97-AF65-F5344CB8AC3E}">
-        <p14:creationId xmlns:p14="http://schemas.microsoft.com/office/powerpoint/2010/main" val="3365736196"/>
+        <p14:creationId xmlns:p14="http://schemas.microsoft.com/office/powerpoint/2010/main" val="561016861"/>
       </p:ext>
     </p:extLst>
   </p:cSld>
@@ -3846,6 +6826,332 @@
           <p:cNvPr id="2" name="Title 1">
             <a:extLst>
               <a:ext uri="{FF2B5EF4-FFF2-40B4-BE49-F238E27FC236}">
+                <a16:creationId xmlns:a16="http://schemas.microsoft.com/office/drawing/2014/main" id="{3A855A1D-F463-FD47-A88A-0A65B3917450}"/>
+              </a:ext>
+            </a:extLst>
+          </p:cNvPr>
+          <p:cNvSpPr>
+            <a:spLocks noGrp="1"/>
+          </p:cNvSpPr>
+          <p:nvPr>
+            <p:ph type="title"/>
+          </p:nvPr>
+        </p:nvSpPr>
+        <p:spPr/>
+        <p:txBody>
+          <a:bodyPr/>
+          <a:lstStyle/>
+          <a:p>
+            <a:r>
+              <a:rPr lang="en-US" dirty="0"/>
+              <a:t>Reflection</a:t>
+            </a:r>
+          </a:p>
+        </p:txBody>
+      </p:sp>
+      <p:sp>
+        <p:nvSpPr>
+          <p:cNvPr id="3" name="Content Placeholder 2">
+            <a:extLst>
+              <a:ext uri="{FF2B5EF4-FFF2-40B4-BE49-F238E27FC236}">
+                <a16:creationId xmlns:a16="http://schemas.microsoft.com/office/drawing/2014/main" id="{D8DF93AF-4D1E-E841-9A11-9705960BAA7F}"/>
+              </a:ext>
+            </a:extLst>
+          </p:cNvPr>
+          <p:cNvSpPr>
+            <a:spLocks noGrp="1"/>
+          </p:cNvSpPr>
+          <p:nvPr>
+            <p:ph idx="1"/>
+          </p:nvPr>
+        </p:nvSpPr>
+        <p:spPr>
+          <a:xfrm>
+            <a:off x="818712" y="2222288"/>
+            <a:ext cx="10554574" cy="2149688"/>
+          </a:xfrm>
+        </p:spPr>
+        <p:txBody>
+          <a:bodyPr>
+            <a:normAutofit/>
+          </a:bodyPr>
+          <a:lstStyle/>
+          <a:p>
+            <a:r>
+              <a:rPr lang="en-US" sz="2400" dirty="0"/>
+              <a:t>What is an omnibox?</a:t>
+            </a:r>
+          </a:p>
+        </p:txBody>
+      </p:sp>
+      <p:sp>
+        <p:nvSpPr>
+          <p:cNvPr id="4" name="Content Placeholder 2">
+            <a:extLst>
+              <a:ext uri="{FF2B5EF4-FFF2-40B4-BE49-F238E27FC236}">
+                <a16:creationId xmlns:a16="http://schemas.microsoft.com/office/drawing/2014/main" id="{C00FD6D1-822E-774A-ACCC-CA8A7FD4E8AB}"/>
+              </a:ext>
+            </a:extLst>
+          </p:cNvPr>
+          <p:cNvSpPr txBox="1">
+            <a:spLocks/>
+          </p:cNvSpPr>
+          <p:nvPr/>
+        </p:nvSpPr>
+        <p:spPr>
+          <a:xfrm>
+            <a:off x="810000" y="3219132"/>
+            <a:ext cx="10554574" cy="2149688"/>
+          </a:xfrm>
+          <a:prstGeom prst="rect">
+            <a:avLst/>
+          </a:prstGeom>
+          <a:effectLst>
+            <a:outerShdw blurRad="50800" dir="14400000">
+              <a:srgbClr val="000000">
+                <a:alpha val="40000"/>
+              </a:srgbClr>
+            </a:outerShdw>
+          </a:effectLst>
+        </p:spPr>
+        <p:txBody>
+          <a:bodyPr vert="horz" lIns="91440" tIns="45720" rIns="91440" bIns="45720" rtlCol="0" anchor="ctr">
+            <a:normAutofit/>
+          </a:bodyPr>
+          <a:lstStyle>
+            <a:lvl1pPr marL="342900" indent="-342900" algn="l" defTabSz="457200" rtl="0" eaLnBrk="1" latinLnBrk="0" hangingPunct="1">
+              <a:spcBef>
+                <a:spcPct val="20000"/>
+              </a:spcBef>
+              <a:spcAft>
+                <a:spcPts val="600"/>
+              </a:spcAft>
+              <a:buClr>
+                <a:schemeClr val="accent1"/>
+              </a:buClr>
+              <a:buFont typeface="Wingdings 2" charset="2"/>
+              <a:buChar char=""/>
+              <a:defRPr sz="1800" kern="1200">
+                <a:solidFill>
+                  <a:schemeClr val="tx1"/>
+                </a:solidFill>
+                <a:latin typeface="+mn-lt"/>
+                <a:ea typeface="+mn-ea"/>
+                <a:cs typeface="+mn-cs"/>
+              </a:defRPr>
+            </a:lvl1pPr>
+            <a:lvl2pPr marL="742950" indent="-285750" algn="l" defTabSz="457200" rtl="0" eaLnBrk="1" latinLnBrk="0" hangingPunct="1">
+              <a:spcBef>
+                <a:spcPct val="20000"/>
+              </a:spcBef>
+              <a:spcAft>
+                <a:spcPts val="600"/>
+              </a:spcAft>
+              <a:buClr>
+                <a:schemeClr val="accent1"/>
+              </a:buClr>
+              <a:buFont typeface="Wingdings 2" charset="2"/>
+              <a:buChar char=""/>
+              <a:defRPr sz="1600" kern="1200">
+                <a:solidFill>
+                  <a:schemeClr val="tx1"/>
+                </a:solidFill>
+                <a:latin typeface="+mn-lt"/>
+                <a:ea typeface="+mn-ea"/>
+                <a:cs typeface="+mn-cs"/>
+              </a:defRPr>
+            </a:lvl2pPr>
+            <a:lvl3pPr marL="1143000" indent="-228600" algn="l" defTabSz="457200" rtl="0" eaLnBrk="1" latinLnBrk="0" hangingPunct="1">
+              <a:spcBef>
+                <a:spcPct val="20000"/>
+              </a:spcBef>
+              <a:spcAft>
+                <a:spcPts val="600"/>
+              </a:spcAft>
+              <a:buClr>
+                <a:schemeClr val="accent1"/>
+              </a:buClr>
+              <a:buFont typeface="Wingdings 2" charset="2"/>
+              <a:buChar char=""/>
+              <a:defRPr sz="1400" kern="1200">
+                <a:solidFill>
+                  <a:schemeClr val="tx1"/>
+                </a:solidFill>
+                <a:latin typeface="+mn-lt"/>
+                <a:ea typeface="+mn-ea"/>
+                <a:cs typeface="+mn-cs"/>
+              </a:defRPr>
+            </a:lvl3pPr>
+            <a:lvl4pPr marL="1600200" indent="-228600" algn="l" defTabSz="457200" rtl="0" eaLnBrk="1" latinLnBrk="0" hangingPunct="1">
+              <a:spcBef>
+                <a:spcPct val="20000"/>
+              </a:spcBef>
+              <a:spcAft>
+                <a:spcPts val="600"/>
+              </a:spcAft>
+              <a:buClr>
+                <a:schemeClr val="accent1"/>
+              </a:buClr>
+              <a:buFont typeface="Wingdings 2" charset="2"/>
+              <a:buChar char=""/>
+              <a:defRPr sz="1200" kern="1200">
+                <a:solidFill>
+                  <a:schemeClr val="tx1"/>
+                </a:solidFill>
+                <a:latin typeface="+mn-lt"/>
+                <a:ea typeface="+mn-ea"/>
+                <a:cs typeface="+mn-cs"/>
+              </a:defRPr>
+            </a:lvl4pPr>
+            <a:lvl5pPr marL="2057400" indent="-228600" algn="l" defTabSz="457200" rtl="0" eaLnBrk="1" latinLnBrk="0" hangingPunct="1">
+              <a:spcBef>
+                <a:spcPct val="20000"/>
+              </a:spcBef>
+              <a:spcAft>
+                <a:spcPts val="600"/>
+              </a:spcAft>
+              <a:buClr>
+                <a:schemeClr val="accent1"/>
+              </a:buClr>
+              <a:buFont typeface="Wingdings 2" charset="2"/>
+              <a:buChar char=""/>
+              <a:defRPr sz="1200" kern="1200">
+                <a:solidFill>
+                  <a:schemeClr val="tx1"/>
+                </a:solidFill>
+                <a:latin typeface="+mn-lt"/>
+                <a:ea typeface="+mn-ea"/>
+                <a:cs typeface="+mn-cs"/>
+              </a:defRPr>
+            </a:lvl5pPr>
+            <a:lvl6pPr marL="2400000" indent="-228600" algn="l" defTabSz="457200" rtl="0" eaLnBrk="1" latinLnBrk="0" hangingPunct="1">
+              <a:spcBef>
+                <a:spcPct val="20000"/>
+              </a:spcBef>
+              <a:spcAft>
+                <a:spcPts val="600"/>
+              </a:spcAft>
+              <a:buClr>
+                <a:schemeClr val="accent1"/>
+              </a:buClr>
+              <a:buFont typeface="Wingdings 2" charset="2"/>
+              <a:buChar char=""/>
+              <a:defRPr sz="1200" kern="1200">
+                <a:solidFill>
+                  <a:schemeClr val="tx1"/>
+                </a:solidFill>
+                <a:latin typeface="+mn-lt"/>
+                <a:ea typeface="+mn-ea"/>
+                <a:cs typeface="+mn-cs"/>
+              </a:defRPr>
+            </a:lvl6pPr>
+            <a:lvl7pPr marL="2800000" indent="-228600" algn="l" defTabSz="457200" rtl="0" eaLnBrk="1" latinLnBrk="0" hangingPunct="1">
+              <a:spcBef>
+                <a:spcPct val="20000"/>
+              </a:spcBef>
+              <a:spcAft>
+                <a:spcPts val="600"/>
+              </a:spcAft>
+              <a:buClr>
+                <a:schemeClr val="accent1"/>
+              </a:buClr>
+              <a:buFont typeface="Wingdings 2" charset="2"/>
+              <a:buChar char=""/>
+              <a:defRPr sz="1200" kern="1200">
+                <a:solidFill>
+                  <a:schemeClr val="tx1"/>
+                </a:solidFill>
+                <a:latin typeface="+mn-lt"/>
+                <a:ea typeface="+mn-ea"/>
+                <a:cs typeface="+mn-cs"/>
+              </a:defRPr>
+            </a:lvl7pPr>
+            <a:lvl8pPr marL="3200000" indent="-228600" algn="l" defTabSz="457200" rtl="0" eaLnBrk="1" latinLnBrk="0" hangingPunct="1">
+              <a:spcBef>
+                <a:spcPct val="20000"/>
+              </a:spcBef>
+              <a:spcAft>
+                <a:spcPts val="600"/>
+              </a:spcAft>
+              <a:buClr>
+                <a:schemeClr val="accent1"/>
+              </a:buClr>
+              <a:buFont typeface="Wingdings 2" charset="2"/>
+              <a:buChar char=""/>
+              <a:defRPr sz="1200" kern="1200">
+                <a:solidFill>
+                  <a:schemeClr val="tx1"/>
+                </a:solidFill>
+                <a:latin typeface="+mn-lt"/>
+                <a:ea typeface="+mn-ea"/>
+                <a:cs typeface="+mn-cs"/>
+              </a:defRPr>
+            </a:lvl8pPr>
+            <a:lvl9pPr marL="3600000" indent="-228600" algn="l" defTabSz="457200" rtl="0" eaLnBrk="1" latinLnBrk="0" hangingPunct="1">
+              <a:spcBef>
+                <a:spcPct val="20000"/>
+              </a:spcBef>
+              <a:spcAft>
+                <a:spcPts val="600"/>
+              </a:spcAft>
+              <a:buClr>
+                <a:schemeClr val="accent1"/>
+              </a:buClr>
+              <a:buFont typeface="Wingdings 2" charset="2"/>
+              <a:buChar char=""/>
+              <a:defRPr sz="1200" kern="1200">
+                <a:solidFill>
+                  <a:schemeClr val="tx1"/>
+                </a:solidFill>
+                <a:latin typeface="+mn-lt"/>
+                <a:ea typeface="+mn-ea"/>
+                <a:cs typeface="+mn-cs"/>
+              </a:defRPr>
+            </a:lvl9pPr>
+          </a:lstStyle>
+          <a:p>
+            <a:r>
+              <a:rPr lang="en-US" sz="2400" dirty="0"/>
+              <a:t>Do you think omniboxes are useful? Why or why not?</a:t>
+            </a:r>
+          </a:p>
+        </p:txBody>
+      </p:sp>
+    </p:spTree>
+    <p:extLst>
+      <p:ext uri="{BB962C8B-B14F-4D97-AF65-F5344CB8AC3E}">
+        <p14:creationId xmlns:p14="http://schemas.microsoft.com/office/powerpoint/2010/main" val="222083872"/>
+      </p:ext>
+    </p:extLst>
+  </p:cSld>
+  <p:clrMapOvr>
+    <a:masterClrMapping/>
+  </p:clrMapOvr>
+</p:sld>
+</file>
+
+<file path=ppt/slides/slide8.xml><?xml version="1.0" encoding="utf-8"?>
+<p:sld xmlns:a="http://schemas.openxmlformats.org/drawingml/2006/main" xmlns:r="http://schemas.openxmlformats.org/officeDocument/2006/relationships" xmlns:p="http://schemas.openxmlformats.org/presentationml/2006/main">
+  <p:cSld>
+    <p:spTree>
+      <p:nvGrpSpPr>
+        <p:cNvPr id="1" name=""/>
+        <p:cNvGrpSpPr/>
+        <p:nvPr/>
+      </p:nvGrpSpPr>
+      <p:grpSpPr>
+        <a:xfrm>
+          <a:off x="0" y="0"/>
+          <a:ext cx="0" cy="0"/>
+          <a:chOff x="0" y="0"/>
+          <a:chExt cx="0" cy="0"/>
+        </a:xfrm>
+      </p:grpSpPr>
+      <p:sp>
+        <p:nvSpPr>
+          <p:cNvPr id="2" name="Title 1">
+            <a:extLst>
+              <a:ext uri="{FF2B5EF4-FFF2-40B4-BE49-F238E27FC236}">
                 <a16:creationId xmlns:a16="http://schemas.microsoft.com/office/drawing/2014/main" id="{3AE171E4-670F-F54E-9528-AB1C6FBC4F40}"/>
               </a:ext>
             </a:extLst>
@@ -3887,29 +7193,83 @@
         </p:nvSpPr>
         <p:spPr/>
         <p:txBody>
-          <a:bodyPr/>
+          <a:bodyPr>
+            <a:normAutofit/>
+          </a:bodyPr>
           <a:lstStyle/>
           <a:p>
-            <a:r>
-              <a:rPr lang="en-US" dirty="0"/>
-              <a:t>https://</a:t>
-            </a:r>
-            <a:r>
-              <a:rPr lang="en-US" dirty="0" err="1"/>
-              <a:t>support.google.com</a:t>
-            </a:r>
-            <a:r>
-              <a:rPr lang="en-US" dirty="0"/>
-              <a:t>/chrome/answer/95426?hl=</a:t>
-            </a:r>
-            <a:r>
-              <a:rPr lang="en-US" dirty="0" err="1"/>
-              <a:t>en&amp;co</a:t>
-            </a:r>
-            <a:r>
-              <a:rPr lang="en-US" dirty="0"/>
-              <a:t>=GENIE.Platform%3DDesktop</a:t>
-            </a:r>
+            <a:pPr>
+              <a:buFont typeface="+mj-lt"/>
+              <a:buAutoNum type="arabicPeriod"/>
+            </a:pPr>
+            <a:r>
+              <a:rPr lang="en-US" sz="2400" dirty="0"/>
+              <a:t>“Omnibox.” </a:t>
+            </a:r>
+            <a:r>
+              <a:rPr lang="en-US" sz="2400" dirty="0">
+                <a:hlinkClick r:id="rId2">
+                  <a:extLst>
+                    <a:ext uri="{A12FA001-AC4F-418D-AE19-62706E023703}">
+                      <ahyp:hlinkClr xmlns:ahyp="http://schemas.microsoft.com/office/drawing/2018/hyperlinkcolor" val="tx"/>
+                    </a:ext>
+                  </a:extLst>
+                </a:hlinkClick>
+              </a:rPr>
+              <a:t>https://www.computerhope.com/jargon/o/omnibox.htm</a:t>
+            </a:r>
+            <a:endParaRPr lang="en-US" sz="2400" dirty="0"/>
+          </a:p>
+          <a:p>
+            <a:pPr>
+              <a:buFont typeface="+mj-lt"/>
+              <a:buAutoNum type="arabicPeriod"/>
+            </a:pPr>
+            <a:r>
+              <a:rPr lang="en-US" sz="2400" dirty="0"/>
+              <a:t>“Set your default search engine.” </a:t>
+            </a:r>
+            <a:r>
+              <a:rPr lang="en-US" sz="2400" dirty="0">
+                <a:hlinkClick r:id="rId3">
+                  <a:extLst>
+                    <a:ext uri="{A12FA001-AC4F-418D-AE19-62706E023703}">
+                      <ahyp:hlinkClr xmlns:ahyp="http://schemas.microsoft.com/office/drawing/2018/hyperlinkcolor" val="tx"/>
+                    </a:ext>
+                  </a:extLst>
+                </a:hlinkClick>
+              </a:rPr>
+              <a:t>https://support.google.com/chrome/answer/95426?hl=en&amp;co=GENIE.Platform%3DDesktop</a:t>
+            </a:r>
+            <a:endParaRPr lang="en-US" sz="2400" dirty="0"/>
+          </a:p>
+          <a:p>
+            <a:pPr marL="0" indent="0">
+              <a:buNone/>
+            </a:pPr>
+            <a:endParaRPr lang="en-US" sz="2400" dirty="0"/>
+          </a:p>
+          <a:p>
+            <a:pPr marL="0" indent="0">
+              <a:buNone/>
+            </a:pPr>
+            <a:r>
+              <a:rPr lang="en-US" sz="2400" dirty="0"/>
+              <a:t>Slides and notes available at </a:t>
+            </a:r>
+            <a:r>
+              <a:rPr lang="en-US" sz="2400" dirty="0">
+                <a:hlinkClick r:id="rId4">
+                  <a:extLst>
+                    <a:ext uri="{A12FA001-AC4F-418D-AE19-62706E023703}">
+                      <ahyp:hlinkClr xmlns:ahyp="http://schemas.microsoft.com/office/drawing/2018/hyperlinkcolor" val="tx"/>
+                    </a:ext>
+                  </a:extLst>
+                </a:hlinkClick>
+              </a:rPr>
+              <a:t>cemathieu42.github.io</a:t>
+            </a:r>
+            <a:endParaRPr lang="en-US" sz="2400" dirty="0"/>
           </a:p>
         </p:txBody>
       </p:sp>
@@ -3927,9 +7287,9 @@
 </file>
 
 <file path=ppt/theme/theme1.xml><?xml version="1.0" encoding="utf-8"?>
-<a:theme xmlns:a="http://schemas.openxmlformats.org/drawingml/2006/main" name="Office Theme">
+<a:theme xmlns:a="http://schemas.openxmlformats.org/drawingml/2006/main" name="Quotable">
   <a:themeElements>
-    <a:clrScheme name="Office">
+    <a:clrScheme name="Quotable">
       <a:dk1>
         <a:sysClr val="windowText" lastClr="000000"/>
       </a:dk1>
@@ -3937,100 +7297,48 @@
         <a:sysClr val="window" lastClr="FFFFFF"/>
       </a:lt1>
       <a:dk2>
-        <a:srgbClr val="44546A"/>
+        <a:srgbClr val="212121"/>
       </a:dk2>
       <a:lt2>
-        <a:srgbClr val="E7E6E6"/>
+        <a:srgbClr val="636363"/>
       </a:lt2>
       <a:accent1>
-        <a:srgbClr val="4472C4"/>
+        <a:srgbClr val="00C6BB"/>
       </a:accent1>
       <a:accent2>
-        <a:srgbClr val="ED7D31"/>
+        <a:srgbClr val="6FEBA0"/>
       </a:accent2>
       <a:accent3>
-        <a:srgbClr val="A5A5A5"/>
+        <a:srgbClr val="B6DF5E"/>
       </a:accent3>
       <a:accent4>
-        <a:srgbClr val="FFC000"/>
+        <a:srgbClr val="EFB251"/>
       </a:accent4>
       <a:accent5>
-        <a:srgbClr val="5B9BD5"/>
+        <a:srgbClr val="EF755F"/>
       </a:accent5>
       <a:accent6>
-        <a:srgbClr val="70AD47"/>
+        <a:srgbClr val="ED515C"/>
       </a:accent6>
       <a:hlink>
-        <a:srgbClr val="0563C1"/>
+        <a:srgbClr val="8F8F8F"/>
       </a:hlink>
       <a:folHlink>
-        <a:srgbClr val="954F72"/>
+        <a:srgbClr val="A5A5A5"/>
       </a:folHlink>
     </a:clrScheme>
-    <a:fontScheme name="Office">
+    <a:fontScheme name="Quotable">
       <a:majorFont>
-        <a:latin typeface="Calibri Light" panose="020F0302020204030204"/>
+        <a:latin typeface="Century Gothic" panose="020B0502020202020204"/>
         <a:ea typeface=""/>
         <a:cs typeface=""/>
-        <a:font script="Jpan" typeface="游ゴシック Light"/>
+        <a:font script="Jpan" typeface="ＭＳ ゴシック"/>
         <a:font script="Hang" typeface="맑은 고딕"/>
-        <a:font script="Hans" typeface="等线 Light"/>
+        <a:font script="Hans" typeface="宋体"/>
         <a:font script="Hant" typeface="新細明體"/>
-        <a:font script="Arab" typeface="Times New Roman"/>
-        <a:font script="Hebr" typeface="Times New Roman"/>
-        <a:font script="Thai" typeface="Angsana New"/>
-        <a:font script="Ethi" typeface="Nyala"/>
-        <a:font script="Beng" typeface="Vrinda"/>
-        <a:font script="Gujr" typeface="Shruti"/>
-        <a:font script="Khmr" typeface="MoolBoran"/>
-        <a:font script="Knda" typeface="Tunga"/>
-        <a:font script="Guru" typeface="Raavi"/>
-        <a:font script="Cans" typeface="Euphemia"/>
-        <a:font script="Cher" typeface="Plantagenet Cherokee"/>
-        <a:font script="Yiii" typeface="Microsoft Yi Baiti"/>
-        <a:font script="Tibt" typeface="Microsoft Himalaya"/>
-        <a:font script="Thaa" typeface="MV Boli"/>
-        <a:font script="Deva" typeface="Mangal"/>
-        <a:font script="Telu" typeface="Gautami"/>
-        <a:font script="Taml" typeface="Latha"/>
-        <a:font script="Syrc" typeface="Estrangelo Edessa"/>
-        <a:font script="Orya" typeface="Kalinga"/>
-        <a:font script="Mlym" typeface="Kartika"/>
-        <a:font script="Laoo" typeface="DokChampa"/>
-        <a:font script="Sinh" typeface="Iskoola Pota"/>
-        <a:font script="Mong" typeface="Mongolian Baiti"/>
-        <a:font script="Viet" typeface="Times New Roman"/>
-        <a:font script="Uigh" typeface="Microsoft Uighur"/>
-        <a:font script="Geor" typeface="Sylfaen"/>
-        <a:font script="Armn" typeface="Arial"/>
-        <a:font script="Bugi" typeface="Leelawadee UI"/>
-        <a:font script="Bopo" typeface="Microsoft JhengHei"/>
-        <a:font script="Java" typeface="Javanese Text"/>
-        <a:font script="Lisu" typeface="Segoe UI"/>
-        <a:font script="Mymr" typeface="Myanmar Text"/>
-        <a:font script="Nkoo" typeface="Ebrima"/>
-        <a:font script="Olck" typeface="Nirmala UI"/>
-        <a:font script="Osma" typeface="Ebrima"/>
-        <a:font script="Phag" typeface="Phagspa"/>
-        <a:font script="Syrn" typeface="Estrangelo Edessa"/>
-        <a:font script="Syrj" typeface="Estrangelo Edessa"/>
-        <a:font script="Syre" typeface="Estrangelo Edessa"/>
-        <a:font script="Sora" typeface="Nirmala UI"/>
-        <a:font script="Tale" typeface="Microsoft Tai Le"/>
-        <a:font script="Talu" typeface="Microsoft New Tai Lue"/>
-        <a:font script="Tfng" typeface="Ebrima"/>
-      </a:majorFont>
-      <a:minorFont>
-        <a:latin typeface="Calibri" panose="020F0502020204030204"/>
-        <a:ea typeface=""/>
-        <a:cs typeface=""/>
-        <a:font script="Jpan" typeface="游ゴシック"/>
-        <a:font script="Hang" typeface="맑은 고딕"/>
-        <a:font script="Hans" typeface="等线"/>
-        <a:font script="Hant" typeface="新細明體"/>
-        <a:font script="Arab" typeface="Arial"/>
-        <a:font script="Hebr" typeface="Arial"/>
-        <a:font script="Thai" typeface="Cordia New"/>
+        <a:font script="Arab" typeface="Tahoma"/>
+        <a:font script="Hebr" typeface="Gisha"/>
+        <a:font script="Thai" typeface="DilleniaUPC"/>
         <a:font script="Ethi" typeface="Nyala"/>
         <a:font script="Beng" typeface="Vrinda"/>
         <a:font script="Gujr" typeface="Shruti"/>
@@ -4051,29 +7359,47 @@
         <a:font script="Laoo" typeface="DokChampa"/>
         <a:font script="Sinh" typeface="Iskoola Pota"/>
         <a:font script="Mong" typeface="Mongolian Baiti"/>
-        <a:font script="Viet" typeface="Arial"/>
+        <a:font script="Viet" typeface="Tahoma"/>
         <a:font script="Uigh" typeface="Microsoft Uighur"/>
         <a:font script="Geor" typeface="Sylfaen"/>
-        <a:font script="Armn" typeface="Arial"/>
-        <a:font script="Bugi" typeface="Leelawadee UI"/>
-        <a:font script="Bopo" typeface="Microsoft JhengHei"/>
-        <a:font script="Java" typeface="Javanese Text"/>
-        <a:font script="Lisu" typeface="Segoe UI"/>
-        <a:font script="Mymr" typeface="Myanmar Text"/>
-        <a:font script="Nkoo" typeface="Ebrima"/>
-        <a:font script="Olck" typeface="Nirmala UI"/>
-        <a:font script="Osma" typeface="Ebrima"/>
-        <a:font script="Phag" typeface="Phagspa"/>
-        <a:font script="Syrn" typeface="Estrangelo Edessa"/>
-        <a:font script="Syrj" typeface="Estrangelo Edessa"/>
-        <a:font script="Syre" typeface="Estrangelo Edessa"/>
-        <a:font script="Sora" typeface="Nirmala UI"/>
-        <a:font script="Tale" typeface="Microsoft Tai Le"/>
-        <a:font script="Talu" typeface="Microsoft New Tai Lue"/>
-        <a:font script="Tfng" typeface="Ebrima"/>
+      </a:majorFont>
+      <a:minorFont>
+        <a:latin typeface="Century Gothic" panose="020B0502020202020204"/>
+        <a:ea typeface=""/>
+        <a:cs typeface=""/>
+        <a:font script="Jpan" typeface="ＭＳ ゴシック"/>
+        <a:font script="Hang" typeface="맑은 고딕"/>
+        <a:font script="Hans" typeface="宋体"/>
+        <a:font script="Hant" typeface="新細明體"/>
+        <a:font script="Arab" typeface="Tahoma"/>
+        <a:font script="Hebr" typeface="Gisha"/>
+        <a:font script="Thai" typeface="DilleniaUPC"/>
+        <a:font script="Ethi" typeface="Nyala"/>
+        <a:font script="Beng" typeface="Vrinda"/>
+        <a:font script="Gujr" typeface="Shruti"/>
+        <a:font script="Khmr" typeface="DaunPenh"/>
+        <a:font script="Knda" typeface="Tunga"/>
+        <a:font script="Guru" typeface="Raavi"/>
+        <a:font script="Cans" typeface="Euphemia"/>
+        <a:font script="Cher" typeface="Plantagenet Cherokee"/>
+        <a:font script="Yiii" typeface="Microsoft Yi Baiti"/>
+        <a:font script="Tibt" typeface="Microsoft Himalaya"/>
+        <a:font script="Thaa" typeface="MV Boli"/>
+        <a:font script="Deva" typeface="Mangal"/>
+        <a:font script="Telu" typeface="Gautami"/>
+        <a:font script="Taml" typeface="Latha"/>
+        <a:font script="Syrc" typeface="Estrangelo Edessa"/>
+        <a:font script="Orya" typeface="Kalinga"/>
+        <a:font script="Mlym" typeface="Kartika"/>
+        <a:font script="Laoo" typeface="DokChampa"/>
+        <a:font script="Sinh" typeface="Iskoola Pota"/>
+        <a:font script="Mong" typeface="Mongolian Baiti"/>
+        <a:font script="Viet" typeface="Verdana"/>
+        <a:font script="Uigh" typeface="Microsoft Uighur"/>
+        <a:font script="Geor" typeface="Sylfaen"/>
       </a:minorFont>
     </a:fontScheme>
-    <a:fmtScheme name="Office">
+    <a:fmtScheme name="Quotable">
       <a:fillStyleLst>
         <a:solidFill>
           <a:schemeClr val="phClr"/>
@@ -4082,76 +7408,52 @@
           <a:gsLst>
             <a:gs pos="0">
               <a:schemeClr val="phClr">
-                <a:lumMod val="110000"/>
-                <a:satMod val="105000"/>
-                <a:tint val="67000"/>
-              </a:schemeClr>
-            </a:gs>
-            <a:gs pos="50000">
-              <a:schemeClr val="phClr">
+                <a:tint val="80000"/>
                 <a:lumMod val="105000"/>
-                <a:satMod val="103000"/>
-                <a:tint val="73000"/>
               </a:schemeClr>
             </a:gs>
             <a:gs pos="100000">
               <a:schemeClr val="phClr">
-                <a:lumMod val="105000"/>
-                <a:satMod val="109000"/>
-                <a:tint val="81000"/>
+                <a:tint val="90000"/>
               </a:schemeClr>
             </a:gs>
           </a:gsLst>
           <a:lin ang="5400000" scaled="0"/>
         </a:gradFill>
-        <a:gradFill rotWithShape="1">
-          <a:gsLst>
-            <a:gs pos="0">
+        <a:blipFill rotWithShape="1">
+          <a:blip xmlns:r="http://schemas.openxmlformats.org/officeDocument/2006/relationships" r:embed="rId1">
+            <a:duotone>
               <a:schemeClr val="phClr">
-                <a:satMod val="103000"/>
+                <a:tint val="98000"/>
                 <a:lumMod val="102000"/>
-                <a:tint val="94000"/>
               </a:schemeClr>
-            </a:gs>
-            <a:gs pos="50000">
               <a:schemeClr val="phClr">
-                <a:satMod val="110000"/>
-                <a:lumMod val="100000"/>
-                <a:shade val="100000"/>
+                <a:shade val="98000"/>
+                <a:lumMod val="98000"/>
               </a:schemeClr>
-            </a:gs>
-            <a:gs pos="100000">
-              <a:schemeClr val="phClr">
-                <a:lumMod val="99000"/>
-                <a:satMod val="120000"/>
-                <a:shade val="78000"/>
-              </a:schemeClr>
-            </a:gs>
-          </a:gsLst>
-          <a:lin ang="5400000" scaled="0"/>
-        </a:gradFill>
+            </a:duotone>
+          </a:blip>
+          <a:tile tx="0" ty="0" sx="100000" sy="100000" flip="none" algn="tl"/>
+        </a:blipFill>
       </a:fillStyleLst>
       <a:lnStyleLst>
-        <a:ln w="6350" cap="flat" cmpd="sng" algn="ctr">
+        <a:ln w="9525" cap="rnd" cmpd="sng" algn="ctr">
           <a:solidFill>
             <a:schemeClr val="phClr"/>
           </a:solidFill>
           <a:prstDash val="solid"/>
-          <a:miter lim="800000"/>
         </a:ln>
-        <a:ln w="12700" cap="flat" cmpd="sng" algn="ctr">
+        <a:ln w="15875" cap="rnd" cmpd="sng" algn="ctr">
           <a:solidFill>
             <a:schemeClr val="phClr"/>
           </a:solidFill>
           <a:prstDash val="solid"/>
-          <a:miter lim="800000"/>
         </a:ln>
-        <a:ln w="19050" cap="flat" cmpd="sng" algn="ctr">
+        <a:ln w="25400" cap="rnd" cmpd="sng" algn="ctr">
           <a:solidFill>
             <a:schemeClr val="phClr"/>
           </a:solidFill>
           <a:prstDash val="solid"/>
-          <a:miter lim="800000"/>
         </a:ln>
       </a:lnStyleLst>
       <a:effectStyleLst>
@@ -4163,11 +7465,11 @@
         </a:effectStyle>
         <a:effectStyle>
           <a:effectLst>
-            <a:outerShdw blurRad="57150" dist="19050" dir="5400000" algn="ctr" rotWithShape="0">
+            <a:innerShdw blurRad="63500" dist="25400" dir="13500000">
               <a:srgbClr val="000000">
-                <a:alpha val="63000"/>
+                <a:alpha val="75000"/>
               </a:srgbClr>
-            </a:outerShdw>
+            </a:innerShdw>
           </a:effectLst>
         </a:effectStyle>
       </a:effectStyleLst>
@@ -4175,35 +7477,35 @@
         <a:solidFill>
           <a:schemeClr val="phClr"/>
         </a:solidFill>
-        <a:solidFill>
-          <a:schemeClr val="phClr">
-            <a:tint val="95000"/>
-            <a:satMod val="170000"/>
-          </a:schemeClr>
-        </a:solidFill>
         <a:gradFill rotWithShape="1">
           <a:gsLst>
             <a:gs pos="0">
               <a:schemeClr val="phClr">
-                <a:tint val="93000"/>
-                <a:satMod val="150000"/>
-                <a:shade val="98000"/>
-                <a:lumMod val="102000"/>
-              </a:schemeClr>
-            </a:gs>
-            <a:gs pos="50000">
-              <a:schemeClr val="phClr">
-                <a:tint val="98000"/>
-                <a:satMod val="130000"/>
-                <a:shade val="90000"/>
-                <a:lumMod val="103000"/>
+                <a:tint val="100000"/>
               </a:schemeClr>
             </a:gs>
             <a:gs pos="100000">
               <a:schemeClr val="phClr">
-                <a:shade val="63000"/>
+                <a:tint val="84000"/>
+                <a:shade val="84000"/>
+                <a:lumMod val="90000"/>
+              </a:schemeClr>
+            </a:gs>
+          </a:gsLst>
+          <a:lin ang="5400000" scaled="0"/>
+        </a:gradFill>
+        <a:gradFill rotWithShape="1">
+          <a:gsLst>
+            <a:gs pos="0">
+              <a:schemeClr val="phClr">
+                <a:tint val="84000"/>
+                <a:shade val="90000"/>
                 <a:satMod val="120000"/>
+                <a:lumMod val="90000"/>
               </a:schemeClr>
+            </a:gs>
+            <a:gs pos="100000">
+              <a:schemeClr val="phClr"/>
             </a:gs>
           </a:gsLst>
           <a:lin ang="5400000" scaled="0"/>
@@ -4215,7 +7517,7 @@
   <a:extraClrSchemeLst/>
   <a:extLst>
     <a:ext uri="{05A4C25C-085E-4340-85A3-A5531E510DB2}">
-      <thm15:themeFamily xmlns:thm15="http://schemas.microsoft.com/office/thememl/2012/main" name="Office Theme" id="{62F939B6-93AF-4DB8-9C6B-D6C7DFDC589F}" vid="{4A3C46E8-61CC-4603-A589-7422A47A8E4A}"/>
+      <thm15:themeFamily xmlns:thm15="http://schemas.microsoft.com/office/thememl/2012/main" name="Quotable" id="{39EC5628-30ED-4578-ACD8-9820EDB8E15A}" vid="{6F3559E9-1A4C-49D8-94D4-F41003531C49}"/>
     </a:ext>
   </a:extLst>
 </a:theme>
